--- a/images/programming/Kubernetes_Operator_SDK_Golang/Kubernetes_Operator_SDK_Golang.pptx
+++ b/images/programming/Kubernetes_Operator_SDK_Golang/Kubernetes_Operator_SDK_Golang.pptx
@@ -3810,8 +3810,8 @@
             <a:solidFill>
               <a:schemeClr val="tx1"/>
             </a:solidFill>
-            <a:headEnd type="none" w="med" len="med"/>
-            <a:tailEnd type="arrow" w="med" len="med"/>
+            <a:headEnd type="arrow" w="med" len="med"/>
+            <a:tailEnd type="none" w="med" len="med"/>
           </a:ln>
         </p:spPr>
         <p:style>
@@ -3990,7 +3990,7 @@
           <a:prstGeom prst="arc">
             <a:avLst>
               <a:gd name="adj1" fmla="val 10787348"/>
-              <a:gd name="adj2" fmla="val 0"/>
+              <a:gd name="adj2" fmla="val 27559"/>
             </a:avLst>
           </a:prstGeom>
           <a:ln w="28575">
@@ -4200,8 +4200,8 @@
         </p:nvSpPr>
         <p:spPr>
           <a:xfrm>
-            <a:off x="4181567" y="4443958"/>
-            <a:ext cx="1301318" cy="307777"/>
+            <a:off x="3664716" y="4443958"/>
+            <a:ext cx="2437527" cy="307777"/>
           </a:xfrm>
           <a:prstGeom prst="rect">
             <a:avLst/>
@@ -4214,9 +4214,10 @@
           </a:bodyPr>
           <a:lstStyle/>
           <a:p>
+            <a:pPr algn="ctr"/>
             <a:r>
               <a:rPr lang="en-US" altLang="ko-KR" sz="1400"/>
-              <a:t>Send Request</a:t>
+              <a:t>Send CR Name/Namespace</a:t>
             </a:r>
             <a:endParaRPr lang="ko-KR" altLang="en-US" sz="1400"/>
           </a:p>
@@ -4236,8 +4237,8 @@
         </p:nvSpPr>
         <p:spPr>
           <a:xfrm>
-            <a:off x="2466149" y="1779662"/>
-            <a:ext cx="917239" cy="523220"/>
+            <a:off x="2579225" y="1779662"/>
+            <a:ext cx="691087" cy="523220"/>
           </a:xfrm>
           <a:prstGeom prst="rect">
             <a:avLst/>
@@ -4260,7 +4261,7 @@
             <a:pPr algn="ctr"/>
             <a:r>
               <a:rPr lang="en-US" altLang="ko-KR" sz="1400"/>
-              <a:t>Resource</a:t>
+              <a:t>CR</a:t>
             </a:r>
           </a:p>
         </p:txBody>
@@ -4279,8 +4280,8 @@
         </p:nvSpPr>
         <p:spPr>
           <a:xfrm>
-            <a:off x="4030404" y="4083918"/>
-            <a:ext cx="1603644" cy="307777"/>
+            <a:off x="3503183" y="4102968"/>
+            <a:ext cx="2771914" cy="307777"/>
           </a:xfrm>
           <a:prstGeom prst="rect">
             <a:avLst/>
@@ -4293,9 +4294,10 @@
           </a:bodyPr>
           <a:lstStyle/>
           <a:p>
+            <a:pPr algn="ctr"/>
             <a:r>
               <a:rPr lang="en-US" altLang="ko-KR" sz="1400"/>
-              <a:t>Requeue Request</a:t>
+              <a:t>Requeue CR Name/Namespace</a:t>
             </a:r>
             <a:endParaRPr lang="ko-KR" altLang="en-US" sz="1400"/>
           </a:p>

--- a/images/programming/Kubernetes_Operator_SDK_Golang/Kubernetes_Operator_SDK_Golang.pptx
+++ b/images/programming/Kubernetes_Operator_SDK_Golang/Kubernetes_Operator_SDK_Golang.pptx
@@ -5,10 +5,13 @@
     <p:sldMasterId id="2147483648" r:id="rId1"/>
   </p:sldMasterIdLst>
   <p:notesMasterIdLst>
-    <p:notesMasterId r:id="rId3"/>
+    <p:notesMasterId r:id="rId6"/>
   </p:notesMasterIdLst>
   <p:sldIdLst>
-    <p:sldId id="418" r:id="rId2"/>
+    <p:sldId id="421" r:id="rId2"/>
+    <p:sldId id="420" r:id="rId3"/>
+    <p:sldId id="419" r:id="rId4"/>
+    <p:sldId id="418" r:id="rId5"/>
   </p:sldIdLst>
   <p:sldSz cx="9144000" cy="5143500" type="screen16x9"/>
   <p:notesSz cx="6858000" cy="9144000"/>
@@ -213,7 +216,7 @@
           <a:p>
             <a:fld id="{6CD5550B-26C4-49A9-A5BA-636EF7BE6CE9}" type="datetimeFigureOut">
               <a:rPr lang="ko-KR" altLang="en-US" smtClean="0"/>
-              <a:t>2019-06-07</a:t>
+              <a:t>2019-06-08</a:t>
             </a:fld>
             <a:endParaRPr lang="ko-KR" altLang="en-US"/>
           </a:p>
@@ -659,7 +662,7 @@
           <a:p>
             <a:fld id="{FB30EDBD-1C2D-4C1E-B459-B60219FAB484}" type="datetimeFigureOut">
               <a:rPr lang="ko-KR" altLang="en-US" smtClean="0"/>
-              <a:t>2019-06-07</a:t>
+              <a:t>2019-06-08</a:t>
             </a:fld>
             <a:endParaRPr lang="ko-KR" altLang="en-US"/>
           </a:p>
@@ -822,7 +825,7 @@
           <a:p>
             <a:fld id="{FB30EDBD-1C2D-4C1E-B459-B60219FAB484}" type="datetimeFigureOut">
               <a:rPr lang="ko-KR" altLang="en-US" smtClean="0"/>
-              <a:t>2019-06-07</a:t>
+              <a:t>2019-06-08</a:t>
             </a:fld>
             <a:endParaRPr lang="ko-KR" altLang="en-US"/>
           </a:p>
@@ -995,7 +998,7 @@
           <a:p>
             <a:fld id="{FB30EDBD-1C2D-4C1E-B459-B60219FAB484}" type="datetimeFigureOut">
               <a:rPr lang="ko-KR" altLang="en-US" smtClean="0"/>
-              <a:t>2019-06-07</a:t>
+              <a:t>2019-06-08</a:t>
             </a:fld>
             <a:endParaRPr lang="ko-KR" altLang="en-US"/>
           </a:p>
@@ -1158,7 +1161,7 @@
           <a:p>
             <a:fld id="{FB30EDBD-1C2D-4C1E-B459-B60219FAB484}" type="datetimeFigureOut">
               <a:rPr lang="ko-KR" altLang="en-US" smtClean="0"/>
-              <a:t>2019-06-07</a:t>
+              <a:t>2019-06-08</a:t>
             </a:fld>
             <a:endParaRPr lang="ko-KR" altLang="en-US"/>
           </a:p>
@@ -1398,7 +1401,7 @@
           <a:p>
             <a:fld id="{FB30EDBD-1C2D-4C1E-B459-B60219FAB484}" type="datetimeFigureOut">
               <a:rPr lang="ko-KR" altLang="en-US" smtClean="0"/>
-              <a:t>2019-06-07</a:t>
+              <a:t>2019-06-08</a:t>
             </a:fld>
             <a:endParaRPr lang="ko-KR" altLang="en-US"/>
           </a:p>
@@ -1678,7 +1681,7 @@
           <a:p>
             <a:fld id="{FB30EDBD-1C2D-4C1E-B459-B60219FAB484}" type="datetimeFigureOut">
               <a:rPr lang="ko-KR" altLang="en-US" smtClean="0"/>
-              <a:t>2019-06-07</a:t>
+              <a:t>2019-06-08</a:t>
             </a:fld>
             <a:endParaRPr lang="ko-KR" altLang="en-US"/>
           </a:p>
@@ -2092,7 +2095,7 @@
           <a:p>
             <a:fld id="{FB30EDBD-1C2D-4C1E-B459-B60219FAB484}" type="datetimeFigureOut">
               <a:rPr lang="ko-KR" altLang="en-US" smtClean="0"/>
-              <a:t>2019-06-07</a:t>
+              <a:t>2019-06-08</a:t>
             </a:fld>
             <a:endParaRPr lang="ko-KR" altLang="en-US"/>
           </a:p>
@@ -2204,7 +2207,7 @@
           <a:p>
             <a:fld id="{FB30EDBD-1C2D-4C1E-B459-B60219FAB484}" type="datetimeFigureOut">
               <a:rPr lang="ko-KR" altLang="en-US" smtClean="0"/>
-              <a:t>2019-06-07</a:t>
+              <a:t>2019-06-08</a:t>
             </a:fld>
             <a:endParaRPr lang="ko-KR" altLang="en-US"/>
           </a:p>
@@ -2294,7 +2297,7 @@
           <a:p>
             <a:fld id="{FB30EDBD-1C2D-4C1E-B459-B60219FAB484}" type="datetimeFigureOut">
               <a:rPr lang="ko-KR" altLang="en-US" smtClean="0"/>
-              <a:t>2019-06-07</a:t>
+              <a:t>2019-06-08</a:t>
             </a:fld>
             <a:endParaRPr lang="ko-KR" altLang="en-US"/>
           </a:p>
@@ -2564,7 +2567,7 @@
           <a:p>
             <a:fld id="{FB30EDBD-1C2D-4C1E-B459-B60219FAB484}" type="datetimeFigureOut">
               <a:rPr lang="ko-KR" altLang="en-US" smtClean="0"/>
-              <a:t>2019-06-07</a:t>
+              <a:t>2019-06-08</a:t>
             </a:fld>
             <a:endParaRPr lang="ko-KR" altLang="en-US"/>
           </a:p>
@@ -2811,7 +2814,7 @@
           <a:p>
             <a:fld id="{FB30EDBD-1C2D-4C1E-B459-B60219FAB484}" type="datetimeFigureOut">
               <a:rPr lang="ko-KR" altLang="en-US" smtClean="0"/>
-              <a:t>2019-06-07</a:t>
+              <a:t>2019-06-08</a:t>
             </a:fld>
             <a:endParaRPr lang="ko-KR" altLang="en-US"/>
           </a:p>
@@ -3017,7 +3020,7 @@
           <a:p>
             <a:fld id="{FB30EDBD-1C2D-4C1E-B459-B60219FAB484}" type="datetimeFigureOut">
               <a:rPr lang="ko-KR" altLang="en-US" smtClean="0"/>
-              <a:t>2019-06-07</a:t>
+              <a:t>2019-06-08</a:t>
             </a:fld>
             <a:endParaRPr lang="ko-KR" altLang="en-US"/>
           </a:p>
@@ -3371,6 +3374,2267 @@
 </file>
 
 <file path=ppt/slides/slide1.xml><?xml version="1.0" encoding="utf-8"?>
+<p:sld xmlns:a="http://schemas.openxmlformats.org/drawingml/2006/main" xmlns:r="http://schemas.openxmlformats.org/officeDocument/2006/relationships" xmlns:p="http://schemas.openxmlformats.org/presentationml/2006/main">
+  <p:cSld>
+    <p:spTree>
+      <p:nvGrpSpPr>
+        <p:cNvPr id="1" name=""/>
+        <p:cNvGrpSpPr/>
+        <p:nvPr/>
+      </p:nvGrpSpPr>
+      <p:grpSpPr>
+        <a:xfrm>
+          <a:off x="0" y="0"/>
+          <a:ext cx="0" cy="0"/>
+          <a:chOff x="0" y="0"/>
+          <a:chExt cx="0" cy="0"/>
+        </a:xfrm>
+      </p:grpSpPr>
+      <p:sp>
+        <p:nvSpPr>
+          <p:cNvPr id="29" name="사각형: 둥근 모서리 28">
+            <a:extLst>
+              <a:ext uri="{FF2B5EF4-FFF2-40B4-BE49-F238E27FC236}">
+                <a16:creationId xmlns:a16="http://schemas.microsoft.com/office/drawing/2014/main" id="{EC9F67C7-1015-40C8-85B1-1349F483D2AB}"/>
+              </a:ext>
+            </a:extLst>
+          </p:cNvPr>
+          <p:cNvSpPr/>
+          <p:nvPr/>
+        </p:nvSpPr>
+        <p:spPr>
+          <a:xfrm>
+            <a:off x="2411760" y="1062270"/>
+            <a:ext cx="1569958" cy="1077432"/>
+          </a:xfrm>
+          <a:prstGeom prst="roundRect">
+            <a:avLst>
+              <a:gd name="adj" fmla="val 7564"/>
+            </a:avLst>
+          </a:prstGeom>
+        </p:spPr>
+        <p:style>
+          <a:lnRef idx="2">
+            <a:schemeClr val="dk1"/>
+          </a:lnRef>
+          <a:fillRef idx="1">
+            <a:schemeClr val="lt1"/>
+          </a:fillRef>
+          <a:effectRef idx="0">
+            <a:schemeClr val="dk1"/>
+          </a:effectRef>
+          <a:fontRef idx="minor">
+            <a:schemeClr val="dk1"/>
+          </a:fontRef>
+        </p:style>
+        <p:txBody>
+          <a:bodyPr rtlCol="0" anchor="b"/>
+          <a:lstStyle/>
+          <a:p>
+            <a:pPr algn="ctr"/>
+            <a:r>
+              <a:rPr lang="en-US" altLang="ko-KR" sz="1400" b="1"/>
+              <a:t>Manager</a:t>
+            </a:r>
+            <a:endParaRPr lang="ko-KR" altLang="en-US" sz="1400" b="1"/>
+          </a:p>
+        </p:txBody>
+      </p:sp>
+      <p:sp>
+        <p:nvSpPr>
+          <p:cNvPr id="2" name="제목 1">
+            <a:extLst>
+              <a:ext uri="{FF2B5EF4-FFF2-40B4-BE49-F238E27FC236}">
+                <a16:creationId xmlns:a16="http://schemas.microsoft.com/office/drawing/2014/main" id="{863C5E05-8BC5-4B38-914D-CA849AA890EB}"/>
+              </a:ext>
+            </a:extLst>
+          </p:cNvPr>
+          <p:cNvSpPr>
+            <a:spLocks noGrp="1"/>
+          </p:cNvSpPr>
+          <p:nvPr>
+            <p:ph type="title"/>
+          </p:nvPr>
+        </p:nvSpPr>
+        <p:spPr>
+          <a:xfrm>
+            <a:off x="457200" y="-20538"/>
+            <a:ext cx="8229600" cy="857250"/>
+          </a:xfrm>
+        </p:spPr>
+        <p:txBody>
+          <a:bodyPr/>
+          <a:lstStyle/>
+          <a:p>
+            <a:r>
+              <a:rPr lang="en-US" altLang="ko-KR"/>
+              <a:t>Controller, Reconciler</a:t>
+            </a:r>
+            <a:endParaRPr lang="ko-KR" altLang="en-US"/>
+          </a:p>
+        </p:txBody>
+      </p:sp>
+      <p:sp>
+        <p:nvSpPr>
+          <p:cNvPr id="4" name="사각형: 둥근 모서리 3">
+            <a:extLst>
+              <a:ext uri="{FF2B5EF4-FFF2-40B4-BE49-F238E27FC236}">
+                <a16:creationId xmlns:a16="http://schemas.microsoft.com/office/drawing/2014/main" id="{386F61B5-5413-4E5F-8581-D2F17DAE5541}"/>
+              </a:ext>
+            </a:extLst>
+          </p:cNvPr>
+          <p:cNvSpPr/>
+          <p:nvPr/>
+        </p:nvSpPr>
+        <p:spPr>
+          <a:xfrm>
+            <a:off x="5364088" y="1289828"/>
+            <a:ext cx="1368152" cy="622315"/>
+          </a:xfrm>
+          <a:prstGeom prst="roundRect">
+            <a:avLst/>
+          </a:prstGeom>
+        </p:spPr>
+        <p:style>
+          <a:lnRef idx="2">
+            <a:schemeClr val="dk1"/>
+          </a:lnRef>
+          <a:fillRef idx="1">
+            <a:schemeClr val="lt1"/>
+          </a:fillRef>
+          <a:effectRef idx="0">
+            <a:schemeClr val="dk1"/>
+          </a:effectRef>
+          <a:fontRef idx="minor">
+            <a:schemeClr val="dk1"/>
+          </a:fontRef>
+        </p:style>
+        <p:txBody>
+          <a:bodyPr rtlCol="0" anchor="ctr"/>
+          <a:lstStyle/>
+          <a:p>
+            <a:pPr algn="ctr"/>
+            <a:r>
+              <a:rPr lang="en-US" altLang="ko-KR" sz="1400"/>
+              <a:t>Kubernetes</a:t>
+            </a:r>
+          </a:p>
+          <a:p>
+            <a:pPr algn="ctr"/>
+            <a:r>
+              <a:rPr lang="en-US" altLang="ko-KR" sz="1400"/>
+              <a:t>API Server</a:t>
+            </a:r>
+            <a:endParaRPr lang="ko-KR" altLang="en-US" sz="1400"/>
+          </a:p>
+        </p:txBody>
+      </p:sp>
+      <p:sp>
+        <p:nvSpPr>
+          <p:cNvPr id="16" name="사각형: 둥근 모서리 15">
+            <a:extLst>
+              <a:ext uri="{FF2B5EF4-FFF2-40B4-BE49-F238E27FC236}">
+                <a16:creationId xmlns:a16="http://schemas.microsoft.com/office/drawing/2014/main" id="{A1B813EE-80F6-42C1-916E-4AB46A459F34}"/>
+              </a:ext>
+            </a:extLst>
+          </p:cNvPr>
+          <p:cNvSpPr/>
+          <p:nvPr/>
+        </p:nvSpPr>
+        <p:spPr>
+          <a:xfrm>
+            <a:off x="4628758" y="2862470"/>
+            <a:ext cx="3039586" cy="1077432"/>
+          </a:xfrm>
+          <a:prstGeom prst="roundRect">
+            <a:avLst>
+              <a:gd name="adj" fmla="val 7564"/>
+            </a:avLst>
+          </a:prstGeom>
+        </p:spPr>
+        <p:style>
+          <a:lnRef idx="2">
+            <a:schemeClr val="dk1"/>
+          </a:lnRef>
+          <a:fillRef idx="1">
+            <a:schemeClr val="lt1"/>
+          </a:fillRef>
+          <a:effectRef idx="0">
+            <a:schemeClr val="dk1"/>
+          </a:effectRef>
+          <a:fontRef idx="minor">
+            <a:schemeClr val="dk1"/>
+          </a:fontRef>
+        </p:style>
+        <p:txBody>
+          <a:bodyPr rtlCol="0" anchor="b"/>
+          <a:lstStyle/>
+          <a:p>
+            <a:pPr algn="ctr"/>
+            <a:r>
+              <a:rPr lang="en-US" altLang="ko-KR" sz="1400" b="1"/>
+              <a:t>Reconciler</a:t>
+            </a:r>
+            <a:endParaRPr lang="ko-KR" altLang="en-US" sz="1400" b="1"/>
+          </a:p>
+        </p:txBody>
+      </p:sp>
+      <p:sp>
+        <p:nvSpPr>
+          <p:cNvPr id="21" name="사각형: 둥근 모서리 20">
+            <a:extLst>
+              <a:ext uri="{FF2B5EF4-FFF2-40B4-BE49-F238E27FC236}">
+                <a16:creationId xmlns:a16="http://schemas.microsoft.com/office/drawing/2014/main" id="{5BA72481-834B-4E61-A1D8-A193E7E606EE}"/>
+              </a:ext>
+            </a:extLst>
+          </p:cNvPr>
+          <p:cNvSpPr/>
+          <p:nvPr/>
+        </p:nvSpPr>
+        <p:spPr>
+          <a:xfrm>
+            <a:off x="6204637" y="2950321"/>
+            <a:ext cx="1368152" cy="622316"/>
+          </a:xfrm>
+          <a:prstGeom prst="roundRect">
+            <a:avLst>
+              <a:gd name="adj" fmla="val 12994"/>
+            </a:avLst>
+          </a:prstGeom>
+        </p:spPr>
+        <p:style>
+          <a:lnRef idx="2">
+            <a:schemeClr val="dk1"/>
+          </a:lnRef>
+          <a:fillRef idx="1">
+            <a:schemeClr val="lt1"/>
+          </a:fillRef>
+          <a:effectRef idx="0">
+            <a:schemeClr val="dk1"/>
+          </a:effectRef>
+          <a:fontRef idx="minor">
+            <a:schemeClr val="dk1"/>
+          </a:fontRef>
+        </p:style>
+        <p:txBody>
+          <a:bodyPr rtlCol="0" anchor="ctr"/>
+          <a:lstStyle/>
+          <a:p>
+            <a:pPr algn="ctr"/>
+            <a:r>
+              <a:rPr lang="en-US" altLang="ko-KR" sz="1400"/>
+              <a:t>Manager</a:t>
+            </a:r>
+          </a:p>
+          <a:p>
+            <a:pPr algn="ctr"/>
+            <a:r>
+              <a:rPr lang="en-US" altLang="ko-KR" sz="1400"/>
+              <a:t>Client</a:t>
+            </a:r>
+            <a:endParaRPr lang="ko-KR" altLang="en-US" sz="1400"/>
+          </a:p>
+        </p:txBody>
+      </p:sp>
+      <p:sp>
+        <p:nvSpPr>
+          <p:cNvPr id="23" name="사각형: 둥근 모서리 22">
+            <a:extLst>
+              <a:ext uri="{FF2B5EF4-FFF2-40B4-BE49-F238E27FC236}">
+                <a16:creationId xmlns:a16="http://schemas.microsoft.com/office/drawing/2014/main" id="{534A9358-2212-45CE-96D2-6078B35950DC}"/>
+              </a:ext>
+            </a:extLst>
+          </p:cNvPr>
+          <p:cNvSpPr/>
+          <p:nvPr/>
+        </p:nvSpPr>
+        <p:spPr>
+          <a:xfrm>
+            <a:off x="4725836" y="2950321"/>
+            <a:ext cx="1368152" cy="622316"/>
+          </a:xfrm>
+          <a:prstGeom prst="roundRect">
+            <a:avLst>
+              <a:gd name="adj" fmla="val 12994"/>
+            </a:avLst>
+          </a:prstGeom>
+        </p:spPr>
+        <p:style>
+          <a:lnRef idx="2">
+            <a:schemeClr val="dk1"/>
+          </a:lnRef>
+          <a:fillRef idx="1">
+            <a:schemeClr val="lt1"/>
+          </a:fillRef>
+          <a:effectRef idx="0">
+            <a:schemeClr val="dk1"/>
+          </a:effectRef>
+          <a:fontRef idx="minor">
+            <a:schemeClr val="dk1"/>
+          </a:fontRef>
+        </p:style>
+        <p:txBody>
+          <a:bodyPr rtlCol="0" anchor="ctr"/>
+          <a:lstStyle/>
+          <a:p>
+            <a:pPr algn="ctr"/>
+            <a:r>
+              <a:rPr lang="en-US" altLang="ko-KR" sz="1400"/>
+              <a:t>Reconcile Loop</a:t>
+            </a:r>
+            <a:endParaRPr lang="ko-KR" altLang="en-US" sz="1400"/>
+          </a:p>
+        </p:txBody>
+      </p:sp>
+      <p:sp>
+        <p:nvSpPr>
+          <p:cNvPr id="26" name="사각형: 둥근 모서리 25">
+            <a:extLst>
+              <a:ext uri="{FF2B5EF4-FFF2-40B4-BE49-F238E27FC236}">
+                <a16:creationId xmlns:a16="http://schemas.microsoft.com/office/drawing/2014/main" id="{8AB6C791-67FA-4BF1-8626-6C1E3A51C502}"/>
+              </a:ext>
+            </a:extLst>
+          </p:cNvPr>
+          <p:cNvSpPr/>
+          <p:nvPr/>
+        </p:nvSpPr>
+        <p:spPr>
+          <a:xfrm>
+            <a:off x="1619672" y="2862470"/>
+            <a:ext cx="1569958" cy="1077432"/>
+          </a:xfrm>
+          <a:prstGeom prst="roundRect">
+            <a:avLst>
+              <a:gd name="adj" fmla="val 7564"/>
+            </a:avLst>
+          </a:prstGeom>
+        </p:spPr>
+        <p:style>
+          <a:lnRef idx="2">
+            <a:schemeClr val="dk1"/>
+          </a:lnRef>
+          <a:fillRef idx="1">
+            <a:schemeClr val="lt1"/>
+          </a:fillRef>
+          <a:effectRef idx="0">
+            <a:schemeClr val="dk1"/>
+          </a:effectRef>
+          <a:fontRef idx="minor">
+            <a:schemeClr val="dk1"/>
+          </a:fontRef>
+        </p:style>
+        <p:txBody>
+          <a:bodyPr rtlCol="0" anchor="b"/>
+          <a:lstStyle/>
+          <a:p>
+            <a:pPr algn="ctr"/>
+            <a:r>
+              <a:rPr lang="en-US" altLang="ko-KR" sz="1400" b="1"/>
+              <a:t>Controller</a:t>
+            </a:r>
+            <a:endParaRPr lang="ko-KR" altLang="en-US" sz="1400" b="1"/>
+          </a:p>
+        </p:txBody>
+      </p:sp>
+      <p:sp>
+        <p:nvSpPr>
+          <p:cNvPr id="27" name="사각형: 둥근 모서리 26">
+            <a:extLst>
+              <a:ext uri="{FF2B5EF4-FFF2-40B4-BE49-F238E27FC236}">
+                <a16:creationId xmlns:a16="http://schemas.microsoft.com/office/drawing/2014/main" id="{F0FD2BDB-2B47-49DD-A5EF-C36AB8E6D022}"/>
+              </a:ext>
+            </a:extLst>
+          </p:cNvPr>
+          <p:cNvSpPr/>
+          <p:nvPr/>
+        </p:nvSpPr>
+        <p:spPr>
+          <a:xfrm>
+            <a:off x="1713652" y="2950321"/>
+            <a:ext cx="1368152" cy="622316"/>
+          </a:xfrm>
+          <a:prstGeom prst="roundRect">
+            <a:avLst>
+              <a:gd name="adj" fmla="val 12994"/>
+            </a:avLst>
+          </a:prstGeom>
+        </p:spPr>
+        <p:style>
+          <a:lnRef idx="2">
+            <a:schemeClr val="dk1"/>
+          </a:lnRef>
+          <a:fillRef idx="1">
+            <a:schemeClr val="lt1"/>
+          </a:fillRef>
+          <a:effectRef idx="0">
+            <a:schemeClr val="dk1"/>
+          </a:effectRef>
+          <a:fontRef idx="minor">
+            <a:schemeClr val="dk1"/>
+          </a:fontRef>
+        </p:style>
+        <p:txBody>
+          <a:bodyPr rtlCol="0" anchor="ctr"/>
+          <a:lstStyle/>
+          <a:p>
+            <a:pPr algn="ctr"/>
+            <a:r>
+              <a:rPr lang="en-US" altLang="ko-KR" sz="1400"/>
+              <a:t>Worker Queue</a:t>
+            </a:r>
+            <a:endParaRPr lang="ko-KR" altLang="en-US" sz="1400"/>
+          </a:p>
+        </p:txBody>
+      </p:sp>
+      <p:sp>
+        <p:nvSpPr>
+          <p:cNvPr id="28" name="사각형: 둥근 모서리 27">
+            <a:extLst>
+              <a:ext uri="{FF2B5EF4-FFF2-40B4-BE49-F238E27FC236}">
+                <a16:creationId xmlns:a16="http://schemas.microsoft.com/office/drawing/2014/main" id="{E4D8DB64-BCBF-4901-A55E-778542BB6549}"/>
+              </a:ext>
+            </a:extLst>
+          </p:cNvPr>
+          <p:cNvSpPr/>
+          <p:nvPr/>
+        </p:nvSpPr>
+        <p:spPr>
+          <a:xfrm>
+            <a:off x="2513422" y="1150121"/>
+            <a:ext cx="1368152" cy="622316"/>
+          </a:xfrm>
+          <a:prstGeom prst="roundRect">
+            <a:avLst>
+              <a:gd name="adj" fmla="val 12994"/>
+            </a:avLst>
+          </a:prstGeom>
+        </p:spPr>
+        <p:style>
+          <a:lnRef idx="2">
+            <a:schemeClr val="dk1"/>
+          </a:lnRef>
+          <a:fillRef idx="1">
+            <a:schemeClr val="lt1"/>
+          </a:fillRef>
+          <a:effectRef idx="0">
+            <a:schemeClr val="dk1"/>
+          </a:effectRef>
+          <a:fontRef idx="minor">
+            <a:schemeClr val="dk1"/>
+          </a:fontRef>
+        </p:style>
+        <p:txBody>
+          <a:bodyPr rtlCol="0" anchor="ctr"/>
+          <a:lstStyle/>
+          <a:p>
+            <a:pPr algn="ctr"/>
+            <a:r>
+              <a:rPr lang="en-US" altLang="ko-KR" sz="1400"/>
+              <a:t>Cache</a:t>
+            </a:r>
+            <a:endParaRPr lang="ko-KR" altLang="en-US" sz="1400"/>
+          </a:p>
+        </p:txBody>
+      </p:sp>
+      <p:cxnSp>
+        <p:nvCxnSpPr>
+          <p:cNvPr id="33" name="직선 화살표 연결선 32">
+            <a:extLst>
+              <a:ext uri="{FF2B5EF4-FFF2-40B4-BE49-F238E27FC236}">
+                <a16:creationId xmlns:a16="http://schemas.microsoft.com/office/drawing/2014/main" id="{0CE42314-F022-41CD-833B-DFE2063EE64B}"/>
+              </a:ext>
+            </a:extLst>
+          </p:cNvPr>
+          <p:cNvCxnSpPr>
+            <a:stCxn id="4" idx="2"/>
+            <a:endCxn id="27" idx="0"/>
+          </p:cNvCxnSpPr>
+          <p:nvPr/>
+        </p:nvCxnSpPr>
+        <p:spPr>
+          <a:xfrm flipH="1">
+            <a:off x="2397728" y="1912143"/>
+            <a:ext cx="3650436" cy="1038178"/>
+          </a:xfrm>
+          <a:prstGeom prst="straightConnector1">
+            <a:avLst/>
+          </a:prstGeom>
+          <a:ln w="28575">
+            <a:solidFill>
+              <a:schemeClr val="tx1"/>
+            </a:solidFill>
+            <a:headEnd type="arrow" w="med" len="med"/>
+            <a:tailEnd type="none" w="med" len="med"/>
+          </a:ln>
+        </p:spPr>
+        <p:style>
+          <a:lnRef idx="1">
+            <a:schemeClr val="accent1"/>
+          </a:lnRef>
+          <a:fillRef idx="0">
+            <a:schemeClr val="accent1"/>
+          </a:fillRef>
+          <a:effectRef idx="0">
+            <a:schemeClr val="accent1"/>
+          </a:effectRef>
+          <a:fontRef idx="minor">
+            <a:schemeClr val="tx1"/>
+          </a:fontRef>
+        </p:style>
+      </p:cxnSp>
+      <p:cxnSp>
+        <p:nvCxnSpPr>
+          <p:cNvPr id="34" name="직선 화살표 연결선 33">
+            <a:extLst>
+              <a:ext uri="{FF2B5EF4-FFF2-40B4-BE49-F238E27FC236}">
+                <a16:creationId xmlns:a16="http://schemas.microsoft.com/office/drawing/2014/main" id="{2FE0317D-98E0-494C-8F9F-139D32C85980}"/>
+              </a:ext>
+            </a:extLst>
+          </p:cNvPr>
+          <p:cNvCxnSpPr>
+            <a:cxnSpLocks/>
+            <a:stCxn id="4" idx="1"/>
+            <a:endCxn id="28" idx="3"/>
+          </p:cNvCxnSpPr>
+          <p:nvPr/>
+        </p:nvCxnSpPr>
+        <p:spPr>
+          <a:xfrm flipH="1" flipV="1">
+            <a:off x="3881574" y="1461279"/>
+            <a:ext cx="1482514" cy="139707"/>
+          </a:xfrm>
+          <a:prstGeom prst="straightConnector1">
+            <a:avLst/>
+          </a:prstGeom>
+          <a:ln w="28575">
+            <a:solidFill>
+              <a:schemeClr val="tx1"/>
+            </a:solidFill>
+            <a:headEnd type="none" w="med" len="med"/>
+            <a:tailEnd type="arrow" w="med" len="med"/>
+          </a:ln>
+        </p:spPr>
+        <p:style>
+          <a:lnRef idx="1">
+            <a:schemeClr val="accent1"/>
+          </a:lnRef>
+          <a:fillRef idx="0">
+            <a:schemeClr val="accent1"/>
+          </a:fillRef>
+          <a:effectRef idx="0">
+            <a:schemeClr val="accent1"/>
+          </a:effectRef>
+          <a:fontRef idx="minor">
+            <a:schemeClr val="tx1"/>
+          </a:fontRef>
+        </p:style>
+      </p:cxnSp>
+      <p:cxnSp>
+        <p:nvCxnSpPr>
+          <p:cNvPr id="39" name="직선 화살표 연결선 38">
+            <a:extLst>
+              <a:ext uri="{FF2B5EF4-FFF2-40B4-BE49-F238E27FC236}">
+                <a16:creationId xmlns:a16="http://schemas.microsoft.com/office/drawing/2014/main" id="{191C310B-7535-4349-8BA0-01D65A988EE2}"/>
+              </a:ext>
+            </a:extLst>
+          </p:cNvPr>
+          <p:cNvCxnSpPr>
+            <a:cxnSpLocks/>
+            <a:stCxn id="28" idx="2"/>
+            <a:endCxn id="21" idx="0"/>
+          </p:cNvCxnSpPr>
+          <p:nvPr/>
+        </p:nvCxnSpPr>
+        <p:spPr>
+          <a:xfrm>
+            <a:off x="3197498" y="1772437"/>
+            <a:ext cx="3691215" cy="1177884"/>
+          </a:xfrm>
+          <a:prstGeom prst="straightConnector1">
+            <a:avLst/>
+          </a:prstGeom>
+          <a:ln w="28575">
+            <a:solidFill>
+              <a:schemeClr val="tx1"/>
+            </a:solidFill>
+            <a:headEnd type="none" w="med" len="med"/>
+            <a:tailEnd type="arrow" w="med" len="med"/>
+          </a:ln>
+        </p:spPr>
+        <p:style>
+          <a:lnRef idx="1">
+            <a:schemeClr val="accent1"/>
+          </a:lnRef>
+          <a:fillRef idx="0">
+            <a:schemeClr val="accent1"/>
+          </a:fillRef>
+          <a:effectRef idx="0">
+            <a:schemeClr val="accent1"/>
+          </a:effectRef>
+          <a:fontRef idx="minor">
+            <a:schemeClr val="tx1"/>
+          </a:fontRef>
+        </p:style>
+      </p:cxnSp>
+      <p:cxnSp>
+        <p:nvCxnSpPr>
+          <p:cNvPr id="42" name="직선 화살표 연결선 41">
+            <a:extLst>
+              <a:ext uri="{FF2B5EF4-FFF2-40B4-BE49-F238E27FC236}">
+                <a16:creationId xmlns:a16="http://schemas.microsoft.com/office/drawing/2014/main" id="{6F4BDF7D-B7CC-4AB2-9614-34D3B7939B45}"/>
+              </a:ext>
+            </a:extLst>
+          </p:cNvPr>
+          <p:cNvCxnSpPr>
+            <a:cxnSpLocks/>
+            <a:stCxn id="21" idx="0"/>
+            <a:endCxn id="4" idx="2"/>
+          </p:cNvCxnSpPr>
+          <p:nvPr/>
+        </p:nvCxnSpPr>
+        <p:spPr>
+          <a:xfrm flipH="1" flipV="1">
+            <a:off x="6048164" y="1912143"/>
+            <a:ext cx="840549" cy="1038178"/>
+          </a:xfrm>
+          <a:prstGeom prst="straightConnector1">
+            <a:avLst/>
+          </a:prstGeom>
+          <a:ln w="28575">
+            <a:solidFill>
+              <a:schemeClr val="tx1"/>
+            </a:solidFill>
+            <a:headEnd type="none" w="med" len="med"/>
+            <a:tailEnd type="arrow" w="med" len="med"/>
+          </a:ln>
+        </p:spPr>
+        <p:style>
+          <a:lnRef idx="1">
+            <a:schemeClr val="accent1"/>
+          </a:lnRef>
+          <a:fillRef idx="0">
+            <a:schemeClr val="accent1"/>
+          </a:fillRef>
+          <a:effectRef idx="0">
+            <a:schemeClr val="accent1"/>
+          </a:effectRef>
+          <a:fontRef idx="minor">
+            <a:schemeClr val="tx1"/>
+          </a:fontRef>
+        </p:style>
+      </p:cxnSp>
+      <p:sp>
+        <p:nvSpPr>
+          <p:cNvPr id="54" name="TextBox 53">
+            <a:extLst>
+              <a:ext uri="{FF2B5EF4-FFF2-40B4-BE49-F238E27FC236}">
+                <a16:creationId xmlns:a16="http://schemas.microsoft.com/office/drawing/2014/main" id="{B83FB188-BED9-4F86-8DB3-C1A258FD1710}"/>
+              </a:ext>
+            </a:extLst>
+          </p:cNvPr>
+          <p:cNvSpPr txBox="1"/>
+          <p:nvPr/>
+        </p:nvSpPr>
+        <p:spPr>
+          <a:xfrm>
+            <a:off x="3185232" y="2631058"/>
+            <a:ext cx="1464888" cy="461665"/>
+          </a:xfrm>
+          <a:prstGeom prst="rect">
+            <a:avLst/>
+          </a:prstGeom>
+          <a:noFill/>
+        </p:spPr>
+        <p:txBody>
+          <a:bodyPr wrap="none" rtlCol="0">
+            <a:spAutoFit/>
+          </a:bodyPr>
+          <a:lstStyle/>
+          <a:p>
+            <a:pPr algn="ctr"/>
+            <a:r>
+              <a:rPr lang="en-US" altLang="ko-KR" sz="1200"/>
+              <a:t>Send CR </a:t>
+            </a:r>
+          </a:p>
+          <a:p>
+            <a:pPr algn="ctr"/>
+            <a:r>
+              <a:rPr lang="en-US" altLang="ko-KR" sz="1200"/>
+              <a:t>Name/Namespace</a:t>
+            </a:r>
+            <a:endParaRPr lang="ko-KR" altLang="en-US" sz="1200"/>
+          </a:p>
+        </p:txBody>
+      </p:sp>
+      <p:sp>
+        <p:nvSpPr>
+          <p:cNvPr id="57" name="TextBox 56">
+            <a:extLst>
+              <a:ext uri="{FF2B5EF4-FFF2-40B4-BE49-F238E27FC236}">
+                <a16:creationId xmlns:a16="http://schemas.microsoft.com/office/drawing/2014/main" id="{2087AD6B-8771-41A9-9952-B3AA7628C1EC}"/>
+              </a:ext>
+            </a:extLst>
+          </p:cNvPr>
+          <p:cNvSpPr txBox="1"/>
+          <p:nvPr/>
+        </p:nvSpPr>
+        <p:spPr>
+          <a:xfrm>
+            <a:off x="3170580" y="3416796"/>
+            <a:ext cx="1464888" cy="461665"/>
+          </a:xfrm>
+          <a:prstGeom prst="rect">
+            <a:avLst/>
+          </a:prstGeom>
+          <a:noFill/>
+        </p:spPr>
+        <p:txBody>
+          <a:bodyPr wrap="none" rtlCol="0">
+            <a:spAutoFit/>
+          </a:bodyPr>
+          <a:lstStyle/>
+          <a:p>
+            <a:pPr algn="ctr"/>
+            <a:r>
+              <a:rPr lang="en-US" altLang="ko-KR" sz="1200"/>
+              <a:t>Requeue CR </a:t>
+            </a:r>
+          </a:p>
+          <a:p>
+            <a:pPr algn="ctr"/>
+            <a:r>
+              <a:rPr lang="en-US" altLang="ko-KR" sz="1200"/>
+              <a:t>Name/Namespace</a:t>
+            </a:r>
+            <a:endParaRPr lang="ko-KR" altLang="en-US" sz="1200"/>
+          </a:p>
+        </p:txBody>
+      </p:sp>
+      <p:cxnSp>
+        <p:nvCxnSpPr>
+          <p:cNvPr id="5" name="직선 연결선 4">
+            <a:extLst>
+              <a:ext uri="{FF2B5EF4-FFF2-40B4-BE49-F238E27FC236}">
+                <a16:creationId xmlns:a16="http://schemas.microsoft.com/office/drawing/2014/main" id="{79057BA3-7878-4874-9872-862604216170}"/>
+              </a:ext>
+            </a:extLst>
+          </p:cNvPr>
+          <p:cNvCxnSpPr>
+            <a:cxnSpLocks/>
+          </p:cNvCxnSpPr>
+          <p:nvPr/>
+        </p:nvCxnSpPr>
+        <p:spPr>
+          <a:xfrm>
+            <a:off x="327835" y="2571750"/>
+            <a:ext cx="8132597" cy="0"/>
+          </a:xfrm>
+          <a:prstGeom prst="line">
+            <a:avLst/>
+          </a:prstGeom>
+          <a:ln w="28575">
+            <a:solidFill>
+              <a:schemeClr val="tx1"/>
+            </a:solidFill>
+            <a:prstDash val="dash"/>
+          </a:ln>
+        </p:spPr>
+        <p:style>
+          <a:lnRef idx="1">
+            <a:schemeClr val="accent1"/>
+          </a:lnRef>
+          <a:fillRef idx="0">
+            <a:schemeClr val="accent1"/>
+          </a:fillRef>
+          <a:effectRef idx="0">
+            <a:schemeClr val="accent1"/>
+          </a:effectRef>
+          <a:fontRef idx="minor">
+            <a:schemeClr val="tx1"/>
+          </a:fontRef>
+        </p:style>
+      </p:cxnSp>
+      <p:sp>
+        <p:nvSpPr>
+          <p:cNvPr id="25" name="TextBox 24">
+            <a:extLst>
+              <a:ext uri="{FF2B5EF4-FFF2-40B4-BE49-F238E27FC236}">
+                <a16:creationId xmlns:a16="http://schemas.microsoft.com/office/drawing/2014/main" id="{86EBF743-A613-40CD-A4ED-EFBBDAE527CA}"/>
+              </a:ext>
+            </a:extLst>
+          </p:cNvPr>
+          <p:cNvSpPr txBox="1"/>
+          <p:nvPr/>
+        </p:nvSpPr>
+        <p:spPr>
+          <a:xfrm>
+            <a:off x="702305" y="2643758"/>
+            <a:ext cx="917367" cy="523220"/>
+          </a:xfrm>
+          <a:prstGeom prst="rect">
+            <a:avLst/>
+          </a:prstGeom>
+          <a:noFill/>
+        </p:spPr>
+        <p:txBody>
+          <a:bodyPr wrap="none" rtlCol="0" anchor="ctr">
+            <a:spAutoFit/>
+          </a:bodyPr>
+          <a:lstStyle/>
+          <a:p>
+            <a:pPr algn="ctr"/>
+            <a:r>
+              <a:rPr lang="en-US" altLang="ko-KR" sz="1400"/>
+              <a:t>Golang</a:t>
+            </a:r>
+          </a:p>
+          <a:p>
+            <a:pPr algn="ctr"/>
+            <a:r>
+              <a:rPr lang="en-US" altLang="ko-KR" sz="1400"/>
+              <a:t>Operator</a:t>
+            </a:r>
+          </a:p>
+        </p:txBody>
+      </p:sp>
+      <p:cxnSp>
+        <p:nvCxnSpPr>
+          <p:cNvPr id="43" name="직선 화살표 연결선 42">
+            <a:extLst>
+              <a:ext uri="{FF2B5EF4-FFF2-40B4-BE49-F238E27FC236}">
+                <a16:creationId xmlns:a16="http://schemas.microsoft.com/office/drawing/2014/main" id="{C91A1A8C-888B-4048-AD8F-18B731C301A1}"/>
+              </a:ext>
+            </a:extLst>
+          </p:cNvPr>
+          <p:cNvCxnSpPr>
+            <a:cxnSpLocks/>
+          </p:cNvCxnSpPr>
+          <p:nvPr/>
+        </p:nvCxnSpPr>
+        <p:spPr>
+          <a:xfrm flipH="1">
+            <a:off x="3081804" y="3101563"/>
+            <a:ext cx="1644032" cy="0"/>
+          </a:xfrm>
+          <a:prstGeom prst="straightConnector1">
+            <a:avLst/>
+          </a:prstGeom>
+          <a:ln w="28575">
+            <a:solidFill>
+              <a:schemeClr val="tx1"/>
+            </a:solidFill>
+            <a:headEnd type="arrow" w="med" len="med"/>
+            <a:tailEnd type="none" w="med" len="med"/>
+          </a:ln>
+        </p:spPr>
+        <p:style>
+          <a:lnRef idx="1">
+            <a:schemeClr val="accent1"/>
+          </a:lnRef>
+          <a:fillRef idx="0">
+            <a:schemeClr val="accent1"/>
+          </a:fillRef>
+          <a:effectRef idx="0">
+            <a:schemeClr val="accent1"/>
+          </a:effectRef>
+          <a:fontRef idx="minor">
+            <a:schemeClr val="tx1"/>
+          </a:fontRef>
+        </p:style>
+      </p:cxnSp>
+      <p:cxnSp>
+        <p:nvCxnSpPr>
+          <p:cNvPr id="45" name="직선 화살표 연결선 44">
+            <a:extLst>
+              <a:ext uri="{FF2B5EF4-FFF2-40B4-BE49-F238E27FC236}">
+                <a16:creationId xmlns:a16="http://schemas.microsoft.com/office/drawing/2014/main" id="{81ECE741-BEE6-4049-BF20-41207C1D4BAB}"/>
+              </a:ext>
+            </a:extLst>
+          </p:cNvPr>
+          <p:cNvCxnSpPr>
+            <a:cxnSpLocks/>
+          </p:cNvCxnSpPr>
+          <p:nvPr/>
+        </p:nvCxnSpPr>
+        <p:spPr>
+          <a:xfrm flipH="1">
+            <a:off x="3081804" y="3401186"/>
+            <a:ext cx="1644032" cy="0"/>
+          </a:xfrm>
+          <a:prstGeom prst="straightConnector1">
+            <a:avLst/>
+          </a:prstGeom>
+          <a:ln w="28575">
+            <a:solidFill>
+              <a:schemeClr val="tx1"/>
+            </a:solidFill>
+            <a:headEnd type="none" w="med" len="med"/>
+            <a:tailEnd type="arrow" w="med" len="med"/>
+          </a:ln>
+        </p:spPr>
+        <p:style>
+          <a:lnRef idx="1">
+            <a:schemeClr val="accent1"/>
+          </a:lnRef>
+          <a:fillRef idx="0">
+            <a:schemeClr val="accent1"/>
+          </a:fillRef>
+          <a:effectRef idx="0">
+            <a:schemeClr val="accent1"/>
+          </a:effectRef>
+          <a:fontRef idx="minor">
+            <a:schemeClr val="tx1"/>
+          </a:fontRef>
+        </p:style>
+      </p:cxnSp>
+      <p:cxnSp>
+        <p:nvCxnSpPr>
+          <p:cNvPr id="56" name="직선 화살표 연결선 55">
+            <a:extLst>
+              <a:ext uri="{FF2B5EF4-FFF2-40B4-BE49-F238E27FC236}">
+                <a16:creationId xmlns:a16="http://schemas.microsoft.com/office/drawing/2014/main" id="{A5693673-5567-415E-99D4-BEE3DA975698}"/>
+              </a:ext>
+            </a:extLst>
+          </p:cNvPr>
+          <p:cNvCxnSpPr>
+            <a:cxnSpLocks/>
+            <a:stCxn id="26" idx="0"/>
+            <a:endCxn id="29" idx="2"/>
+          </p:cNvCxnSpPr>
+          <p:nvPr/>
+        </p:nvCxnSpPr>
+        <p:spPr>
+          <a:xfrm flipV="1">
+            <a:off x="2404651" y="2139702"/>
+            <a:ext cx="792088" cy="722768"/>
+          </a:xfrm>
+          <a:prstGeom prst="straightConnector1">
+            <a:avLst/>
+          </a:prstGeom>
+          <a:ln w="28575">
+            <a:solidFill>
+              <a:schemeClr val="tx1"/>
+            </a:solidFill>
+            <a:headEnd type="none" w="med" len="med"/>
+            <a:tailEnd type="arrow" w="med" len="med"/>
+          </a:ln>
+        </p:spPr>
+        <p:style>
+          <a:lnRef idx="1">
+            <a:schemeClr val="accent1"/>
+          </a:lnRef>
+          <a:fillRef idx="0">
+            <a:schemeClr val="accent1"/>
+          </a:fillRef>
+          <a:effectRef idx="0">
+            <a:schemeClr val="accent1"/>
+          </a:effectRef>
+          <a:fontRef idx="minor">
+            <a:schemeClr val="tx1"/>
+          </a:fontRef>
+        </p:style>
+      </p:cxnSp>
+      <p:sp>
+        <p:nvSpPr>
+          <p:cNvPr id="59" name="TextBox 58">
+            <a:extLst>
+              <a:ext uri="{FF2B5EF4-FFF2-40B4-BE49-F238E27FC236}">
+                <a16:creationId xmlns:a16="http://schemas.microsoft.com/office/drawing/2014/main" id="{177D8963-3ED7-4F81-A792-7125D6E9239A}"/>
+              </a:ext>
+            </a:extLst>
+          </p:cNvPr>
+          <p:cNvSpPr txBox="1"/>
+          <p:nvPr/>
+        </p:nvSpPr>
+        <p:spPr>
+          <a:xfrm>
+            <a:off x="4427984" y="1254931"/>
+            <a:ext cx="501419" cy="276999"/>
+          </a:xfrm>
+          <a:prstGeom prst="rect">
+            <a:avLst/>
+          </a:prstGeom>
+          <a:noFill/>
+        </p:spPr>
+        <p:txBody>
+          <a:bodyPr wrap="none" rtlCol="0">
+            <a:spAutoFit/>
+          </a:bodyPr>
+          <a:lstStyle/>
+          <a:p>
+            <a:r>
+              <a:rPr lang="en-US" altLang="ko-KR" sz="1200"/>
+              <a:t>Sync</a:t>
+            </a:r>
+            <a:endParaRPr lang="ko-KR" altLang="en-US" sz="1200"/>
+          </a:p>
+        </p:txBody>
+      </p:sp>
+      <p:sp>
+        <p:nvSpPr>
+          <p:cNvPr id="60" name="TextBox 59">
+            <a:extLst>
+              <a:ext uri="{FF2B5EF4-FFF2-40B4-BE49-F238E27FC236}">
+                <a16:creationId xmlns:a16="http://schemas.microsoft.com/office/drawing/2014/main" id="{68C3E641-9056-4F35-AEE1-AE42546353EC}"/>
+              </a:ext>
+            </a:extLst>
+          </p:cNvPr>
+          <p:cNvSpPr txBox="1"/>
+          <p:nvPr/>
+        </p:nvSpPr>
+        <p:spPr>
+          <a:xfrm>
+            <a:off x="2172856" y="2255843"/>
+            <a:ext cx="742960" cy="276999"/>
+          </a:xfrm>
+          <a:prstGeom prst="rect">
+            <a:avLst/>
+          </a:prstGeom>
+          <a:noFill/>
+        </p:spPr>
+        <p:txBody>
+          <a:bodyPr wrap="none" rtlCol="0">
+            <a:spAutoFit/>
+          </a:bodyPr>
+          <a:lstStyle/>
+          <a:p>
+            <a:r>
+              <a:rPr lang="en-US" altLang="ko-KR" sz="1200"/>
+              <a:t>Register</a:t>
+            </a:r>
+            <a:endParaRPr lang="ko-KR" altLang="en-US" sz="1200"/>
+          </a:p>
+        </p:txBody>
+      </p:sp>
+      <p:sp>
+        <p:nvSpPr>
+          <p:cNvPr id="61" name="TextBox 60">
+            <a:extLst>
+              <a:ext uri="{FF2B5EF4-FFF2-40B4-BE49-F238E27FC236}">
+                <a16:creationId xmlns:a16="http://schemas.microsoft.com/office/drawing/2014/main" id="{CDD0CA14-C561-4491-97B4-355D550EE7AB}"/>
+              </a:ext>
+            </a:extLst>
+          </p:cNvPr>
+          <p:cNvSpPr txBox="1"/>
+          <p:nvPr/>
+        </p:nvSpPr>
+        <p:spPr>
+          <a:xfrm>
+            <a:off x="3970552" y="1790623"/>
+            <a:ext cx="529440" cy="276999"/>
+          </a:xfrm>
+          <a:prstGeom prst="rect">
+            <a:avLst/>
+          </a:prstGeom>
+          <a:noFill/>
+        </p:spPr>
+        <p:txBody>
+          <a:bodyPr wrap="none" rtlCol="0">
+            <a:spAutoFit/>
+          </a:bodyPr>
+          <a:lstStyle/>
+          <a:p>
+            <a:r>
+              <a:rPr lang="en-US" altLang="ko-KR" sz="1200"/>
+              <a:t>Read</a:t>
+            </a:r>
+            <a:endParaRPr lang="ko-KR" altLang="en-US" sz="1200"/>
+          </a:p>
+        </p:txBody>
+      </p:sp>
+      <p:sp>
+        <p:nvSpPr>
+          <p:cNvPr id="62" name="TextBox 61">
+            <a:extLst>
+              <a:ext uri="{FF2B5EF4-FFF2-40B4-BE49-F238E27FC236}">
+                <a16:creationId xmlns:a16="http://schemas.microsoft.com/office/drawing/2014/main" id="{CCF50FF6-2288-4B7E-B12A-45F0BA97809C}"/>
+              </a:ext>
+            </a:extLst>
+          </p:cNvPr>
+          <p:cNvSpPr txBox="1"/>
+          <p:nvPr/>
+        </p:nvSpPr>
+        <p:spPr>
+          <a:xfrm>
+            <a:off x="6393022" y="2191946"/>
+            <a:ext cx="558486" cy="276999"/>
+          </a:xfrm>
+          <a:prstGeom prst="rect">
+            <a:avLst/>
+          </a:prstGeom>
+          <a:noFill/>
+        </p:spPr>
+        <p:txBody>
+          <a:bodyPr wrap="none" rtlCol="0">
+            <a:spAutoFit/>
+          </a:bodyPr>
+          <a:lstStyle/>
+          <a:p>
+            <a:r>
+              <a:rPr lang="en-US" altLang="ko-KR" sz="1200"/>
+              <a:t>Write</a:t>
+            </a:r>
+            <a:endParaRPr lang="ko-KR" altLang="en-US" sz="1200"/>
+          </a:p>
+        </p:txBody>
+      </p:sp>
+      <p:sp>
+        <p:nvSpPr>
+          <p:cNvPr id="63" name="TextBox 62">
+            <a:extLst>
+              <a:ext uri="{FF2B5EF4-FFF2-40B4-BE49-F238E27FC236}">
+                <a16:creationId xmlns:a16="http://schemas.microsoft.com/office/drawing/2014/main" id="{C1696F7D-C396-4767-819A-A0D88E0C01A3}"/>
+              </a:ext>
+            </a:extLst>
+          </p:cNvPr>
+          <p:cNvSpPr txBox="1"/>
+          <p:nvPr/>
+        </p:nvSpPr>
+        <p:spPr>
+          <a:xfrm>
+            <a:off x="3346338" y="2211710"/>
+            <a:ext cx="865622" cy="276999"/>
+          </a:xfrm>
+          <a:prstGeom prst="rect">
+            <a:avLst/>
+          </a:prstGeom>
+          <a:noFill/>
+        </p:spPr>
+        <p:txBody>
+          <a:bodyPr wrap="none" rtlCol="0">
+            <a:spAutoFit/>
+          </a:bodyPr>
+          <a:lstStyle/>
+          <a:p>
+            <a:r>
+              <a:rPr lang="en-US" altLang="ko-KR" sz="1200"/>
+              <a:t>Watch CR</a:t>
+            </a:r>
+            <a:endParaRPr lang="ko-KR" altLang="en-US" sz="1200"/>
+          </a:p>
+        </p:txBody>
+      </p:sp>
+    </p:spTree>
+    <p:extLst>
+      <p:ext uri="{BB962C8B-B14F-4D97-AF65-F5344CB8AC3E}">
+        <p14:creationId xmlns:p14="http://schemas.microsoft.com/office/powerpoint/2010/main" val="3828610783"/>
+      </p:ext>
+    </p:extLst>
+  </p:cSld>
+  <p:clrMapOvr>
+    <a:masterClrMapping/>
+  </p:clrMapOvr>
+</p:sld>
+</file>
+
+<file path=ppt/slides/slide2.xml><?xml version="1.0" encoding="utf-8"?>
+<p:sld xmlns:a="http://schemas.openxmlformats.org/drawingml/2006/main" xmlns:r="http://schemas.openxmlformats.org/officeDocument/2006/relationships" xmlns:p="http://schemas.openxmlformats.org/presentationml/2006/main">
+  <p:cSld>
+    <p:spTree>
+      <p:nvGrpSpPr>
+        <p:cNvPr id="1" name=""/>
+        <p:cNvGrpSpPr/>
+        <p:nvPr/>
+      </p:nvGrpSpPr>
+      <p:grpSpPr>
+        <a:xfrm>
+          <a:off x="0" y="0"/>
+          <a:ext cx="0" cy="0"/>
+          <a:chOff x="0" y="0"/>
+          <a:chExt cx="0" cy="0"/>
+        </a:xfrm>
+      </p:grpSpPr>
+    </p:spTree>
+    <p:extLst>
+      <p:ext uri="{BB962C8B-B14F-4D97-AF65-F5344CB8AC3E}">
+        <p14:creationId xmlns:p14="http://schemas.microsoft.com/office/powerpoint/2010/main" val="1919694409"/>
+      </p:ext>
+    </p:extLst>
+  </p:cSld>
+  <p:clrMapOvr>
+    <a:masterClrMapping/>
+  </p:clrMapOvr>
+</p:sld>
+</file>
+
+<file path=ppt/slides/slide3.xml><?xml version="1.0" encoding="utf-8"?>
+<p:sld xmlns:a="http://schemas.openxmlformats.org/drawingml/2006/main" xmlns:r="http://schemas.openxmlformats.org/officeDocument/2006/relationships" xmlns:p="http://schemas.openxmlformats.org/presentationml/2006/main">
+  <p:cSld>
+    <p:spTree>
+      <p:nvGrpSpPr>
+        <p:cNvPr id="1" name=""/>
+        <p:cNvGrpSpPr/>
+        <p:nvPr/>
+      </p:nvGrpSpPr>
+      <p:grpSpPr>
+        <a:xfrm>
+          <a:off x="0" y="0"/>
+          <a:ext cx="0" cy="0"/>
+          <a:chOff x="0" y="0"/>
+          <a:chExt cx="0" cy="0"/>
+        </a:xfrm>
+      </p:grpSpPr>
+      <p:sp>
+        <p:nvSpPr>
+          <p:cNvPr id="29" name="사각형: 둥근 모서리 28">
+            <a:extLst>
+              <a:ext uri="{FF2B5EF4-FFF2-40B4-BE49-F238E27FC236}">
+                <a16:creationId xmlns:a16="http://schemas.microsoft.com/office/drawing/2014/main" id="{EC9F67C7-1015-40C8-85B1-1349F483D2AB}"/>
+              </a:ext>
+            </a:extLst>
+          </p:cNvPr>
+          <p:cNvSpPr/>
+          <p:nvPr/>
+        </p:nvSpPr>
+        <p:spPr>
+          <a:xfrm>
+            <a:off x="2937416" y="2764705"/>
+            <a:ext cx="1569958" cy="1077432"/>
+          </a:xfrm>
+          <a:prstGeom prst="roundRect">
+            <a:avLst>
+              <a:gd name="adj" fmla="val 7564"/>
+            </a:avLst>
+          </a:prstGeom>
+        </p:spPr>
+        <p:style>
+          <a:lnRef idx="2">
+            <a:schemeClr val="dk1"/>
+          </a:lnRef>
+          <a:fillRef idx="1">
+            <a:schemeClr val="lt1"/>
+          </a:fillRef>
+          <a:effectRef idx="0">
+            <a:schemeClr val="dk1"/>
+          </a:effectRef>
+          <a:fontRef idx="minor">
+            <a:schemeClr val="dk1"/>
+          </a:fontRef>
+        </p:style>
+        <p:txBody>
+          <a:bodyPr rtlCol="0" anchor="b"/>
+          <a:lstStyle/>
+          <a:p>
+            <a:pPr algn="ctr"/>
+            <a:r>
+              <a:rPr lang="en-US" altLang="ko-KR" sz="1400" b="1"/>
+              <a:t>Manager</a:t>
+            </a:r>
+            <a:endParaRPr lang="ko-KR" altLang="en-US" sz="1400" b="1"/>
+          </a:p>
+        </p:txBody>
+      </p:sp>
+      <p:sp>
+        <p:nvSpPr>
+          <p:cNvPr id="2" name="제목 1">
+            <a:extLst>
+              <a:ext uri="{FF2B5EF4-FFF2-40B4-BE49-F238E27FC236}">
+                <a16:creationId xmlns:a16="http://schemas.microsoft.com/office/drawing/2014/main" id="{863C5E05-8BC5-4B38-914D-CA849AA890EB}"/>
+              </a:ext>
+            </a:extLst>
+          </p:cNvPr>
+          <p:cNvSpPr>
+            <a:spLocks noGrp="1"/>
+          </p:cNvSpPr>
+          <p:nvPr>
+            <p:ph type="title"/>
+          </p:nvPr>
+        </p:nvSpPr>
+        <p:spPr>
+          <a:xfrm>
+            <a:off x="457200" y="-20538"/>
+            <a:ext cx="8229600" cy="857250"/>
+          </a:xfrm>
+        </p:spPr>
+        <p:txBody>
+          <a:bodyPr/>
+          <a:lstStyle/>
+          <a:p>
+            <a:r>
+              <a:rPr lang="en-US" altLang="ko-KR"/>
+              <a:t>Controller, Reconciler</a:t>
+            </a:r>
+            <a:endParaRPr lang="ko-KR" altLang="en-US"/>
+          </a:p>
+        </p:txBody>
+      </p:sp>
+      <p:sp>
+        <p:nvSpPr>
+          <p:cNvPr id="4" name="사각형: 둥근 모서리 3">
+            <a:extLst>
+              <a:ext uri="{FF2B5EF4-FFF2-40B4-BE49-F238E27FC236}">
+                <a16:creationId xmlns:a16="http://schemas.microsoft.com/office/drawing/2014/main" id="{386F61B5-5413-4E5F-8581-D2F17DAE5541}"/>
+              </a:ext>
+            </a:extLst>
+          </p:cNvPr>
+          <p:cNvSpPr/>
+          <p:nvPr/>
+        </p:nvSpPr>
+        <p:spPr>
+          <a:xfrm>
+            <a:off x="4148150" y="987574"/>
+            <a:ext cx="1368152" cy="622315"/>
+          </a:xfrm>
+          <a:prstGeom prst="roundRect">
+            <a:avLst/>
+          </a:prstGeom>
+        </p:spPr>
+        <p:style>
+          <a:lnRef idx="2">
+            <a:schemeClr val="dk1"/>
+          </a:lnRef>
+          <a:fillRef idx="1">
+            <a:schemeClr val="lt1"/>
+          </a:fillRef>
+          <a:effectRef idx="0">
+            <a:schemeClr val="dk1"/>
+          </a:effectRef>
+          <a:fontRef idx="minor">
+            <a:schemeClr val="dk1"/>
+          </a:fontRef>
+        </p:style>
+        <p:txBody>
+          <a:bodyPr rtlCol="0" anchor="ctr"/>
+          <a:lstStyle/>
+          <a:p>
+            <a:pPr algn="ctr"/>
+            <a:r>
+              <a:rPr lang="en-US" altLang="ko-KR" sz="1400"/>
+              <a:t>Kubernetes</a:t>
+            </a:r>
+          </a:p>
+          <a:p>
+            <a:pPr algn="ctr"/>
+            <a:r>
+              <a:rPr lang="en-US" altLang="ko-KR" sz="1400"/>
+              <a:t>API Server</a:t>
+            </a:r>
+            <a:endParaRPr lang="ko-KR" altLang="en-US" sz="1400"/>
+          </a:p>
+        </p:txBody>
+      </p:sp>
+      <p:sp>
+        <p:nvSpPr>
+          <p:cNvPr id="16" name="사각형: 둥근 모서리 15">
+            <a:extLst>
+              <a:ext uri="{FF2B5EF4-FFF2-40B4-BE49-F238E27FC236}">
+                <a16:creationId xmlns:a16="http://schemas.microsoft.com/office/drawing/2014/main" id="{A1B813EE-80F6-42C1-916E-4AB46A459F34}"/>
+              </a:ext>
+            </a:extLst>
+          </p:cNvPr>
+          <p:cNvSpPr/>
+          <p:nvPr/>
+        </p:nvSpPr>
+        <p:spPr>
+          <a:xfrm>
+            <a:off x="5163314" y="2764705"/>
+            <a:ext cx="3039586" cy="1077432"/>
+          </a:xfrm>
+          <a:prstGeom prst="roundRect">
+            <a:avLst>
+              <a:gd name="adj" fmla="val 7564"/>
+            </a:avLst>
+          </a:prstGeom>
+        </p:spPr>
+        <p:style>
+          <a:lnRef idx="2">
+            <a:schemeClr val="dk1"/>
+          </a:lnRef>
+          <a:fillRef idx="1">
+            <a:schemeClr val="lt1"/>
+          </a:fillRef>
+          <a:effectRef idx="0">
+            <a:schemeClr val="dk1"/>
+          </a:effectRef>
+          <a:fontRef idx="minor">
+            <a:schemeClr val="dk1"/>
+          </a:fontRef>
+        </p:style>
+        <p:txBody>
+          <a:bodyPr rtlCol="0" anchor="b"/>
+          <a:lstStyle/>
+          <a:p>
+            <a:pPr algn="ctr"/>
+            <a:r>
+              <a:rPr lang="en-US" altLang="ko-KR" sz="1400" b="1"/>
+              <a:t>Reconciler</a:t>
+            </a:r>
+            <a:endParaRPr lang="ko-KR" altLang="en-US" sz="1400" b="1"/>
+          </a:p>
+        </p:txBody>
+      </p:sp>
+      <p:sp>
+        <p:nvSpPr>
+          <p:cNvPr id="21" name="사각형: 둥근 모서리 20">
+            <a:extLst>
+              <a:ext uri="{FF2B5EF4-FFF2-40B4-BE49-F238E27FC236}">
+                <a16:creationId xmlns:a16="http://schemas.microsoft.com/office/drawing/2014/main" id="{5BA72481-834B-4E61-A1D8-A193E7E606EE}"/>
+              </a:ext>
+            </a:extLst>
+          </p:cNvPr>
+          <p:cNvSpPr/>
+          <p:nvPr/>
+        </p:nvSpPr>
+        <p:spPr>
+          <a:xfrm>
+            <a:off x="5263644" y="2852556"/>
+            <a:ext cx="1368152" cy="622316"/>
+          </a:xfrm>
+          <a:prstGeom prst="roundRect">
+            <a:avLst>
+              <a:gd name="adj" fmla="val 12994"/>
+            </a:avLst>
+          </a:prstGeom>
+        </p:spPr>
+        <p:style>
+          <a:lnRef idx="2">
+            <a:schemeClr val="dk1"/>
+          </a:lnRef>
+          <a:fillRef idx="1">
+            <a:schemeClr val="lt1"/>
+          </a:fillRef>
+          <a:effectRef idx="0">
+            <a:schemeClr val="dk1"/>
+          </a:effectRef>
+          <a:fontRef idx="minor">
+            <a:schemeClr val="dk1"/>
+          </a:fontRef>
+        </p:style>
+        <p:txBody>
+          <a:bodyPr rtlCol="0" anchor="ctr"/>
+          <a:lstStyle/>
+          <a:p>
+            <a:pPr algn="ctr"/>
+            <a:r>
+              <a:rPr lang="en-US" altLang="ko-KR" sz="1400"/>
+              <a:t>Manager</a:t>
+            </a:r>
+          </a:p>
+          <a:p>
+            <a:pPr algn="ctr"/>
+            <a:r>
+              <a:rPr lang="en-US" altLang="ko-KR" sz="1400"/>
+              <a:t>Client</a:t>
+            </a:r>
+            <a:endParaRPr lang="ko-KR" altLang="en-US" sz="1400"/>
+          </a:p>
+        </p:txBody>
+      </p:sp>
+      <p:sp>
+        <p:nvSpPr>
+          <p:cNvPr id="23" name="사각형: 둥근 모서리 22">
+            <a:extLst>
+              <a:ext uri="{FF2B5EF4-FFF2-40B4-BE49-F238E27FC236}">
+                <a16:creationId xmlns:a16="http://schemas.microsoft.com/office/drawing/2014/main" id="{534A9358-2212-45CE-96D2-6078B35950DC}"/>
+              </a:ext>
+            </a:extLst>
+          </p:cNvPr>
+          <p:cNvSpPr/>
+          <p:nvPr/>
+        </p:nvSpPr>
+        <p:spPr>
+          <a:xfrm>
+            <a:off x="6739622" y="2852556"/>
+            <a:ext cx="1368152" cy="622316"/>
+          </a:xfrm>
+          <a:prstGeom prst="roundRect">
+            <a:avLst>
+              <a:gd name="adj" fmla="val 12994"/>
+            </a:avLst>
+          </a:prstGeom>
+        </p:spPr>
+        <p:style>
+          <a:lnRef idx="2">
+            <a:schemeClr val="dk1"/>
+          </a:lnRef>
+          <a:fillRef idx="1">
+            <a:schemeClr val="lt1"/>
+          </a:fillRef>
+          <a:effectRef idx="0">
+            <a:schemeClr val="dk1"/>
+          </a:effectRef>
+          <a:fontRef idx="minor">
+            <a:schemeClr val="dk1"/>
+          </a:fontRef>
+        </p:style>
+        <p:txBody>
+          <a:bodyPr rtlCol="0" anchor="ctr"/>
+          <a:lstStyle/>
+          <a:p>
+            <a:pPr algn="ctr"/>
+            <a:r>
+              <a:rPr lang="en-US" altLang="ko-KR" sz="1400"/>
+              <a:t>Reconcile Loop</a:t>
+            </a:r>
+            <a:endParaRPr lang="ko-KR" altLang="en-US" sz="1400"/>
+          </a:p>
+        </p:txBody>
+      </p:sp>
+      <p:sp>
+        <p:nvSpPr>
+          <p:cNvPr id="26" name="사각형: 둥근 모서리 25">
+            <a:extLst>
+              <a:ext uri="{FF2B5EF4-FFF2-40B4-BE49-F238E27FC236}">
+                <a16:creationId xmlns:a16="http://schemas.microsoft.com/office/drawing/2014/main" id="{8AB6C791-67FA-4BF1-8626-6C1E3A51C502}"/>
+              </a:ext>
+            </a:extLst>
+          </p:cNvPr>
+          <p:cNvSpPr/>
+          <p:nvPr/>
+        </p:nvSpPr>
+        <p:spPr>
+          <a:xfrm>
+            <a:off x="1259632" y="2764705"/>
+            <a:ext cx="1569958" cy="1077432"/>
+          </a:xfrm>
+          <a:prstGeom prst="roundRect">
+            <a:avLst>
+              <a:gd name="adj" fmla="val 7564"/>
+            </a:avLst>
+          </a:prstGeom>
+        </p:spPr>
+        <p:style>
+          <a:lnRef idx="2">
+            <a:schemeClr val="dk1"/>
+          </a:lnRef>
+          <a:fillRef idx="1">
+            <a:schemeClr val="lt1"/>
+          </a:fillRef>
+          <a:effectRef idx="0">
+            <a:schemeClr val="dk1"/>
+          </a:effectRef>
+          <a:fontRef idx="minor">
+            <a:schemeClr val="dk1"/>
+          </a:fontRef>
+        </p:style>
+        <p:txBody>
+          <a:bodyPr rtlCol="0" anchor="b"/>
+          <a:lstStyle/>
+          <a:p>
+            <a:pPr algn="ctr"/>
+            <a:r>
+              <a:rPr lang="en-US" altLang="ko-KR" sz="1400" b="1"/>
+              <a:t>Controller</a:t>
+            </a:r>
+            <a:endParaRPr lang="ko-KR" altLang="en-US" sz="1400" b="1"/>
+          </a:p>
+        </p:txBody>
+      </p:sp>
+      <p:sp>
+        <p:nvSpPr>
+          <p:cNvPr id="27" name="사각형: 둥근 모서리 26">
+            <a:extLst>
+              <a:ext uri="{FF2B5EF4-FFF2-40B4-BE49-F238E27FC236}">
+                <a16:creationId xmlns:a16="http://schemas.microsoft.com/office/drawing/2014/main" id="{F0FD2BDB-2B47-49DD-A5EF-C36AB8E6D022}"/>
+              </a:ext>
+            </a:extLst>
+          </p:cNvPr>
+          <p:cNvSpPr/>
+          <p:nvPr/>
+        </p:nvSpPr>
+        <p:spPr>
+          <a:xfrm>
+            <a:off x="1353612" y="2852556"/>
+            <a:ext cx="1368152" cy="622316"/>
+          </a:xfrm>
+          <a:prstGeom prst="roundRect">
+            <a:avLst>
+              <a:gd name="adj" fmla="val 12994"/>
+            </a:avLst>
+          </a:prstGeom>
+        </p:spPr>
+        <p:style>
+          <a:lnRef idx="2">
+            <a:schemeClr val="dk1"/>
+          </a:lnRef>
+          <a:fillRef idx="1">
+            <a:schemeClr val="lt1"/>
+          </a:fillRef>
+          <a:effectRef idx="0">
+            <a:schemeClr val="dk1"/>
+          </a:effectRef>
+          <a:fontRef idx="minor">
+            <a:schemeClr val="dk1"/>
+          </a:fontRef>
+        </p:style>
+        <p:txBody>
+          <a:bodyPr rtlCol="0" anchor="ctr"/>
+          <a:lstStyle/>
+          <a:p>
+            <a:pPr algn="ctr"/>
+            <a:r>
+              <a:rPr lang="en-US" altLang="ko-KR" sz="1400"/>
+              <a:t>Worker Queue</a:t>
+            </a:r>
+            <a:endParaRPr lang="ko-KR" altLang="en-US" sz="1400"/>
+          </a:p>
+        </p:txBody>
+      </p:sp>
+      <p:sp>
+        <p:nvSpPr>
+          <p:cNvPr id="28" name="사각형: 둥근 모서리 27">
+            <a:extLst>
+              <a:ext uri="{FF2B5EF4-FFF2-40B4-BE49-F238E27FC236}">
+                <a16:creationId xmlns:a16="http://schemas.microsoft.com/office/drawing/2014/main" id="{E4D8DB64-BCBF-4901-A55E-778542BB6549}"/>
+              </a:ext>
+            </a:extLst>
+          </p:cNvPr>
+          <p:cNvSpPr/>
+          <p:nvPr/>
+        </p:nvSpPr>
+        <p:spPr>
+          <a:xfrm>
+            <a:off x="3039078" y="2852556"/>
+            <a:ext cx="1368152" cy="622316"/>
+          </a:xfrm>
+          <a:prstGeom prst="roundRect">
+            <a:avLst>
+              <a:gd name="adj" fmla="val 12994"/>
+            </a:avLst>
+          </a:prstGeom>
+        </p:spPr>
+        <p:style>
+          <a:lnRef idx="2">
+            <a:schemeClr val="dk1"/>
+          </a:lnRef>
+          <a:fillRef idx="1">
+            <a:schemeClr val="lt1"/>
+          </a:fillRef>
+          <a:effectRef idx="0">
+            <a:schemeClr val="dk1"/>
+          </a:effectRef>
+          <a:fontRef idx="minor">
+            <a:schemeClr val="dk1"/>
+          </a:fontRef>
+        </p:style>
+        <p:txBody>
+          <a:bodyPr rtlCol="0" anchor="ctr"/>
+          <a:lstStyle/>
+          <a:p>
+            <a:pPr algn="ctr"/>
+            <a:r>
+              <a:rPr lang="en-US" altLang="ko-KR" sz="1400"/>
+              <a:t>Cache</a:t>
+            </a:r>
+            <a:endParaRPr lang="ko-KR" altLang="en-US" sz="1400"/>
+          </a:p>
+        </p:txBody>
+      </p:sp>
+      <p:cxnSp>
+        <p:nvCxnSpPr>
+          <p:cNvPr id="33" name="직선 화살표 연결선 32">
+            <a:extLst>
+              <a:ext uri="{FF2B5EF4-FFF2-40B4-BE49-F238E27FC236}">
+                <a16:creationId xmlns:a16="http://schemas.microsoft.com/office/drawing/2014/main" id="{0CE42314-F022-41CD-833B-DFE2063EE64B}"/>
+              </a:ext>
+            </a:extLst>
+          </p:cNvPr>
+          <p:cNvCxnSpPr>
+            <a:stCxn id="4" idx="2"/>
+            <a:endCxn id="27" idx="0"/>
+          </p:cNvCxnSpPr>
+          <p:nvPr/>
+        </p:nvCxnSpPr>
+        <p:spPr>
+          <a:xfrm flipH="1">
+            <a:off x="2037688" y="1609889"/>
+            <a:ext cx="2794538" cy="1242667"/>
+          </a:xfrm>
+          <a:prstGeom prst="straightConnector1">
+            <a:avLst/>
+          </a:prstGeom>
+          <a:ln w="28575">
+            <a:solidFill>
+              <a:schemeClr val="tx1"/>
+            </a:solidFill>
+            <a:headEnd type="arrow" w="med" len="med"/>
+            <a:tailEnd type="none" w="med" len="med"/>
+          </a:ln>
+        </p:spPr>
+        <p:style>
+          <a:lnRef idx="1">
+            <a:schemeClr val="accent1"/>
+          </a:lnRef>
+          <a:fillRef idx="0">
+            <a:schemeClr val="accent1"/>
+          </a:fillRef>
+          <a:effectRef idx="0">
+            <a:schemeClr val="accent1"/>
+          </a:effectRef>
+          <a:fontRef idx="minor">
+            <a:schemeClr val="tx1"/>
+          </a:fontRef>
+        </p:style>
+      </p:cxnSp>
+      <p:cxnSp>
+        <p:nvCxnSpPr>
+          <p:cNvPr id="34" name="직선 화살표 연결선 33">
+            <a:extLst>
+              <a:ext uri="{FF2B5EF4-FFF2-40B4-BE49-F238E27FC236}">
+                <a16:creationId xmlns:a16="http://schemas.microsoft.com/office/drawing/2014/main" id="{2FE0317D-98E0-494C-8F9F-139D32C85980}"/>
+              </a:ext>
+            </a:extLst>
+          </p:cNvPr>
+          <p:cNvCxnSpPr>
+            <a:cxnSpLocks/>
+            <a:stCxn id="4" idx="2"/>
+            <a:endCxn id="28" idx="0"/>
+          </p:cNvCxnSpPr>
+          <p:nvPr/>
+        </p:nvCxnSpPr>
+        <p:spPr>
+          <a:xfrm flipH="1">
+            <a:off x="3723154" y="1609889"/>
+            <a:ext cx="1109072" cy="1242667"/>
+          </a:xfrm>
+          <a:prstGeom prst="straightConnector1">
+            <a:avLst/>
+          </a:prstGeom>
+          <a:ln w="28575">
+            <a:solidFill>
+              <a:schemeClr val="tx1"/>
+            </a:solidFill>
+            <a:headEnd type="none" w="med" len="med"/>
+            <a:tailEnd type="arrow" w="med" len="med"/>
+          </a:ln>
+        </p:spPr>
+        <p:style>
+          <a:lnRef idx="1">
+            <a:schemeClr val="accent1"/>
+          </a:lnRef>
+          <a:fillRef idx="0">
+            <a:schemeClr val="accent1"/>
+          </a:fillRef>
+          <a:effectRef idx="0">
+            <a:schemeClr val="accent1"/>
+          </a:effectRef>
+          <a:fontRef idx="minor">
+            <a:schemeClr val="tx1"/>
+          </a:fontRef>
+        </p:style>
+      </p:cxnSp>
+      <p:cxnSp>
+        <p:nvCxnSpPr>
+          <p:cNvPr id="39" name="직선 화살표 연결선 38">
+            <a:extLst>
+              <a:ext uri="{FF2B5EF4-FFF2-40B4-BE49-F238E27FC236}">
+                <a16:creationId xmlns:a16="http://schemas.microsoft.com/office/drawing/2014/main" id="{191C310B-7535-4349-8BA0-01D65A988EE2}"/>
+              </a:ext>
+            </a:extLst>
+          </p:cNvPr>
+          <p:cNvCxnSpPr>
+            <a:cxnSpLocks/>
+            <a:stCxn id="28" idx="3"/>
+            <a:endCxn id="21" idx="1"/>
+          </p:cNvCxnSpPr>
+          <p:nvPr/>
+        </p:nvCxnSpPr>
+        <p:spPr>
+          <a:xfrm>
+            <a:off x="4407230" y="3163714"/>
+            <a:ext cx="856414" cy="0"/>
+          </a:xfrm>
+          <a:prstGeom prst="straightConnector1">
+            <a:avLst/>
+          </a:prstGeom>
+          <a:ln w="28575">
+            <a:solidFill>
+              <a:schemeClr val="tx1"/>
+            </a:solidFill>
+            <a:headEnd type="none" w="med" len="med"/>
+            <a:tailEnd type="arrow" w="med" len="med"/>
+          </a:ln>
+        </p:spPr>
+        <p:style>
+          <a:lnRef idx="1">
+            <a:schemeClr val="accent1"/>
+          </a:lnRef>
+          <a:fillRef idx="0">
+            <a:schemeClr val="accent1"/>
+          </a:fillRef>
+          <a:effectRef idx="0">
+            <a:schemeClr val="accent1"/>
+          </a:effectRef>
+          <a:fontRef idx="minor">
+            <a:schemeClr val="tx1"/>
+          </a:fontRef>
+        </p:style>
+      </p:cxnSp>
+      <p:cxnSp>
+        <p:nvCxnSpPr>
+          <p:cNvPr id="42" name="직선 화살표 연결선 41">
+            <a:extLst>
+              <a:ext uri="{FF2B5EF4-FFF2-40B4-BE49-F238E27FC236}">
+                <a16:creationId xmlns:a16="http://schemas.microsoft.com/office/drawing/2014/main" id="{6F4BDF7D-B7CC-4AB2-9614-34D3B7939B45}"/>
+              </a:ext>
+            </a:extLst>
+          </p:cNvPr>
+          <p:cNvCxnSpPr>
+            <a:cxnSpLocks/>
+            <a:stCxn id="21" idx="0"/>
+            <a:endCxn id="4" idx="2"/>
+          </p:cNvCxnSpPr>
+          <p:nvPr/>
+        </p:nvCxnSpPr>
+        <p:spPr>
+          <a:xfrm flipH="1" flipV="1">
+            <a:off x="4832226" y="1609889"/>
+            <a:ext cx="1115494" cy="1242667"/>
+          </a:xfrm>
+          <a:prstGeom prst="straightConnector1">
+            <a:avLst/>
+          </a:prstGeom>
+          <a:ln w="28575">
+            <a:solidFill>
+              <a:schemeClr val="tx1"/>
+            </a:solidFill>
+            <a:headEnd type="none" w="med" len="med"/>
+            <a:tailEnd type="arrow" w="med" len="med"/>
+          </a:ln>
+        </p:spPr>
+        <p:style>
+          <a:lnRef idx="1">
+            <a:schemeClr val="accent1"/>
+          </a:lnRef>
+          <a:fillRef idx="0">
+            <a:schemeClr val="accent1"/>
+          </a:fillRef>
+          <a:effectRef idx="0">
+            <a:schemeClr val="accent1"/>
+          </a:effectRef>
+          <a:fontRef idx="minor">
+            <a:schemeClr val="tx1"/>
+          </a:fontRef>
+        </p:style>
+      </p:cxnSp>
+      <p:sp>
+        <p:nvSpPr>
+          <p:cNvPr id="47" name="원호 46">
+            <a:extLst>
+              <a:ext uri="{FF2B5EF4-FFF2-40B4-BE49-F238E27FC236}">
+                <a16:creationId xmlns:a16="http://schemas.microsoft.com/office/drawing/2014/main" id="{0034C7D1-EF2C-4CBD-A08C-E36A1D8C808C}"/>
+              </a:ext>
+            </a:extLst>
+          </p:cNvPr>
+          <p:cNvSpPr/>
+          <p:nvPr/>
+        </p:nvSpPr>
+        <p:spPr>
+          <a:xfrm flipV="1">
+            <a:off x="2355002" y="2816461"/>
+            <a:ext cx="4752528" cy="1333960"/>
+          </a:xfrm>
+          <a:prstGeom prst="arc">
+            <a:avLst>
+              <a:gd name="adj1" fmla="val 10787348"/>
+              <a:gd name="adj2" fmla="val 27559"/>
+            </a:avLst>
+          </a:prstGeom>
+          <a:ln w="28575">
+            <a:solidFill>
+              <a:schemeClr val="tx1"/>
+            </a:solidFill>
+            <a:headEnd type="arrow" w="med" len="med"/>
+            <a:tailEnd type="none" w="med" len="med"/>
+          </a:ln>
+        </p:spPr>
+        <p:style>
+          <a:lnRef idx="1">
+            <a:schemeClr val="accent1"/>
+          </a:lnRef>
+          <a:fillRef idx="0">
+            <a:schemeClr val="accent1"/>
+          </a:fillRef>
+          <a:effectRef idx="0">
+            <a:schemeClr val="accent1"/>
+          </a:effectRef>
+          <a:fontRef idx="minor">
+            <a:schemeClr val="tx1"/>
+          </a:fontRef>
+        </p:style>
+        <p:txBody>
+          <a:bodyPr rtlCol="0" anchor="ctr"/>
+          <a:lstStyle/>
+          <a:p>
+            <a:pPr algn="ctr"/>
+            <a:endParaRPr lang="ko-KR" altLang="en-US"/>
+          </a:p>
+        </p:txBody>
+      </p:sp>
+      <p:sp>
+        <p:nvSpPr>
+          <p:cNvPr id="48" name="원호 47">
+            <a:extLst>
+              <a:ext uri="{FF2B5EF4-FFF2-40B4-BE49-F238E27FC236}">
+                <a16:creationId xmlns:a16="http://schemas.microsoft.com/office/drawing/2014/main" id="{F159D891-E03C-4A4E-A5FD-628D136561B6}"/>
+              </a:ext>
+            </a:extLst>
+          </p:cNvPr>
+          <p:cNvSpPr/>
+          <p:nvPr/>
+        </p:nvSpPr>
+        <p:spPr>
+          <a:xfrm flipV="1">
+            <a:off x="1787136" y="2456421"/>
+            <a:ext cx="6048672" cy="2033788"/>
+          </a:xfrm>
+          <a:prstGeom prst="arc">
+            <a:avLst>
+              <a:gd name="adj1" fmla="val 10787348"/>
+              <a:gd name="adj2" fmla="val 0"/>
+            </a:avLst>
+          </a:prstGeom>
+          <a:ln w="28575">
+            <a:solidFill>
+              <a:schemeClr val="tx1"/>
+            </a:solidFill>
+            <a:headEnd type="none" w="med" len="med"/>
+            <a:tailEnd type="arrow" w="med" len="med"/>
+          </a:ln>
+        </p:spPr>
+        <p:style>
+          <a:lnRef idx="1">
+            <a:schemeClr val="accent1"/>
+          </a:lnRef>
+          <a:fillRef idx="0">
+            <a:schemeClr val="accent1"/>
+          </a:fillRef>
+          <a:effectRef idx="0">
+            <a:schemeClr val="accent1"/>
+          </a:effectRef>
+          <a:fontRef idx="minor">
+            <a:schemeClr val="tx1"/>
+          </a:fontRef>
+        </p:style>
+        <p:txBody>
+          <a:bodyPr rtlCol="0" anchor="ctr"/>
+          <a:lstStyle/>
+          <a:p>
+            <a:pPr algn="ctr"/>
+            <a:endParaRPr lang="ko-KR" altLang="en-US"/>
+          </a:p>
+        </p:txBody>
+      </p:sp>
+      <p:sp>
+        <p:nvSpPr>
+          <p:cNvPr id="51" name="TextBox 50">
+            <a:extLst>
+              <a:ext uri="{FF2B5EF4-FFF2-40B4-BE49-F238E27FC236}">
+                <a16:creationId xmlns:a16="http://schemas.microsoft.com/office/drawing/2014/main" id="{3DB123B9-D0C8-4BE2-98C1-96E2D53E63B7}"/>
+              </a:ext>
+            </a:extLst>
+          </p:cNvPr>
+          <p:cNvSpPr txBox="1"/>
+          <p:nvPr/>
+        </p:nvSpPr>
+        <p:spPr>
+          <a:xfrm>
+            <a:off x="4283968" y="2151222"/>
+            <a:ext cx="555280" cy="307777"/>
+          </a:xfrm>
+          <a:prstGeom prst="rect">
+            <a:avLst/>
+          </a:prstGeom>
+          <a:noFill/>
+        </p:spPr>
+        <p:txBody>
+          <a:bodyPr wrap="none" rtlCol="0">
+            <a:spAutoFit/>
+          </a:bodyPr>
+          <a:lstStyle/>
+          <a:p>
+            <a:r>
+              <a:rPr lang="en-US" altLang="ko-KR" sz="1400"/>
+              <a:t>Sync</a:t>
+            </a:r>
+            <a:endParaRPr lang="ko-KR" altLang="en-US" sz="1400"/>
+          </a:p>
+        </p:txBody>
+      </p:sp>
+      <p:sp>
+        <p:nvSpPr>
+          <p:cNvPr id="52" name="TextBox 51">
+            <a:extLst>
+              <a:ext uri="{FF2B5EF4-FFF2-40B4-BE49-F238E27FC236}">
+                <a16:creationId xmlns:a16="http://schemas.microsoft.com/office/drawing/2014/main" id="{E4C2FABD-15BD-44C1-8FA1-6D70BE8D1034}"/>
+              </a:ext>
+            </a:extLst>
+          </p:cNvPr>
+          <p:cNvSpPr txBox="1"/>
+          <p:nvPr/>
+        </p:nvSpPr>
+        <p:spPr>
+          <a:xfrm>
+            <a:off x="4555091" y="2868561"/>
+            <a:ext cx="584775" cy="307777"/>
+          </a:xfrm>
+          <a:prstGeom prst="rect">
+            <a:avLst/>
+          </a:prstGeom>
+          <a:noFill/>
+        </p:spPr>
+        <p:txBody>
+          <a:bodyPr wrap="none" rtlCol="0">
+            <a:spAutoFit/>
+          </a:bodyPr>
+          <a:lstStyle/>
+          <a:p>
+            <a:r>
+              <a:rPr lang="en-US" altLang="ko-KR" sz="1400"/>
+              <a:t>Read</a:t>
+            </a:r>
+            <a:endParaRPr lang="ko-KR" altLang="en-US" sz="1400"/>
+          </a:p>
+        </p:txBody>
+      </p:sp>
+      <p:sp>
+        <p:nvSpPr>
+          <p:cNvPr id="53" name="TextBox 52">
+            <a:extLst>
+              <a:ext uri="{FF2B5EF4-FFF2-40B4-BE49-F238E27FC236}">
+                <a16:creationId xmlns:a16="http://schemas.microsoft.com/office/drawing/2014/main" id="{ACE18D3D-EF44-47E7-BBDE-D95699AB0CAD}"/>
+              </a:ext>
+            </a:extLst>
+          </p:cNvPr>
+          <p:cNvSpPr txBox="1"/>
+          <p:nvPr/>
+        </p:nvSpPr>
+        <p:spPr>
+          <a:xfrm>
+            <a:off x="4883480" y="2165980"/>
+            <a:ext cx="622414" cy="307777"/>
+          </a:xfrm>
+          <a:prstGeom prst="rect">
+            <a:avLst/>
+          </a:prstGeom>
+          <a:noFill/>
+        </p:spPr>
+        <p:txBody>
+          <a:bodyPr wrap="none" rtlCol="0">
+            <a:spAutoFit/>
+          </a:bodyPr>
+          <a:lstStyle/>
+          <a:p>
+            <a:r>
+              <a:rPr lang="en-US" altLang="ko-KR" sz="1400"/>
+              <a:t>Write</a:t>
+            </a:r>
+            <a:endParaRPr lang="ko-KR" altLang="en-US" sz="1400"/>
+          </a:p>
+        </p:txBody>
+      </p:sp>
+      <p:sp>
+        <p:nvSpPr>
+          <p:cNvPr id="54" name="TextBox 53">
+            <a:extLst>
+              <a:ext uri="{FF2B5EF4-FFF2-40B4-BE49-F238E27FC236}">
+                <a16:creationId xmlns:a16="http://schemas.microsoft.com/office/drawing/2014/main" id="{B83FB188-BED9-4F86-8DB3-C1A258FD1710}"/>
+              </a:ext>
+            </a:extLst>
+          </p:cNvPr>
+          <p:cNvSpPr txBox="1"/>
+          <p:nvPr/>
+        </p:nvSpPr>
+        <p:spPr>
+          <a:xfrm>
+            <a:off x="3613462" y="4443958"/>
+            <a:ext cx="2437527" cy="307777"/>
+          </a:xfrm>
+          <a:prstGeom prst="rect">
+            <a:avLst/>
+          </a:prstGeom>
+          <a:noFill/>
+        </p:spPr>
+        <p:txBody>
+          <a:bodyPr wrap="none" rtlCol="0">
+            <a:spAutoFit/>
+          </a:bodyPr>
+          <a:lstStyle/>
+          <a:p>
+            <a:pPr algn="ctr"/>
+            <a:r>
+              <a:rPr lang="en-US" altLang="ko-KR" sz="1400"/>
+              <a:t>Send CR Name/Namespace</a:t>
+            </a:r>
+            <a:endParaRPr lang="ko-KR" altLang="en-US" sz="1400"/>
+          </a:p>
+        </p:txBody>
+      </p:sp>
+      <p:sp>
+        <p:nvSpPr>
+          <p:cNvPr id="55" name="TextBox 54">
+            <a:extLst>
+              <a:ext uri="{FF2B5EF4-FFF2-40B4-BE49-F238E27FC236}">
+                <a16:creationId xmlns:a16="http://schemas.microsoft.com/office/drawing/2014/main" id="{D07D57EB-3F9B-44E6-A50A-3932AEB297C2}"/>
+              </a:ext>
+            </a:extLst>
+          </p:cNvPr>
+          <p:cNvSpPr txBox="1"/>
+          <p:nvPr/>
+        </p:nvSpPr>
+        <p:spPr>
+          <a:xfrm>
+            <a:off x="2699792" y="1887383"/>
+            <a:ext cx="969341" cy="307777"/>
+          </a:xfrm>
+          <a:prstGeom prst="rect">
+            <a:avLst/>
+          </a:prstGeom>
+          <a:noFill/>
+        </p:spPr>
+        <p:txBody>
+          <a:bodyPr wrap="square" rtlCol="0" anchor="ctr">
+            <a:spAutoFit/>
+          </a:bodyPr>
+          <a:lstStyle/>
+          <a:p>
+            <a:pPr algn="ctr"/>
+            <a:r>
+              <a:rPr lang="en-US" altLang="ko-KR" sz="1400"/>
+              <a:t>Watch CR</a:t>
+            </a:r>
+          </a:p>
+        </p:txBody>
+      </p:sp>
+      <p:sp>
+        <p:nvSpPr>
+          <p:cNvPr id="57" name="TextBox 56">
+            <a:extLst>
+              <a:ext uri="{FF2B5EF4-FFF2-40B4-BE49-F238E27FC236}">
+                <a16:creationId xmlns:a16="http://schemas.microsoft.com/office/drawing/2014/main" id="{2087AD6B-8771-41A9-9952-B3AA7628C1EC}"/>
+              </a:ext>
+            </a:extLst>
+          </p:cNvPr>
+          <p:cNvSpPr txBox="1"/>
+          <p:nvPr/>
+        </p:nvSpPr>
+        <p:spPr>
+          <a:xfrm>
+            <a:off x="3446269" y="4102968"/>
+            <a:ext cx="2771914" cy="307777"/>
+          </a:xfrm>
+          <a:prstGeom prst="rect">
+            <a:avLst/>
+          </a:prstGeom>
+          <a:noFill/>
+        </p:spPr>
+        <p:txBody>
+          <a:bodyPr wrap="none" rtlCol="0">
+            <a:spAutoFit/>
+          </a:bodyPr>
+          <a:lstStyle/>
+          <a:p>
+            <a:pPr algn="ctr"/>
+            <a:r>
+              <a:rPr lang="en-US" altLang="ko-KR" sz="1400"/>
+              <a:t>Requeue CR Name/Namespace</a:t>
+            </a:r>
+            <a:endParaRPr lang="ko-KR" altLang="en-US" sz="1400"/>
+          </a:p>
+        </p:txBody>
+      </p:sp>
+      <p:cxnSp>
+        <p:nvCxnSpPr>
+          <p:cNvPr id="5" name="직선 연결선 4">
+            <a:extLst>
+              <a:ext uri="{FF2B5EF4-FFF2-40B4-BE49-F238E27FC236}">
+                <a16:creationId xmlns:a16="http://schemas.microsoft.com/office/drawing/2014/main" id="{79057BA3-7878-4874-9872-862604216170}"/>
+              </a:ext>
+            </a:extLst>
+          </p:cNvPr>
+          <p:cNvCxnSpPr>
+            <a:cxnSpLocks/>
+          </p:cNvCxnSpPr>
+          <p:nvPr/>
+        </p:nvCxnSpPr>
+        <p:spPr>
+          <a:xfrm>
+            <a:off x="327835" y="2571750"/>
+            <a:ext cx="8132597" cy="0"/>
+          </a:xfrm>
+          <a:prstGeom prst="line">
+            <a:avLst/>
+          </a:prstGeom>
+          <a:ln w="28575">
+            <a:solidFill>
+              <a:schemeClr val="tx1"/>
+            </a:solidFill>
+            <a:prstDash val="dash"/>
+          </a:ln>
+        </p:spPr>
+        <p:style>
+          <a:lnRef idx="1">
+            <a:schemeClr val="accent1"/>
+          </a:lnRef>
+          <a:fillRef idx="0">
+            <a:schemeClr val="accent1"/>
+          </a:fillRef>
+          <a:effectRef idx="0">
+            <a:schemeClr val="accent1"/>
+          </a:effectRef>
+          <a:fontRef idx="minor">
+            <a:schemeClr val="tx1"/>
+          </a:fontRef>
+        </p:style>
+      </p:cxnSp>
+      <p:sp>
+        <p:nvSpPr>
+          <p:cNvPr id="25" name="TextBox 24">
+            <a:extLst>
+              <a:ext uri="{FF2B5EF4-FFF2-40B4-BE49-F238E27FC236}">
+                <a16:creationId xmlns:a16="http://schemas.microsoft.com/office/drawing/2014/main" id="{86EBF743-A613-40CD-A4ED-EFBBDAE527CA}"/>
+              </a:ext>
+            </a:extLst>
+          </p:cNvPr>
+          <p:cNvSpPr txBox="1"/>
+          <p:nvPr/>
+        </p:nvSpPr>
+        <p:spPr>
+          <a:xfrm>
+            <a:off x="327835" y="2643758"/>
+            <a:ext cx="917367" cy="523220"/>
+          </a:xfrm>
+          <a:prstGeom prst="rect">
+            <a:avLst/>
+          </a:prstGeom>
+          <a:noFill/>
+        </p:spPr>
+        <p:txBody>
+          <a:bodyPr wrap="none" rtlCol="0" anchor="ctr">
+            <a:spAutoFit/>
+          </a:bodyPr>
+          <a:lstStyle/>
+          <a:p>
+            <a:pPr algn="ctr"/>
+            <a:r>
+              <a:rPr lang="en-US" altLang="ko-KR" sz="1400"/>
+              <a:t>Golang</a:t>
+            </a:r>
+          </a:p>
+          <a:p>
+            <a:pPr algn="ctr"/>
+            <a:r>
+              <a:rPr lang="en-US" altLang="ko-KR" sz="1400"/>
+              <a:t>Operator</a:t>
+            </a:r>
+          </a:p>
+        </p:txBody>
+      </p:sp>
+    </p:spTree>
+    <p:extLst>
+      <p:ext uri="{BB962C8B-B14F-4D97-AF65-F5344CB8AC3E}">
+        <p14:creationId xmlns:p14="http://schemas.microsoft.com/office/powerpoint/2010/main" val="1818976013"/>
+      </p:ext>
+    </p:extLst>
+  </p:cSld>
+  <p:clrMapOvr>
+    <a:masterClrMapping/>
+  </p:clrMapOvr>
+</p:sld>
+</file>
+
+<file path=ppt/slides/slide4.xml><?xml version="1.0" encoding="utf-8"?>
 <p:sld xmlns:a="http://schemas.openxmlformats.org/drawingml/2006/main" xmlns:r="http://schemas.openxmlformats.org/officeDocument/2006/relationships" xmlns:p="http://schemas.openxmlformats.org/presentationml/2006/main">
   <p:cSld>
     <p:spTree>

--- a/images/programming/Kubernetes_Operator_SDK_Golang/Kubernetes_Operator_SDK_Golang.pptx
+++ b/images/programming/Kubernetes_Operator_SDK_Golang/Kubernetes_Operator_SDK_Golang.pptx
@@ -5,13 +5,14 @@
     <p:sldMasterId id="2147483648" r:id="rId1"/>
   </p:sldMasterIdLst>
   <p:notesMasterIdLst>
-    <p:notesMasterId r:id="rId6"/>
+    <p:notesMasterId r:id="rId7"/>
   </p:notesMasterIdLst>
   <p:sldIdLst>
-    <p:sldId id="421" r:id="rId2"/>
+    <p:sldId id="422" r:id="rId2"/>
     <p:sldId id="420" r:id="rId3"/>
-    <p:sldId id="419" r:id="rId4"/>
-    <p:sldId id="418" r:id="rId5"/>
+    <p:sldId id="421" r:id="rId4"/>
+    <p:sldId id="419" r:id="rId5"/>
+    <p:sldId id="418" r:id="rId6"/>
   </p:sldIdLst>
   <p:sldSz cx="9144000" cy="5143500" type="screen16x9"/>
   <p:notesSz cx="6858000" cy="9144000"/>
@@ -216,7 +217,7 @@
           <a:p>
             <a:fld id="{6CD5550B-26C4-49A9-A5BA-636EF7BE6CE9}" type="datetimeFigureOut">
               <a:rPr lang="ko-KR" altLang="en-US" smtClean="0"/>
-              <a:t>2019-06-08</a:t>
+              <a:t>2019-11-12</a:t>
             </a:fld>
             <a:endParaRPr lang="ko-KR" altLang="en-US"/>
           </a:p>
@@ -662,7 +663,7 @@
           <a:p>
             <a:fld id="{FB30EDBD-1C2D-4C1E-B459-B60219FAB484}" type="datetimeFigureOut">
               <a:rPr lang="ko-KR" altLang="en-US" smtClean="0"/>
-              <a:t>2019-06-08</a:t>
+              <a:t>2019-11-12</a:t>
             </a:fld>
             <a:endParaRPr lang="ko-KR" altLang="en-US"/>
           </a:p>
@@ -825,7 +826,7 @@
           <a:p>
             <a:fld id="{FB30EDBD-1C2D-4C1E-B459-B60219FAB484}" type="datetimeFigureOut">
               <a:rPr lang="ko-KR" altLang="en-US" smtClean="0"/>
-              <a:t>2019-06-08</a:t>
+              <a:t>2019-11-12</a:t>
             </a:fld>
             <a:endParaRPr lang="ko-KR" altLang="en-US"/>
           </a:p>
@@ -998,7 +999,7 @@
           <a:p>
             <a:fld id="{FB30EDBD-1C2D-4C1E-B459-B60219FAB484}" type="datetimeFigureOut">
               <a:rPr lang="ko-KR" altLang="en-US" smtClean="0"/>
-              <a:t>2019-06-08</a:t>
+              <a:t>2019-11-12</a:t>
             </a:fld>
             <a:endParaRPr lang="ko-KR" altLang="en-US"/>
           </a:p>
@@ -1161,7 +1162,7 @@
           <a:p>
             <a:fld id="{FB30EDBD-1C2D-4C1E-B459-B60219FAB484}" type="datetimeFigureOut">
               <a:rPr lang="ko-KR" altLang="en-US" smtClean="0"/>
-              <a:t>2019-06-08</a:t>
+              <a:t>2019-11-12</a:t>
             </a:fld>
             <a:endParaRPr lang="ko-KR" altLang="en-US"/>
           </a:p>
@@ -1401,7 +1402,7 @@
           <a:p>
             <a:fld id="{FB30EDBD-1C2D-4C1E-B459-B60219FAB484}" type="datetimeFigureOut">
               <a:rPr lang="ko-KR" altLang="en-US" smtClean="0"/>
-              <a:t>2019-06-08</a:t>
+              <a:t>2019-11-12</a:t>
             </a:fld>
             <a:endParaRPr lang="ko-KR" altLang="en-US"/>
           </a:p>
@@ -1681,7 +1682,7 @@
           <a:p>
             <a:fld id="{FB30EDBD-1C2D-4C1E-B459-B60219FAB484}" type="datetimeFigureOut">
               <a:rPr lang="ko-KR" altLang="en-US" smtClean="0"/>
-              <a:t>2019-06-08</a:t>
+              <a:t>2019-11-12</a:t>
             </a:fld>
             <a:endParaRPr lang="ko-KR" altLang="en-US"/>
           </a:p>
@@ -2095,7 +2096,7 @@
           <a:p>
             <a:fld id="{FB30EDBD-1C2D-4C1E-B459-B60219FAB484}" type="datetimeFigureOut">
               <a:rPr lang="ko-KR" altLang="en-US" smtClean="0"/>
-              <a:t>2019-06-08</a:t>
+              <a:t>2019-11-12</a:t>
             </a:fld>
             <a:endParaRPr lang="ko-KR" altLang="en-US"/>
           </a:p>
@@ -2207,7 +2208,7 @@
           <a:p>
             <a:fld id="{FB30EDBD-1C2D-4C1E-B459-B60219FAB484}" type="datetimeFigureOut">
               <a:rPr lang="ko-KR" altLang="en-US" smtClean="0"/>
-              <a:t>2019-06-08</a:t>
+              <a:t>2019-11-12</a:t>
             </a:fld>
             <a:endParaRPr lang="ko-KR" altLang="en-US"/>
           </a:p>
@@ -2297,7 +2298,7 @@
           <a:p>
             <a:fld id="{FB30EDBD-1C2D-4C1E-B459-B60219FAB484}" type="datetimeFigureOut">
               <a:rPr lang="ko-KR" altLang="en-US" smtClean="0"/>
-              <a:t>2019-06-08</a:t>
+              <a:t>2019-11-12</a:t>
             </a:fld>
             <a:endParaRPr lang="ko-KR" altLang="en-US"/>
           </a:p>
@@ -2567,7 +2568,7 @@
           <a:p>
             <a:fld id="{FB30EDBD-1C2D-4C1E-B459-B60219FAB484}" type="datetimeFigureOut">
               <a:rPr lang="ko-KR" altLang="en-US" smtClean="0"/>
-              <a:t>2019-06-08</a:t>
+              <a:t>2019-11-12</a:t>
             </a:fld>
             <a:endParaRPr lang="ko-KR" altLang="en-US"/>
           </a:p>
@@ -2814,7 +2815,7 @@
           <a:p>
             <a:fld id="{FB30EDBD-1C2D-4C1E-B459-B60219FAB484}" type="datetimeFigureOut">
               <a:rPr lang="ko-KR" altLang="en-US" smtClean="0"/>
-              <a:t>2019-06-08</a:t>
+              <a:t>2019-11-12</a:t>
             </a:fld>
             <a:endParaRPr lang="ko-KR" altLang="en-US"/>
           </a:p>
@@ -3020,7 +3021,7 @@
           <a:p>
             <a:fld id="{FB30EDBD-1C2D-4C1E-B459-B60219FAB484}" type="datetimeFigureOut">
               <a:rPr lang="ko-KR" altLang="en-US" smtClean="0"/>
-              <a:t>2019-06-08</a:t>
+              <a:t>2019-11-12</a:t>
             </a:fld>
             <a:endParaRPr lang="ko-KR" altLang="en-US"/>
           </a:p>
@@ -3404,8 +3405,8 @@
         </p:nvSpPr>
         <p:spPr>
           <a:xfrm>
-            <a:off x="2411760" y="1062270"/>
-            <a:ext cx="1569958" cy="1077432"/>
+            <a:off x="2937416" y="2764704"/>
+            <a:ext cx="1569958" cy="1239047"/>
           </a:xfrm>
           <a:prstGeom prst="roundRect">
             <a:avLst>
@@ -3432,9 +3433,24 @@
           <a:lstStyle/>
           <a:p>
             <a:pPr algn="ctr"/>
+            <a:endParaRPr lang="en-US" altLang="ko-KR" sz="1400" b="1"/>
+          </a:p>
+          <a:p>
+            <a:pPr algn="ctr"/>
+            <a:endParaRPr lang="en-US" altLang="ko-KR" sz="1400" b="1"/>
+          </a:p>
+          <a:p>
+            <a:pPr algn="ctr"/>
             <a:r>
               <a:rPr lang="en-US" altLang="ko-KR" sz="1400" b="1"/>
-              <a:t>Manager</a:t>
+              <a:t>Runtime</a:t>
+            </a:r>
+          </a:p>
+          <a:p>
+            <a:pPr algn="ctr"/>
+            <a:r>
+              <a:rPr lang="en-US" altLang="ko-KR" sz="1400" b="1"/>
+              <a:t>Manager Pkg</a:t>
             </a:r>
             <a:endParaRPr lang="ko-KR" altLang="en-US" sz="1400" b="1"/>
           </a:p>
@@ -3468,7 +3484,7 @@
           <a:p>
             <a:r>
               <a:rPr lang="en-US" altLang="ko-KR"/>
-              <a:t>Controller, Reconciler</a:t>
+              <a:t>K8s Controller Component</a:t>
             </a:r>
             <a:endParaRPr lang="ko-KR" altLang="en-US"/>
           </a:p>
@@ -3488,7 +3504,7 @@
         </p:nvSpPr>
         <p:spPr>
           <a:xfrm>
-            <a:off x="5364088" y="1289828"/>
+            <a:off x="4148150" y="987574"/>
             <a:ext cx="1368152" cy="622315"/>
           </a:xfrm>
           <a:prstGeom prst="roundRect">
@@ -3516,7 +3532,7 @@
             <a:pPr algn="ctr"/>
             <a:r>
               <a:rPr lang="en-US" altLang="ko-KR" sz="1400"/>
-              <a:t>Kubernetes</a:t>
+              <a:t>K8s</a:t>
             </a:r>
           </a:p>
           <a:p>
@@ -3543,8 +3559,8 @@
         </p:nvSpPr>
         <p:spPr>
           <a:xfrm>
-            <a:off x="4628758" y="2862470"/>
-            <a:ext cx="3039586" cy="1077432"/>
+            <a:off x="5163314" y="2764704"/>
+            <a:ext cx="3039586" cy="1239047"/>
           </a:xfrm>
           <a:prstGeom prst="roundRect">
             <a:avLst>
@@ -3573,8 +3589,11 @@
             <a:pPr algn="ctr"/>
             <a:r>
               <a:rPr lang="en-US" altLang="ko-KR" sz="1400" b="1"/>
-              <a:t>Reconciler</a:t>
-            </a:r>
+              <a:t>SDK Controller Pkg</a:t>
+            </a:r>
+          </a:p>
+          <a:p>
+            <a:pPr algn="ctr"/>
             <a:endParaRPr lang="ko-KR" altLang="en-US" sz="1400" b="1"/>
           </a:p>
         </p:txBody>
@@ -3593,7 +3612,7 @@
         </p:nvSpPr>
         <p:spPr>
           <a:xfrm>
-            <a:off x="6204637" y="2950321"/>
+            <a:off x="5263644" y="2852556"/>
             <a:ext cx="1368152" cy="622316"/>
           </a:xfrm>
           <a:prstGeom prst="roundRect">
@@ -3623,14 +3642,14 @@
             <a:pPr algn="ctr"/>
             <a:r>
               <a:rPr lang="en-US" altLang="ko-KR" sz="1400"/>
-              <a:t>Manager</a:t>
+              <a:t>Manager’s</a:t>
             </a:r>
           </a:p>
           <a:p>
             <a:pPr algn="ctr"/>
             <a:r>
               <a:rPr lang="en-US" altLang="ko-KR" sz="1400"/>
-              <a:t>Client</a:t>
+              <a:t>K8s Client</a:t>
             </a:r>
             <a:endParaRPr lang="ko-KR" altLang="en-US" sz="1400"/>
           </a:p>
@@ -3650,7 +3669,7 @@
         </p:nvSpPr>
         <p:spPr>
           <a:xfrm>
-            <a:off x="4725836" y="2950321"/>
+            <a:off x="6739622" y="2852556"/>
             <a:ext cx="1368152" cy="622316"/>
           </a:xfrm>
           <a:prstGeom prst="roundRect">
@@ -3700,8 +3719,8 @@
         </p:nvSpPr>
         <p:spPr>
           <a:xfrm>
-            <a:off x="1619672" y="2862470"/>
-            <a:ext cx="1569958" cy="1077432"/>
+            <a:off x="1259632" y="2764704"/>
+            <a:ext cx="1569958" cy="1239047"/>
           </a:xfrm>
           <a:prstGeom prst="roundRect">
             <a:avLst>
@@ -3730,7 +3749,14 @@
             <a:pPr algn="ctr"/>
             <a:r>
               <a:rPr lang="en-US" altLang="ko-KR" sz="1400" b="1"/>
-              <a:t>Controller</a:t>
+              <a:t>Runtime</a:t>
+            </a:r>
+          </a:p>
+          <a:p>
+            <a:pPr algn="ctr"/>
+            <a:r>
+              <a:rPr lang="en-US" altLang="ko-KR" sz="1400" b="1"/>
+              <a:t>Controller Pkg</a:t>
             </a:r>
             <a:endParaRPr lang="ko-KR" altLang="en-US" sz="1400" b="1"/>
           </a:p>
@@ -3750,7 +3776,7 @@
         </p:nvSpPr>
         <p:spPr>
           <a:xfrm>
-            <a:off x="1713652" y="2950321"/>
+            <a:off x="1353612" y="2852556"/>
             <a:ext cx="1368152" cy="622316"/>
           </a:xfrm>
           <a:prstGeom prst="roundRect">
@@ -3800,7 +3826,7 @@
         </p:nvSpPr>
         <p:spPr>
           <a:xfrm>
-            <a:off x="2513422" y="1150121"/>
+            <a:off x="3039078" y="2852556"/>
             <a:ext cx="1368152" cy="622316"/>
           </a:xfrm>
           <a:prstGeom prst="roundRect">
@@ -3846,6 +3872,7 @@
             </a:extLst>
           </p:cNvPr>
           <p:cNvCxnSpPr>
+            <a:cxnSpLocks/>
             <a:stCxn id="4" idx="2"/>
             <a:endCxn id="27" idx="0"/>
           </p:cNvCxnSpPr>
@@ -3853,8 +3880,8 @@
         </p:nvCxnSpPr>
         <p:spPr>
           <a:xfrm flipH="1">
-            <a:off x="2397728" y="1912143"/>
-            <a:ext cx="3650436" cy="1038178"/>
+            <a:off x="2037688" y="1609889"/>
+            <a:ext cx="2794538" cy="1242667"/>
           </a:xfrm>
           <a:prstGeom prst="straightConnector1">
             <a:avLst/>
@@ -3893,15 +3920,15 @@
           </p:cNvPr>
           <p:cNvCxnSpPr>
             <a:cxnSpLocks/>
-            <a:stCxn id="4" idx="1"/>
-            <a:endCxn id="28" idx="3"/>
+            <a:stCxn id="4" idx="2"/>
+            <a:endCxn id="28" idx="0"/>
           </p:cNvCxnSpPr>
           <p:nvPr/>
         </p:nvCxnSpPr>
         <p:spPr>
-          <a:xfrm flipH="1" flipV="1">
-            <a:off x="3881574" y="1461279"/>
-            <a:ext cx="1482514" cy="139707"/>
+          <a:xfrm flipH="1">
+            <a:off x="3723154" y="1609889"/>
+            <a:ext cx="1109072" cy="1242667"/>
           </a:xfrm>
           <a:prstGeom prst="straightConnector1">
             <a:avLst/>
@@ -3940,15 +3967,15 @@
           </p:cNvPr>
           <p:cNvCxnSpPr>
             <a:cxnSpLocks/>
-            <a:stCxn id="28" idx="2"/>
-            <a:endCxn id="21" idx="0"/>
+            <a:stCxn id="28" idx="3"/>
+            <a:endCxn id="21" idx="1"/>
           </p:cNvCxnSpPr>
           <p:nvPr/>
         </p:nvCxnSpPr>
         <p:spPr>
           <a:xfrm>
-            <a:off x="3197498" y="1772437"/>
-            <a:ext cx="3691215" cy="1177884"/>
+            <a:off x="4407230" y="3163714"/>
+            <a:ext cx="856414" cy="0"/>
           </a:xfrm>
           <a:prstGeom prst="straightConnector1">
             <a:avLst/>
@@ -3994,8 +4021,8 @@
         </p:nvCxnSpPr>
         <p:spPr>
           <a:xfrm flipH="1" flipV="1">
-            <a:off x="6048164" y="1912143"/>
-            <a:ext cx="840549" cy="1038178"/>
+            <a:off x="4832226" y="1609889"/>
+            <a:ext cx="1115494" cy="1242667"/>
           </a:xfrm>
           <a:prstGeom prst="straightConnector1">
             <a:avLst/>
@@ -4025,200 +4052,26 @@
       </p:cxnSp>
       <p:sp>
         <p:nvSpPr>
-          <p:cNvPr id="54" name="TextBox 53">
-            <a:extLst>
-              <a:ext uri="{FF2B5EF4-FFF2-40B4-BE49-F238E27FC236}">
-                <a16:creationId xmlns:a16="http://schemas.microsoft.com/office/drawing/2014/main" id="{B83FB188-BED9-4F86-8DB3-C1A258FD1710}"/>
-              </a:ext>
-            </a:extLst>
-          </p:cNvPr>
-          <p:cNvSpPr txBox="1"/>
-          <p:nvPr/>
-        </p:nvSpPr>
-        <p:spPr>
-          <a:xfrm>
-            <a:off x="3185232" y="2631058"/>
-            <a:ext cx="1464888" cy="461665"/>
-          </a:xfrm>
-          <a:prstGeom prst="rect">
-            <a:avLst/>
-          </a:prstGeom>
-          <a:noFill/>
-        </p:spPr>
-        <p:txBody>
-          <a:bodyPr wrap="none" rtlCol="0">
-            <a:spAutoFit/>
-          </a:bodyPr>
-          <a:lstStyle/>
-          <a:p>
-            <a:pPr algn="ctr"/>
-            <a:r>
-              <a:rPr lang="en-US" altLang="ko-KR" sz="1200"/>
-              <a:t>Send CR </a:t>
-            </a:r>
-          </a:p>
-          <a:p>
-            <a:pPr algn="ctr"/>
-            <a:r>
-              <a:rPr lang="en-US" altLang="ko-KR" sz="1200"/>
-              <a:t>Name/Namespace</a:t>
-            </a:r>
-            <a:endParaRPr lang="ko-KR" altLang="en-US" sz="1200"/>
-          </a:p>
-        </p:txBody>
-      </p:sp>
-      <p:sp>
-        <p:nvSpPr>
-          <p:cNvPr id="57" name="TextBox 56">
-            <a:extLst>
-              <a:ext uri="{FF2B5EF4-FFF2-40B4-BE49-F238E27FC236}">
-                <a16:creationId xmlns:a16="http://schemas.microsoft.com/office/drawing/2014/main" id="{2087AD6B-8771-41A9-9952-B3AA7628C1EC}"/>
-              </a:ext>
-            </a:extLst>
-          </p:cNvPr>
-          <p:cNvSpPr txBox="1"/>
-          <p:nvPr/>
-        </p:nvSpPr>
-        <p:spPr>
-          <a:xfrm>
-            <a:off x="3170580" y="3416796"/>
-            <a:ext cx="1464888" cy="461665"/>
-          </a:xfrm>
-          <a:prstGeom prst="rect">
-            <a:avLst/>
-          </a:prstGeom>
-          <a:noFill/>
-        </p:spPr>
-        <p:txBody>
-          <a:bodyPr wrap="none" rtlCol="0">
-            <a:spAutoFit/>
-          </a:bodyPr>
-          <a:lstStyle/>
-          <a:p>
-            <a:pPr algn="ctr"/>
-            <a:r>
-              <a:rPr lang="en-US" altLang="ko-KR" sz="1200"/>
-              <a:t>Requeue CR </a:t>
-            </a:r>
-          </a:p>
-          <a:p>
-            <a:pPr algn="ctr"/>
-            <a:r>
-              <a:rPr lang="en-US" altLang="ko-KR" sz="1200"/>
-              <a:t>Name/Namespace</a:t>
-            </a:r>
-            <a:endParaRPr lang="ko-KR" altLang="en-US" sz="1200"/>
-          </a:p>
-        </p:txBody>
-      </p:sp>
-      <p:cxnSp>
-        <p:nvCxnSpPr>
-          <p:cNvPr id="5" name="직선 연결선 4">
-            <a:extLst>
-              <a:ext uri="{FF2B5EF4-FFF2-40B4-BE49-F238E27FC236}">
-                <a16:creationId xmlns:a16="http://schemas.microsoft.com/office/drawing/2014/main" id="{79057BA3-7878-4874-9872-862604216170}"/>
-              </a:ext>
-            </a:extLst>
-          </p:cNvPr>
-          <p:cNvCxnSpPr>
-            <a:cxnSpLocks/>
-          </p:cNvCxnSpPr>
-          <p:nvPr/>
-        </p:nvCxnSpPr>
-        <p:spPr>
-          <a:xfrm>
-            <a:off x="327835" y="2571750"/>
-            <a:ext cx="8132597" cy="0"/>
-          </a:xfrm>
-          <a:prstGeom prst="line">
-            <a:avLst/>
-          </a:prstGeom>
-          <a:ln w="28575">
-            <a:solidFill>
-              <a:schemeClr val="tx1"/>
-            </a:solidFill>
-            <a:prstDash val="dash"/>
-          </a:ln>
-        </p:spPr>
-        <p:style>
-          <a:lnRef idx="1">
-            <a:schemeClr val="accent1"/>
-          </a:lnRef>
-          <a:fillRef idx="0">
-            <a:schemeClr val="accent1"/>
-          </a:fillRef>
-          <a:effectRef idx="0">
-            <a:schemeClr val="accent1"/>
-          </a:effectRef>
-          <a:fontRef idx="minor">
-            <a:schemeClr val="tx1"/>
-          </a:fontRef>
-        </p:style>
-      </p:cxnSp>
-      <p:sp>
-        <p:nvSpPr>
-          <p:cNvPr id="25" name="TextBox 24">
-            <a:extLst>
-              <a:ext uri="{FF2B5EF4-FFF2-40B4-BE49-F238E27FC236}">
-                <a16:creationId xmlns:a16="http://schemas.microsoft.com/office/drawing/2014/main" id="{86EBF743-A613-40CD-A4ED-EFBBDAE527CA}"/>
-              </a:ext>
-            </a:extLst>
-          </p:cNvPr>
-          <p:cNvSpPr txBox="1"/>
-          <p:nvPr/>
-        </p:nvSpPr>
-        <p:spPr>
-          <a:xfrm>
-            <a:off x="702305" y="2643758"/>
-            <a:ext cx="917367" cy="523220"/>
-          </a:xfrm>
-          <a:prstGeom prst="rect">
-            <a:avLst/>
-          </a:prstGeom>
-          <a:noFill/>
-        </p:spPr>
-        <p:txBody>
-          <a:bodyPr wrap="none" rtlCol="0" anchor="ctr">
-            <a:spAutoFit/>
-          </a:bodyPr>
-          <a:lstStyle/>
-          <a:p>
-            <a:pPr algn="ctr"/>
-            <a:r>
-              <a:rPr lang="en-US" altLang="ko-KR" sz="1400"/>
-              <a:t>Golang</a:t>
-            </a:r>
-          </a:p>
-          <a:p>
-            <a:pPr algn="ctr"/>
-            <a:r>
-              <a:rPr lang="en-US" altLang="ko-KR" sz="1400"/>
-              <a:t>Operator</a:t>
-            </a:r>
-          </a:p>
-        </p:txBody>
-      </p:sp>
-      <p:cxnSp>
-        <p:nvCxnSpPr>
-          <p:cNvPr id="43" name="직선 화살표 연결선 42">
-            <a:extLst>
-              <a:ext uri="{FF2B5EF4-FFF2-40B4-BE49-F238E27FC236}">
-                <a16:creationId xmlns:a16="http://schemas.microsoft.com/office/drawing/2014/main" id="{C91A1A8C-888B-4048-AD8F-18B731C301A1}"/>
-              </a:ext>
-            </a:extLst>
-          </p:cNvPr>
-          <p:cNvCxnSpPr>
-            <a:cxnSpLocks/>
-          </p:cNvCxnSpPr>
-          <p:nvPr/>
-        </p:nvCxnSpPr>
-        <p:spPr>
-          <a:xfrm flipH="1">
-            <a:off x="3081804" y="3101563"/>
-            <a:ext cx="1644032" cy="0"/>
-          </a:xfrm>
-          <a:prstGeom prst="straightConnector1">
-            <a:avLst/>
+          <p:cNvPr id="47" name="원호 46">
+            <a:extLst>
+              <a:ext uri="{FF2B5EF4-FFF2-40B4-BE49-F238E27FC236}">
+                <a16:creationId xmlns:a16="http://schemas.microsoft.com/office/drawing/2014/main" id="{0034C7D1-EF2C-4CBD-A08C-E36A1D8C808C}"/>
+              </a:ext>
+            </a:extLst>
+          </p:cNvPr>
+          <p:cNvSpPr/>
+          <p:nvPr/>
+        </p:nvSpPr>
+        <p:spPr>
+          <a:xfrm flipV="1">
+            <a:off x="2586276" y="2863914"/>
+            <a:ext cx="4289980" cy="1239054"/>
+          </a:xfrm>
+          <a:prstGeom prst="arc">
+            <a:avLst>
+              <a:gd name="adj1" fmla="val 10787348"/>
+              <a:gd name="adj2" fmla="val 27559"/>
+            </a:avLst>
           </a:prstGeom>
           <a:ln w="28575">
             <a:solidFill>
@@ -4242,28 +4095,37 @@
             <a:schemeClr val="tx1"/>
           </a:fontRef>
         </p:style>
-      </p:cxnSp>
-      <p:cxnSp>
-        <p:nvCxnSpPr>
-          <p:cNvPr id="45" name="직선 화살표 연결선 44">
-            <a:extLst>
-              <a:ext uri="{FF2B5EF4-FFF2-40B4-BE49-F238E27FC236}">
-                <a16:creationId xmlns:a16="http://schemas.microsoft.com/office/drawing/2014/main" id="{81ECE741-BEE6-4049-BF20-41207C1D4BAB}"/>
-              </a:ext>
-            </a:extLst>
-          </p:cNvPr>
-          <p:cNvCxnSpPr>
-            <a:cxnSpLocks/>
-          </p:cNvCxnSpPr>
-          <p:nvPr/>
-        </p:nvCxnSpPr>
-        <p:spPr>
-          <a:xfrm flipH="1">
-            <a:off x="3081804" y="3401186"/>
-            <a:ext cx="1644032" cy="0"/>
-          </a:xfrm>
-          <a:prstGeom prst="straightConnector1">
-            <a:avLst/>
+        <p:txBody>
+          <a:bodyPr rtlCol="0" anchor="ctr"/>
+          <a:lstStyle/>
+          <a:p>
+            <a:pPr algn="ctr"/>
+            <a:endParaRPr lang="ko-KR" altLang="en-US"/>
+          </a:p>
+        </p:txBody>
+      </p:sp>
+      <p:sp>
+        <p:nvSpPr>
+          <p:cNvPr id="48" name="원호 47">
+            <a:extLst>
+              <a:ext uri="{FF2B5EF4-FFF2-40B4-BE49-F238E27FC236}">
+                <a16:creationId xmlns:a16="http://schemas.microsoft.com/office/drawing/2014/main" id="{F159D891-E03C-4A4E-A5FD-628D136561B6}"/>
+              </a:ext>
+            </a:extLst>
+          </p:cNvPr>
+          <p:cNvSpPr/>
+          <p:nvPr/>
+        </p:nvSpPr>
+        <p:spPr>
+          <a:xfrm flipV="1">
+            <a:off x="1475656" y="2456419"/>
+            <a:ext cx="6480720" cy="1987527"/>
+          </a:xfrm>
+          <a:prstGeom prst="arc">
+            <a:avLst>
+              <a:gd name="adj1" fmla="val 10797061"/>
+              <a:gd name="adj2" fmla="val 6830"/>
+            </a:avLst>
           </a:prstGeom>
           <a:ln w="28575">
             <a:solidFill>
@@ -4287,37 +4149,260 @@
             <a:schemeClr val="tx1"/>
           </a:fontRef>
         </p:style>
-      </p:cxnSp>
+        <p:txBody>
+          <a:bodyPr rtlCol="0" anchor="ctr"/>
+          <a:lstStyle/>
+          <a:p>
+            <a:pPr algn="ctr"/>
+            <a:endParaRPr lang="ko-KR" altLang="en-US"/>
+          </a:p>
+        </p:txBody>
+      </p:sp>
+      <p:sp>
+        <p:nvSpPr>
+          <p:cNvPr id="51" name="TextBox 50">
+            <a:extLst>
+              <a:ext uri="{FF2B5EF4-FFF2-40B4-BE49-F238E27FC236}">
+                <a16:creationId xmlns:a16="http://schemas.microsoft.com/office/drawing/2014/main" id="{3DB123B9-D0C8-4BE2-98C1-96E2D53E63B7}"/>
+              </a:ext>
+            </a:extLst>
+          </p:cNvPr>
+          <p:cNvSpPr txBox="1"/>
+          <p:nvPr/>
+        </p:nvSpPr>
+        <p:spPr>
+          <a:xfrm>
+            <a:off x="4283968" y="2151222"/>
+            <a:ext cx="555280" cy="307777"/>
+          </a:xfrm>
+          <a:prstGeom prst="rect">
+            <a:avLst/>
+          </a:prstGeom>
+          <a:noFill/>
+        </p:spPr>
+        <p:txBody>
+          <a:bodyPr wrap="none" rtlCol="0">
+            <a:spAutoFit/>
+          </a:bodyPr>
+          <a:lstStyle/>
+          <a:p>
+            <a:r>
+              <a:rPr lang="en-US" altLang="ko-KR" sz="1400"/>
+              <a:t>Sync</a:t>
+            </a:r>
+            <a:endParaRPr lang="ko-KR" altLang="en-US" sz="1400"/>
+          </a:p>
+        </p:txBody>
+      </p:sp>
+      <p:sp>
+        <p:nvSpPr>
+          <p:cNvPr id="52" name="TextBox 51">
+            <a:extLst>
+              <a:ext uri="{FF2B5EF4-FFF2-40B4-BE49-F238E27FC236}">
+                <a16:creationId xmlns:a16="http://schemas.microsoft.com/office/drawing/2014/main" id="{E4C2FABD-15BD-44C1-8FA1-6D70BE8D1034}"/>
+              </a:ext>
+            </a:extLst>
+          </p:cNvPr>
+          <p:cNvSpPr txBox="1"/>
+          <p:nvPr/>
+        </p:nvSpPr>
+        <p:spPr>
+          <a:xfrm>
+            <a:off x="4555091" y="2868561"/>
+            <a:ext cx="584775" cy="307777"/>
+          </a:xfrm>
+          <a:prstGeom prst="rect">
+            <a:avLst/>
+          </a:prstGeom>
+          <a:noFill/>
+        </p:spPr>
+        <p:txBody>
+          <a:bodyPr wrap="none" rtlCol="0">
+            <a:spAutoFit/>
+          </a:bodyPr>
+          <a:lstStyle/>
+          <a:p>
+            <a:r>
+              <a:rPr lang="en-US" altLang="ko-KR" sz="1400"/>
+              <a:t>Read</a:t>
+            </a:r>
+            <a:endParaRPr lang="ko-KR" altLang="en-US" sz="1400"/>
+          </a:p>
+        </p:txBody>
+      </p:sp>
+      <p:sp>
+        <p:nvSpPr>
+          <p:cNvPr id="53" name="TextBox 52">
+            <a:extLst>
+              <a:ext uri="{FF2B5EF4-FFF2-40B4-BE49-F238E27FC236}">
+                <a16:creationId xmlns:a16="http://schemas.microsoft.com/office/drawing/2014/main" id="{ACE18D3D-EF44-47E7-BBDE-D95699AB0CAD}"/>
+              </a:ext>
+            </a:extLst>
+          </p:cNvPr>
+          <p:cNvSpPr txBox="1"/>
+          <p:nvPr/>
+        </p:nvSpPr>
+        <p:spPr>
+          <a:xfrm>
+            <a:off x="4883480" y="2165980"/>
+            <a:ext cx="622414" cy="307777"/>
+          </a:xfrm>
+          <a:prstGeom prst="rect">
+            <a:avLst/>
+          </a:prstGeom>
+          <a:noFill/>
+        </p:spPr>
+        <p:txBody>
+          <a:bodyPr wrap="none" rtlCol="0">
+            <a:spAutoFit/>
+          </a:bodyPr>
+          <a:lstStyle/>
+          <a:p>
+            <a:r>
+              <a:rPr lang="en-US" altLang="ko-KR" sz="1400"/>
+              <a:t>Write</a:t>
+            </a:r>
+            <a:endParaRPr lang="ko-KR" altLang="en-US" sz="1400"/>
+          </a:p>
+        </p:txBody>
+      </p:sp>
+      <p:sp>
+        <p:nvSpPr>
+          <p:cNvPr id="54" name="TextBox 53">
+            <a:extLst>
+              <a:ext uri="{FF2B5EF4-FFF2-40B4-BE49-F238E27FC236}">
+                <a16:creationId xmlns:a16="http://schemas.microsoft.com/office/drawing/2014/main" id="{B83FB188-BED9-4F86-8DB3-C1A258FD1710}"/>
+              </a:ext>
+            </a:extLst>
+          </p:cNvPr>
+          <p:cNvSpPr txBox="1"/>
+          <p:nvPr/>
+        </p:nvSpPr>
+        <p:spPr>
+          <a:xfrm>
+            <a:off x="3613462" y="4443958"/>
+            <a:ext cx="2437527" cy="307777"/>
+          </a:xfrm>
+          <a:prstGeom prst="rect">
+            <a:avLst/>
+          </a:prstGeom>
+          <a:noFill/>
+        </p:spPr>
+        <p:txBody>
+          <a:bodyPr wrap="none" rtlCol="0">
+            <a:spAutoFit/>
+          </a:bodyPr>
+          <a:lstStyle/>
+          <a:p>
+            <a:pPr algn="ctr"/>
+            <a:r>
+              <a:rPr lang="en-US" altLang="ko-KR" sz="1400"/>
+              <a:t>Send CR Name/Namespace</a:t>
+            </a:r>
+            <a:endParaRPr lang="ko-KR" altLang="en-US" sz="1400"/>
+          </a:p>
+        </p:txBody>
+      </p:sp>
+      <p:sp>
+        <p:nvSpPr>
+          <p:cNvPr id="55" name="TextBox 54">
+            <a:extLst>
+              <a:ext uri="{FF2B5EF4-FFF2-40B4-BE49-F238E27FC236}">
+                <a16:creationId xmlns:a16="http://schemas.microsoft.com/office/drawing/2014/main" id="{D07D57EB-3F9B-44E6-A50A-3932AEB297C2}"/>
+              </a:ext>
+            </a:extLst>
+          </p:cNvPr>
+          <p:cNvSpPr txBox="1"/>
+          <p:nvPr/>
+        </p:nvSpPr>
+        <p:spPr>
+          <a:xfrm>
+            <a:off x="2699792" y="1887383"/>
+            <a:ext cx="969341" cy="307777"/>
+          </a:xfrm>
+          <a:prstGeom prst="rect">
+            <a:avLst/>
+          </a:prstGeom>
+          <a:noFill/>
+        </p:spPr>
+        <p:txBody>
+          <a:bodyPr wrap="square" rtlCol="0" anchor="ctr">
+            <a:spAutoFit/>
+          </a:bodyPr>
+          <a:lstStyle/>
+          <a:p>
+            <a:pPr algn="ctr"/>
+            <a:r>
+              <a:rPr lang="en-US" altLang="ko-KR" sz="1400"/>
+              <a:t>Watch CR</a:t>
+            </a:r>
+          </a:p>
+        </p:txBody>
+      </p:sp>
+      <p:sp>
+        <p:nvSpPr>
+          <p:cNvPr id="57" name="TextBox 56">
+            <a:extLst>
+              <a:ext uri="{FF2B5EF4-FFF2-40B4-BE49-F238E27FC236}">
+                <a16:creationId xmlns:a16="http://schemas.microsoft.com/office/drawing/2014/main" id="{2087AD6B-8771-41A9-9952-B3AA7628C1EC}"/>
+              </a:ext>
+            </a:extLst>
+          </p:cNvPr>
+          <p:cNvSpPr txBox="1"/>
+          <p:nvPr/>
+        </p:nvSpPr>
+        <p:spPr>
+          <a:xfrm>
+            <a:off x="3446269" y="4064173"/>
+            <a:ext cx="2771914" cy="307777"/>
+          </a:xfrm>
+          <a:prstGeom prst="rect">
+            <a:avLst/>
+          </a:prstGeom>
+          <a:noFill/>
+        </p:spPr>
+        <p:txBody>
+          <a:bodyPr wrap="none" rtlCol="0">
+            <a:spAutoFit/>
+          </a:bodyPr>
+          <a:lstStyle/>
+          <a:p>
+            <a:pPr algn="ctr"/>
+            <a:r>
+              <a:rPr lang="en-US" altLang="ko-KR" sz="1400"/>
+              <a:t>Requeue CR Name/Namespace</a:t>
+            </a:r>
+            <a:endParaRPr lang="ko-KR" altLang="en-US" sz="1400"/>
+          </a:p>
+        </p:txBody>
+      </p:sp>
       <p:cxnSp>
         <p:nvCxnSpPr>
-          <p:cNvPr id="56" name="직선 화살표 연결선 55">
-            <a:extLst>
-              <a:ext uri="{FF2B5EF4-FFF2-40B4-BE49-F238E27FC236}">
-                <a16:creationId xmlns:a16="http://schemas.microsoft.com/office/drawing/2014/main" id="{A5693673-5567-415E-99D4-BEE3DA975698}"/>
+          <p:cNvPr id="5" name="직선 연결선 4">
+            <a:extLst>
+              <a:ext uri="{FF2B5EF4-FFF2-40B4-BE49-F238E27FC236}">
+                <a16:creationId xmlns:a16="http://schemas.microsoft.com/office/drawing/2014/main" id="{79057BA3-7878-4874-9872-862604216170}"/>
               </a:ext>
             </a:extLst>
           </p:cNvPr>
           <p:cNvCxnSpPr>
             <a:cxnSpLocks/>
-            <a:stCxn id="26" idx="0"/>
-            <a:endCxn id="29" idx="2"/>
           </p:cNvCxnSpPr>
           <p:nvPr/>
         </p:nvCxnSpPr>
         <p:spPr>
-          <a:xfrm flipV="1">
-            <a:off x="2404651" y="2139702"/>
-            <a:ext cx="792088" cy="722768"/>
-          </a:xfrm>
-          <a:prstGeom prst="straightConnector1">
+          <a:xfrm>
+            <a:off x="327835" y="2571750"/>
+            <a:ext cx="8132597" cy="0"/>
+          </a:xfrm>
+          <a:prstGeom prst="line">
             <a:avLst/>
           </a:prstGeom>
           <a:ln w="28575">
             <a:solidFill>
               <a:schemeClr val="tx1"/>
             </a:solidFill>
-            <a:headEnd type="none" w="med" len="med"/>
-            <a:tailEnd type="arrow" w="med" len="med"/>
+            <a:prstDash val="dash"/>
           </a:ln>
         </p:spPr>
         <p:style>
@@ -4337,10 +4422,10 @@
       </p:cxnSp>
       <p:sp>
         <p:nvSpPr>
-          <p:cNvPr id="59" name="TextBox 58">
-            <a:extLst>
-              <a:ext uri="{FF2B5EF4-FFF2-40B4-BE49-F238E27FC236}">
-                <a16:creationId xmlns:a16="http://schemas.microsoft.com/office/drawing/2014/main" id="{177D8963-3ED7-4F81-A792-7125D6E9239A}"/>
+          <p:cNvPr id="25" name="TextBox 24">
+            <a:extLst>
+              <a:ext uri="{FF2B5EF4-FFF2-40B4-BE49-F238E27FC236}">
+                <a16:creationId xmlns:a16="http://schemas.microsoft.com/office/drawing/2014/main" id="{86EBF743-A613-40CD-A4ED-EFBBDAE527CA}"/>
               </a:ext>
             </a:extLst>
           </p:cNvPr>
@@ -4349,8 +4434,8 @@
         </p:nvSpPr>
         <p:spPr>
           <a:xfrm>
-            <a:off x="4427984" y="1254931"/>
-            <a:ext cx="501419" cy="276999"/>
+            <a:off x="290710" y="2643758"/>
+            <a:ext cx="991618" cy="523220"/>
           </a:xfrm>
           <a:prstGeom prst="rect">
             <a:avLst/>
@@ -4358,167 +4443,30 @@
           <a:noFill/>
         </p:spPr>
         <p:txBody>
-          <a:bodyPr wrap="none" rtlCol="0">
+          <a:bodyPr wrap="none" rtlCol="0" anchor="ctr">
             <a:spAutoFit/>
           </a:bodyPr>
           <a:lstStyle/>
           <a:p>
-            <a:r>
-              <a:rPr lang="en-US" altLang="ko-KR" sz="1200"/>
-              <a:t>Sync</a:t>
-            </a:r>
-            <a:endParaRPr lang="ko-KR" altLang="en-US" sz="1200"/>
-          </a:p>
-        </p:txBody>
-      </p:sp>
-      <p:sp>
-        <p:nvSpPr>
-          <p:cNvPr id="60" name="TextBox 59">
-            <a:extLst>
-              <a:ext uri="{FF2B5EF4-FFF2-40B4-BE49-F238E27FC236}">
-                <a16:creationId xmlns:a16="http://schemas.microsoft.com/office/drawing/2014/main" id="{68C3E641-9056-4F35-AEE1-AE42546353EC}"/>
-              </a:ext>
-            </a:extLst>
-          </p:cNvPr>
-          <p:cNvSpPr txBox="1"/>
-          <p:nvPr/>
-        </p:nvSpPr>
-        <p:spPr>
-          <a:xfrm>
-            <a:off x="2172856" y="2255843"/>
-            <a:ext cx="742960" cy="276999"/>
-          </a:xfrm>
-          <a:prstGeom prst="rect">
-            <a:avLst/>
-          </a:prstGeom>
-          <a:noFill/>
-        </p:spPr>
-        <p:txBody>
-          <a:bodyPr wrap="none" rtlCol="0">
-            <a:spAutoFit/>
-          </a:bodyPr>
-          <a:lstStyle/>
-          <a:p>
-            <a:r>
-              <a:rPr lang="en-US" altLang="ko-KR" sz="1200"/>
-              <a:t>Register</a:t>
-            </a:r>
-            <a:endParaRPr lang="ko-KR" altLang="en-US" sz="1200"/>
-          </a:p>
-        </p:txBody>
-      </p:sp>
-      <p:sp>
-        <p:nvSpPr>
-          <p:cNvPr id="61" name="TextBox 60">
-            <a:extLst>
-              <a:ext uri="{FF2B5EF4-FFF2-40B4-BE49-F238E27FC236}">
-                <a16:creationId xmlns:a16="http://schemas.microsoft.com/office/drawing/2014/main" id="{CDD0CA14-C561-4491-97B4-355D550EE7AB}"/>
-              </a:ext>
-            </a:extLst>
-          </p:cNvPr>
-          <p:cNvSpPr txBox="1"/>
-          <p:nvPr/>
-        </p:nvSpPr>
-        <p:spPr>
-          <a:xfrm>
-            <a:off x="3970552" y="1790623"/>
-            <a:ext cx="529440" cy="276999"/>
-          </a:xfrm>
-          <a:prstGeom prst="rect">
-            <a:avLst/>
-          </a:prstGeom>
-          <a:noFill/>
-        </p:spPr>
-        <p:txBody>
-          <a:bodyPr wrap="none" rtlCol="0">
-            <a:spAutoFit/>
-          </a:bodyPr>
-          <a:lstStyle/>
-          <a:p>
-            <a:r>
-              <a:rPr lang="en-US" altLang="ko-KR" sz="1200"/>
-              <a:t>Read</a:t>
-            </a:r>
-            <a:endParaRPr lang="ko-KR" altLang="en-US" sz="1200"/>
-          </a:p>
-        </p:txBody>
-      </p:sp>
-      <p:sp>
-        <p:nvSpPr>
-          <p:cNvPr id="62" name="TextBox 61">
-            <a:extLst>
-              <a:ext uri="{FF2B5EF4-FFF2-40B4-BE49-F238E27FC236}">
-                <a16:creationId xmlns:a16="http://schemas.microsoft.com/office/drawing/2014/main" id="{CCF50FF6-2288-4B7E-B12A-45F0BA97809C}"/>
-              </a:ext>
-            </a:extLst>
-          </p:cNvPr>
-          <p:cNvSpPr txBox="1"/>
-          <p:nvPr/>
-        </p:nvSpPr>
-        <p:spPr>
-          <a:xfrm>
-            <a:off x="6393022" y="2191946"/>
-            <a:ext cx="558486" cy="276999"/>
-          </a:xfrm>
-          <a:prstGeom prst="rect">
-            <a:avLst/>
-          </a:prstGeom>
-          <a:noFill/>
-        </p:spPr>
-        <p:txBody>
-          <a:bodyPr wrap="none" rtlCol="0">
-            <a:spAutoFit/>
-          </a:bodyPr>
-          <a:lstStyle/>
-          <a:p>
-            <a:r>
-              <a:rPr lang="en-US" altLang="ko-KR" sz="1200"/>
-              <a:t>Write</a:t>
-            </a:r>
-            <a:endParaRPr lang="ko-KR" altLang="en-US" sz="1200"/>
-          </a:p>
-        </p:txBody>
-      </p:sp>
-      <p:sp>
-        <p:nvSpPr>
-          <p:cNvPr id="63" name="TextBox 62">
-            <a:extLst>
-              <a:ext uri="{FF2B5EF4-FFF2-40B4-BE49-F238E27FC236}">
-                <a16:creationId xmlns:a16="http://schemas.microsoft.com/office/drawing/2014/main" id="{C1696F7D-C396-4767-819A-A0D88E0C01A3}"/>
-              </a:ext>
-            </a:extLst>
-          </p:cNvPr>
-          <p:cNvSpPr txBox="1"/>
-          <p:nvPr/>
-        </p:nvSpPr>
-        <p:spPr>
-          <a:xfrm>
-            <a:off x="3346338" y="2211710"/>
-            <a:ext cx="865622" cy="276999"/>
-          </a:xfrm>
-          <a:prstGeom prst="rect">
-            <a:avLst/>
-          </a:prstGeom>
-          <a:noFill/>
-        </p:spPr>
-        <p:txBody>
-          <a:bodyPr wrap="none" rtlCol="0">
-            <a:spAutoFit/>
-          </a:bodyPr>
-          <a:lstStyle/>
-          <a:p>
-            <a:r>
-              <a:rPr lang="en-US" altLang="ko-KR" sz="1200"/>
-              <a:t>Watch CR</a:t>
-            </a:r>
-            <a:endParaRPr lang="ko-KR" altLang="en-US" sz="1200"/>
+            <a:pPr algn="ctr"/>
+            <a:r>
+              <a:rPr lang="en-US" altLang="ko-KR" sz="1400"/>
+              <a:t>K8s</a:t>
+            </a:r>
+          </a:p>
+          <a:p>
+            <a:pPr algn="ctr"/>
+            <a:r>
+              <a:rPr lang="en-US" altLang="ko-KR" sz="1400"/>
+              <a:t>Controller</a:t>
+            </a:r>
           </a:p>
         </p:txBody>
       </p:sp>
     </p:spTree>
     <p:extLst>
       <p:ext uri="{BB962C8B-B14F-4D97-AF65-F5344CB8AC3E}">
-        <p14:creationId xmlns:p14="http://schemas.microsoft.com/office/powerpoint/2010/main" val="3828610783"/>
+        <p14:creationId xmlns:p14="http://schemas.microsoft.com/office/powerpoint/2010/main" val="1521896078"/>
       </p:ext>
     </p:extLst>
   </p:cSld>
@@ -4589,6 +4537,1161 @@
         </p:nvSpPr>
         <p:spPr>
           <a:xfrm>
+            <a:off x="2411760" y="1062270"/>
+            <a:ext cx="1569958" cy="1077432"/>
+          </a:xfrm>
+          <a:prstGeom prst="roundRect">
+            <a:avLst>
+              <a:gd name="adj" fmla="val 7564"/>
+            </a:avLst>
+          </a:prstGeom>
+        </p:spPr>
+        <p:style>
+          <a:lnRef idx="2">
+            <a:schemeClr val="dk1"/>
+          </a:lnRef>
+          <a:fillRef idx="1">
+            <a:schemeClr val="lt1"/>
+          </a:fillRef>
+          <a:effectRef idx="0">
+            <a:schemeClr val="dk1"/>
+          </a:effectRef>
+          <a:fontRef idx="minor">
+            <a:schemeClr val="dk1"/>
+          </a:fontRef>
+        </p:style>
+        <p:txBody>
+          <a:bodyPr rtlCol="0" anchor="b"/>
+          <a:lstStyle/>
+          <a:p>
+            <a:pPr algn="ctr"/>
+            <a:r>
+              <a:rPr lang="en-US" altLang="ko-KR" sz="1400" b="1"/>
+              <a:t>Manager Pkg</a:t>
+            </a:r>
+            <a:endParaRPr lang="ko-KR" altLang="en-US" sz="1400" b="1"/>
+          </a:p>
+        </p:txBody>
+      </p:sp>
+      <p:sp>
+        <p:nvSpPr>
+          <p:cNvPr id="2" name="제목 1">
+            <a:extLst>
+              <a:ext uri="{FF2B5EF4-FFF2-40B4-BE49-F238E27FC236}">
+                <a16:creationId xmlns:a16="http://schemas.microsoft.com/office/drawing/2014/main" id="{863C5E05-8BC5-4B38-914D-CA849AA890EB}"/>
+              </a:ext>
+            </a:extLst>
+          </p:cNvPr>
+          <p:cNvSpPr>
+            <a:spLocks noGrp="1"/>
+          </p:cNvSpPr>
+          <p:nvPr>
+            <p:ph type="title"/>
+          </p:nvPr>
+        </p:nvSpPr>
+        <p:spPr>
+          <a:xfrm>
+            <a:off x="457200" y="-20538"/>
+            <a:ext cx="8229600" cy="857250"/>
+          </a:xfrm>
+        </p:spPr>
+        <p:txBody>
+          <a:bodyPr/>
+          <a:lstStyle/>
+          <a:p>
+            <a:r>
+              <a:rPr lang="en-US" altLang="ko-KR"/>
+              <a:t>Controller, Reconciler</a:t>
+            </a:r>
+            <a:endParaRPr lang="ko-KR" altLang="en-US"/>
+          </a:p>
+        </p:txBody>
+      </p:sp>
+      <p:sp>
+        <p:nvSpPr>
+          <p:cNvPr id="4" name="사각형: 둥근 모서리 3">
+            <a:extLst>
+              <a:ext uri="{FF2B5EF4-FFF2-40B4-BE49-F238E27FC236}">
+                <a16:creationId xmlns:a16="http://schemas.microsoft.com/office/drawing/2014/main" id="{386F61B5-5413-4E5F-8581-D2F17DAE5541}"/>
+              </a:ext>
+            </a:extLst>
+          </p:cNvPr>
+          <p:cNvSpPr/>
+          <p:nvPr/>
+        </p:nvSpPr>
+        <p:spPr>
+          <a:xfrm>
+            <a:off x="5364088" y="1289828"/>
+            <a:ext cx="1368152" cy="622315"/>
+          </a:xfrm>
+          <a:prstGeom prst="roundRect">
+            <a:avLst/>
+          </a:prstGeom>
+        </p:spPr>
+        <p:style>
+          <a:lnRef idx="2">
+            <a:schemeClr val="dk1"/>
+          </a:lnRef>
+          <a:fillRef idx="1">
+            <a:schemeClr val="lt1"/>
+          </a:fillRef>
+          <a:effectRef idx="0">
+            <a:schemeClr val="dk1"/>
+          </a:effectRef>
+          <a:fontRef idx="minor">
+            <a:schemeClr val="dk1"/>
+          </a:fontRef>
+        </p:style>
+        <p:txBody>
+          <a:bodyPr rtlCol="0" anchor="ctr"/>
+          <a:lstStyle/>
+          <a:p>
+            <a:pPr algn="ctr"/>
+            <a:r>
+              <a:rPr lang="en-US" altLang="ko-KR" sz="1400"/>
+              <a:t>K8s</a:t>
+            </a:r>
+          </a:p>
+          <a:p>
+            <a:pPr algn="ctr"/>
+            <a:r>
+              <a:rPr lang="en-US" altLang="ko-KR" sz="1400"/>
+              <a:t>API Server</a:t>
+            </a:r>
+            <a:endParaRPr lang="ko-KR" altLang="en-US" sz="1400"/>
+          </a:p>
+        </p:txBody>
+      </p:sp>
+      <p:sp>
+        <p:nvSpPr>
+          <p:cNvPr id="16" name="사각형: 둥근 모서리 15">
+            <a:extLst>
+              <a:ext uri="{FF2B5EF4-FFF2-40B4-BE49-F238E27FC236}">
+                <a16:creationId xmlns:a16="http://schemas.microsoft.com/office/drawing/2014/main" id="{A1B813EE-80F6-42C1-916E-4AB46A459F34}"/>
+              </a:ext>
+            </a:extLst>
+          </p:cNvPr>
+          <p:cNvSpPr/>
+          <p:nvPr/>
+        </p:nvSpPr>
+        <p:spPr>
+          <a:xfrm>
+            <a:off x="4628758" y="2862470"/>
+            <a:ext cx="3039586" cy="1077432"/>
+          </a:xfrm>
+          <a:prstGeom prst="roundRect">
+            <a:avLst>
+              <a:gd name="adj" fmla="val 7564"/>
+            </a:avLst>
+          </a:prstGeom>
+        </p:spPr>
+        <p:style>
+          <a:lnRef idx="2">
+            <a:schemeClr val="dk1"/>
+          </a:lnRef>
+          <a:fillRef idx="1">
+            <a:schemeClr val="lt1"/>
+          </a:fillRef>
+          <a:effectRef idx="0">
+            <a:schemeClr val="dk1"/>
+          </a:effectRef>
+          <a:fontRef idx="minor">
+            <a:schemeClr val="dk1"/>
+          </a:fontRef>
+        </p:style>
+        <p:txBody>
+          <a:bodyPr rtlCol="0" anchor="b"/>
+          <a:lstStyle/>
+          <a:p>
+            <a:pPr algn="ctr"/>
+            <a:r>
+              <a:rPr lang="en-US" altLang="ko-KR" sz="1400" b="1"/>
+              <a:t>Reconciler Pkg</a:t>
+            </a:r>
+            <a:endParaRPr lang="ko-KR" altLang="en-US" sz="1400" b="1"/>
+          </a:p>
+        </p:txBody>
+      </p:sp>
+      <p:sp>
+        <p:nvSpPr>
+          <p:cNvPr id="21" name="사각형: 둥근 모서리 20">
+            <a:extLst>
+              <a:ext uri="{FF2B5EF4-FFF2-40B4-BE49-F238E27FC236}">
+                <a16:creationId xmlns:a16="http://schemas.microsoft.com/office/drawing/2014/main" id="{5BA72481-834B-4E61-A1D8-A193E7E606EE}"/>
+              </a:ext>
+            </a:extLst>
+          </p:cNvPr>
+          <p:cNvSpPr/>
+          <p:nvPr/>
+        </p:nvSpPr>
+        <p:spPr>
+          <a:xfrm>
+            <a:off x="6204637" y="2950321"/>
+            <a:ext cx="1368152" cy="622316"/>
+          </a:xfrm>
+          <a:prstGeom prst="roundRect">
+            <a:avLst>
+              <a:gd name="adj" fmla="val 12994"/>
+            </a:avLst>
+          </a:prstGeom>
+        </p:spPr>
+        <p:style>
+          <a:lnRef idx="2">
+            <a:schemeClr val="dk1"/>
+          </a:lnRef>
+          <a:fillRef idx="1">
+            <a:schemeClr val="lt1"/>
+          </a:fillRef>
+          <a:effectRef idx="0">
+            <a:schemeClr val="dk1"/>
+          </a:effectRef>
+          <a:fontRef idx="minor">
+            <a:schemeClr val="dk1"/>
+          </a:fontRef>
+        </p:style>
+        <p:txBody>
+          <a:bodyPr rtlCol="0" anchor="ctr"/>
+          <a:lstStyle/>
+          <a:p>
+            <a:pPr algn="ctr"/>
+            <a:r>
+              <a:rPr lang="en-US" altLang="ko-KR" sz="1400"/>
+              <a:t>Manager’s</a:t>
+            </a:r>
+          </a:p>
+          <a:p>
+            <a:pPr algn="ctr"/>
+            <a:r>
+              <a:rPr lang="en-US" altLang="ko-KR" sz="1400"/>
+              <a:t>K8s Client</a:t>
+            </a:r>
+            <a:endParaRPr lang="ko-KR" altLang="en-US" sz="1400"/>
+          </a:p>
+        </p:txBody>
+      </p:sp>
+      <p:sp>
+        <p:nvSpPr>
+          <p:cNvPr id="23" name="사각형: 둥근 모서리 22">
+            <a:extLst>
+              <a:ext uri="{FF2B5EF4-FFF2-40B4-BE49-F238E27FC236}">
+                <a16:creationId xmlns:a16="http://schemas.microsoft.com/office/drawing/2014/main" id="{534A9358-2212-45CE-96D2-6078B35950DC}"/>
+              </a:ext>
+            </a:extLst>
+          </p:cNvPr>
+          <p:cNvSpPr/>
+          <p:nvPr/>
+        </p:nvSpPr>
+        <p:spPr>
+          <a:xfrm>
+            <a:off x="4725836" y="2950321"/>
+            <a:ext cx="1368152" cy="622316"/>
+          </a:xfrm>
+          <a:prstGeom prst="roundRect">
+            <a:avLst>
+              <a:gd name="adj" fmla="val 12994"/>
+            </a:avLst>
+          </a:prstGeom>
+        </p:spPr>
+        <p:style>
+          <a:lnRef idx="2">
+            <a:schemeClr val="dk1"/>
+          </a:lnRef>
+          <a:fillRef idx="1">
+            <a:schemeClr val="lt1"/>
+          </a:fillRef>
+          <a:effectRef idx="0">
+            <a:schemeClr val="dk1"/>
+          </a:effectRef>
+          <a:fontRef idx="minor">
+            <a:schemeClr val="dk1"/>
+          </a:fontRef>
+        </p:style>
+        <p:txBody>
+          <a:bodyPr rtlCol="0" anchor="ctr"/>
+          <a:lstStyle/>
+          <a:p>
+            <a:pPr algn="ctr"/>
+            <a:r>
+              <a:rPr lang="en-US" altLang="ko-KR" sz="1400"/>
+              <a:t>Reconcile Loop</a:t>
+            </a:r>
+            <a:endParaRPr lang="ko-KR" altLang="en-US" sz="1400"/>
+          </a:p>
+        </p:txBody>
+      </p:sp>
+      <p:sp>
+        <p:nvSpPr>
+          <p:cNvPr id="26" name="사각형: 둥근 모서리 25">
+            <a:extLst>
+              <a:ext uri="{FF2B5EF4-FFF2-40B4-BE49-F238E27FC236}">
+                <a16:creationId xmlns:a16="http://schemas.microsoft.com/office/drawing/2014/main" id="{8AB6C791-67FA-4BF1-8626-6C1E3A51C502}"/>
+              </a:ext>
+            </a:extLst>
+          </p:cNvPr>
+          <p:cNvSpPr/>
+          <p:nvPr/>
+        </p:nvSpPr>
+        <p:spPr>
+          <a:xfrm>
+            <a:off x="1619672" y="2862470"/>
+            <a:ext cx="1569958" cy="1077432"/>
+          </a:xfrm>
+          <a:prstGeom prst="roundRect">
+            <a:avLst>
+              <a:gd name="adj" fmla="val 7564"/>
+            </a:avLst>
+          </a:prstGeom>
+        </p:spPr>
+        <p:style>
+          <a:lnRef idx="2">
+            <a:schemeClr val="dk1"/>
+          </a:lnRef>
+          <a:fillRef idx="1">
+            <a:schemeClr val="lt1"/>
+          </a:fillRef>
+          <a:effectRef idx="0">
+            <a:schemeClr val="dk1"/>
+          </a:effectRef>
+          <a:fontRef idx="minor">
+            <a:schemeClr val="dk1"/>
+          </a:fontRef>
+        </p:style>
+        <p:txBody>
+          <a:bodyPr rtlCol="0" anchor="b"/>
+          <a:lstStyle/>
+          <a:p>
+            <a:pPr algn="ctr"/>
+            <a:r>
+              <a:rPr lang="en-US" altLang="ko-KR" sz="1400" b="1"/>
+              <a:t>Controller Pkg</a:t>
+            </a:r>
+            <a:endParaRPr lang="ko-KR" altLang="en-US" sz="1400" b="1"/>
+          </a:p>
+        </p:txBody>
+      </p:sp>
+      <p:sp>
+        <p:nvSpPr>
+          <p:cNvPr id="27" name="사각형: 둥근 모서리 26">
+            <a:extLst>
+              <a:ext uri="{FF2B5EF4-FFF2-40B4-BE49-F238E27FC236}">
+                <a16:creationId xmlns:a16="http://schemas.microsoft.com/office/drawing/2014/main" id="{F0FD2BDB-2B47-49DD-A5EF-C36AB8E6D022}"/>
+              </a:ext>
+            </a:extLst>
+          </p:cNvPr>
+          <p:cNvSpPr/>
+          <p:nvPr/>
+        </p:nvSpPr>
+        <p:spPr>
+          <a:xfrm>
+            <a:off x="1713652" y="2950321"/>
+            <a:ext cx="1368152" cy="622316"/>
+          </a:xfrm>
+          <a:prstGeom prst="roundRect">
+            <a:avLst>
+              <a:gd name="adj" fmla="val 12994"/>
+            </a:avLst>
+          </a:prstGeom>
+        </p:spPr>
+        <p:style>
+          <a:lnRef idx="2">
+            <a:schemeClr val="dk1"/>
+          </a:lnRef>
+          <a:fillRef idx="1">
+            <a:schemeClr val="lt1"/>
+          </a:fillRef>
+          <a:effectRef idx="0">
+            <a:schemeClr val="dk1"/>
+          </a:effectRef>
+          <a:fontRef idx="minor">
+            <a:schemeClr val="dk1"/>
+          </a:fontRef>
+        </p:style>
+        <p:txBody>
+          <a:bodyPr rtlCol="0" anchor="ctr"/>
+          <a:lstStyle/>
+          <a:p>
+            <a:pPr algn="ctr"/>
+            <a:r>
+              <a:rPr lang="en-US" altLang="ko-KR" sz="1400"/>
+              <a:t>Worker Queue</a:t>
+            </a:r>
+            <a:endParaRPr lang="ko-KR" altLang="en-US" sz="1400"/>
+          </a:p>
+        </p:txBody>
+      </p:sp>
+      <p:sp>
+        <p:nvSpPr>
+          <p:cNvPr id="28" name="사각형: 둥근 모서리 27">
+            <a:extLst>
+              <a:ext uri="{FF2B5EF4-FFF2-40B4-BE49-F238E27FC236}">
+                <a16:creationId xmlns:a16="http://schemas.microsoft.com/office/drawing/2014/main" id="{E4D8DB64-BCBF-4901-A55E-778542BB6549}"/>
+              </a:ext>
+            </a:extLst>
+          </p:cNvPr>
+          <p:cNvSpPr/>
+          <p:nvPr/>
+        </p:nvSpPr>
+        <p:spPr>
+          <a:xfrm>
+            <a:off x="2513422" y="1150121"/>
+            <a:ext cx="1368152" cy="622316"/>
+          </a:xfrm>
+          <a:prstGeom prst="roundRect">
+            <a:avLst>
+              <a:gd name="adj" fmla="val 12994"/>
+            </a:avLst>
+          </a:prstGeom>
+        </p:spPr>
+        <p:style>
+          <a:lnRef idx="2">
+            <a:schemeClr val="dk1"/>
+          </a:lnRef>
+          <a:fillRef idx="1">
+            <a:schemeClr val="lt1"/>
+          </a:fillRef>
+          <a:effectRef idx="0">
+            <a:schemeClr val="dk1"/>
+          </a:effectRef>
+          <a:fontRef idx="minor">
+            <a:schemeClr val="dk1"/>
+          </a:fontRef>
+        </p:style>
+        <p:txBody>
+          <a:bodyPr rtlCol="0" anchor="ctr"/>
+          <a:lstStyle/>
+          <a:p>
+            <a:pPr algn="ctr"/>
+            <a:r>
+              <a:rPr lang="en-US" altLang="ko-KR" sz="1400"/>
+              <a:t>Cache</a:t>
+            </a:r>
+            <a:endParaRPr lang="ko-KR" altLang="en-US" sz="1400"/>
+          </a:p>
+        </p:txBody>
+      </p:sp>
+      <p:cxnSp>
+        <p:nvCxnSpPr>
+          <p:cNvPr id="33" name="직선 화살표 연결선 32">
+            <a:extLst>
+              <a:ext uri="{FF2B5EF4-FFF2-40B4-BE49-F238E27FC236}">
+                <a16:creationId xmlns:a16="http://schemas.microsoft.com/office/drawing/2014/main" id="{0CE42314-F022-41CD-833B-DFE2063EE64B}"/>
+              </a:ext>
+            </a:extLst>
+          </p:cNvPr>
+          <p:cNvCxnSpPr>
+            <a:stCxn id="4" idx="2"/>
+            <a:endCxn id="27" idx="0"/>
+          </p:cNvCxnSpPr>
+          <p:nvPr/>
+        </p:nvCxnSpPr>
+        <p:spPr>
+          <a:xfrm flipH="1">
+            <a:off x="2397728" y="1912143"/>
+            <a:ext cx="3650436" cy="1038178"/>
+          </a:xfrm>
+          <a:prstGeom prst="straightConnector1">
+            <a:avLst/>
+          </a:prstGeom>
+          <a:ln w="28575">
+            <a:solidFill>
+              <a:schemeClr val="tx1"/>
+            </a:solidFill>
+            <a:headEnd type="arrow" w="med" len="med"/>
+            <a:tailEnd type="none" w="med" len="med"/>
+          </a:ln>
+        </p:spPr>
+        <p:style>
+          <a:lnRef idx="1">
+            <a:schemeClr val="accent1"/>
+          </a:lnRef>
+          <a:fillRef idx="0">
+            <a:schemeClr val="accent1"/>
+          </a:fillRef>
+          <a:effectRef idx="0">
+            <a:schemeClr val="accent1"/>
+          </a:effectRef>
+          <a:fontRef idx="minor">
+            <a:schemeClr val="tx1"/>
+          </a:fontRef>
+        </p:style>
+      </p:cxnSp>
+      <p:cxnSp>
+        <p:nvCxnSpPr>
+          <p:cNvPr id="34" name="직선 화살표 연결선 33">
+            <a:extLst>
+              <a:ext uri="{FF2B5EF4-FFF2-40B4-BE49-F238E27FC236}">
+                <a16:creationId xmlns:a16="http://schemas.microsoft.com/office/drawing/2014/main" id="{2FE0317D-98E0-494C-8F9F-139D32C85980}"/>
+              </a:ext>
+            </a:extLst>
+          </p:cNvPr>
+          <p:cNvCxnSpPr>
+            <a:cxnSpLocks/>
+            <a:stCxn id="4" idx="1"/>
+            <a:endCxn id="28" idx="3"/>
+          </p:cNvCxnSpPr>
+          <p:nvPr/>
+        </p:nvCxnSpPr>
+        <p:spPr>
+          <a:xfrm flipH="1" flipV="1">
+            <a:off x="3881574" y="1461279"/>
+            <a:ext cx="1482514" cy="139707"/>
+          </a:xfrm>
+          <a:prstGeom prst="straightConnector1">
+            <a:avLst/>
+          </a:prstGeom>
+          <a:ln w="28575">
+            <a:solidFill>
+              <a:schemeClr val="tx1"/>
+            </a:solidFill>
+            <a:headEnd type="none" w="med" len="med"/>
+            <a:tailEnd type="arrow" w="med" len="med"/>
+          </a:ln>
+        </p:spPr>
+        <p:style>
+          <a:lnRef idx="1">
+            <a:schemeClr val="accent1"/>
+          </a:lnRef>
+          <a:fillRef idx="0">
+            <a:schemeClr val="accent1"/>
+          </a:fillRef>
+          <a:effectRef idx="0">
+            <a:schemeClr val="accent1"/>
+          </a:effectRef>
+          <a:fontRef idx="minor">
+            <a:schemeClr val="tx1"/>
+          </a:fontRef>
+        </p:style>
+      </p:cxnSp>
+      <p:cxnSp>
+        <p:nvCxnSpPr>
+          <p:cNvPr id="39" name="직선 화살표 연결선 38">
+            <a:extLst>
+              <a:ext uri="{FF2B5EF4-FFF2-40B4-BE49-F238E27FC236}">
+                <a16:creationId xmlns:a16="http://schemas.microsoft.com/office/drawing/2014/main" id="{191C310B-7535-4349-8BA0-01D65A988EE2}"/>
+              </a:ext>
+            </a:extLst>
+          </p:cNvPr>
+          <p:cNvCxnSpPr>
+            <a:cxnSpLocks/>
+            <a:stCxn id="28" idx="2"/>
+            <a:endCxn id="21" idx="0"/>
+          </p:cNvCxnSpPr>
+          <p:nvPr/>
+        </p:nvCxnSpPr>
+        <p:spPr>
+          <a:xfrm>
+            <a:off x="3197498" y="1772437"/>
+            <a:ext cx="3691215" cy="1177884"/>
+          </a:xfrm>
+          <a:prstGeom prst="straightConnector1">
+            <a:avLst/>
+          </a:prstGeom>
+          <a:ln w="28575">
+            <a:solidFill>
+              <a:schemeClr val="tx1"/>
+            </a:solidFill>
+            <a:headEnd type="none" w="med" len="med"/>
+            <a:tailEnd type="arrow" w="med" len="med"/>
+          </a:ln>
+        </p:spPr>
+        <p:style>
+          <a:lnRef idx="1">
+            <a:schemeClr val="accent1"/>
+          </a:lnRef>
+          <a:fillRef idx="0">
+            <a:schemeClr val="accent1"/>
+          </a:fillRef>
+          <a:effectRef idx="0">
+            <a:schemeClr val="accent1"/>
+          </a:effectRef>
+          <a:fontRef idx="minor">
+            <a:schemeClr val="tx1"/>
+          </a:fontRef>
+        </p:style>
+      </p:cxnSp>
+      <p:cxnSp>
+        <p:nvCxnSpPr>
+          <p:cNvPr id="42" name="직선 화살표 연결선 41">
+            <a:extLst>
+              <a:ext uri="{FF2B5EF4-FFF2-40B4-BE49-F238E27FC236}">
+                <a16:creationId xmlns:a16="http://schemas.microsoft.com/office/drawing/2014/main" id="{6F4BDF7D-B7CC-4AB2-9614-34D3B7939B45}"/>
+              </a:ext>
+            </a:extLst>
+          </p:cNvPr>
+          <p:cNvCxnSpPr>
+            <a:cxnSpLocks/>
+            <a:stCxn id="21" idx="0"/>
+            <a:endCxn id="4" idx="2"/>
+          </p:cNvCxnSpPr>
+          <p:nvPr/>
+        </p:nvCxnSpPr>
+        <p:spPr>
+          <a:xfrm flipH="1" flipV="1">
+            <a:off x="6048164" y="1912143"/>
+            <a:ext cx="840549" cy="1038178"/>
+          </a:xfrm>
+          <a:prstGeom prst="straightConnector1">
+            <a:avLst/>
+          </a:prstGeom>
+          <a:ln w="28575">
+            <a:solidFill>
+              <a:schemeClr val="tx1"/>
+            </a:solidFill>
+            <a:headEnd type="none" w="med" len="med"/>
+            <a:tailEnd type="arrow" w="med" len="med"/>
+          </a:ln>
+        </p:spPr>
+        <p:style>
+          <a:lnRef idx="1">
+            <a:schemeClr val="accent1"/>
+          </a:lnRef>
+          <a:fillRef idx="0">
+            <a:schemeClr val="accent1"/>
+          </a:fillRef>
+          <a:effectRef idx="0">
+            <a:schemeClr val="accent1"/>
+          </a:effectRef>
+          <a:fontRef idx="minor">
+            <a:schemeClr val="tx1"/>
+          </a:fontRef>
+        </p:style>
+      </p:cxnSp>
+      <p:sp>
+        <p:nvSpPr>
+          <p:cNvPr id="54" name="TextBox 53">
+            <a:extLst>
+              <a:ext uri="{FF2B5EF4-FFF2-40B4-BE49-F238E27FC236}">
+                <a16:creationId xmlns:a16="http://schemas.microsoft.com/office/drawing/2014/main" id="{B83FB188-BED9-4F86-8DB3-C1A258FD1710}"/>
+              </a:ext>
+            </a:extLst>
+          </p:cNvPr>
+          <p:cNvSpPr txBox="1"/>
+          <p:nvPr/>
+        </p:nvSpPr>
+        <p:spPr>
+          <a:xfrm>
+            <a:off x="3185232" y="2631058"/>
+            <a:ext cx="1464888" cy="461665"/>
+          </a:xfrm>
+          <a:prstGeom prst="rect">
+            <a:avLst/>
+          </a:prstGeom>
+          <a:noFill/>
+        </p:spPr>
+        <p:txBody>
+          <a:bodyPr wrap="none" rtlCol="0">
+            <a:spAutoFit/>
+          </a:bodyPr>
+          <a:lstStyle/>
+          <a:p>
+            <a:pPr algn="ctr"/>
+            <a:r>
+              <a:rPr lang="en-US" altLang="ko-KR" sz="1200"/>
+              <a:t>Send CR </a:t>
+            </a:r>
+          </a:p>
+          <a:p>
+            <a:pPr algn="ctr"/>
+            <a:r>
+              <a:rPr lang="en-US" altLang="ko-KR" sz="1200"/>
+              <a:t>Name/Namespace</a:t>
+            </a:r>
+            <a:endParaRPr lang="ko-KR" altLang="en-US" sz="1200"/>
+          </a:p>
+        </p:txBody>
+      </p:sp>
+      <p:sp>
+        <p:nvSpPr>
+          <p:cNvPr id="57" name="TextBox 56">
+            <a:extLst>
+              <a:ext uri="{FF2B5EF4-FFF2-40B4-BE49-F238E27FC236}">
+                <a16:creationId xmlns:a16="http://schemas.microsoft.com/office/drawing/2014/main" id="{2087AD6B-8771-41A9-9952-B3AA7628C1EC}"/>
+              </a:ext>
+            </a:extLst>
+          </p:cNvPr>
+          <p:cNvSpPr txBox="1"/>
+          <p:nvPr/>
+        </p:nvSpPr>
+        <p:spPr>
+          <a:xfrm>
+            <a:off x="3170580" y="3416796"/>
+            <a:ext cx="1464888" cy="461665"/>
+          </a:xfrm>
+          <a:prstGeom prst="rect">
+            <a:avLst/>
+          </a:prstGeom>
+          <a:noFill/>
+        </p:spPr>
+        <p:txBody>
+          <a:bodyPr wrap="none" rtlCol="0">
+            <a:spAutoFit/>
+          </a:bodyPr>
+          <a:lstStyle/>
+          <a:p>
+            <a:pPr algn="ctr"/>
+            <a:r>
+              <a:rPr lang="en-US" altLang="ko-KR" sz="1200"/>
+              <a:t>Requeue CR </a:t>
+            </a:r>
+          </a:p>
+          <a:p>
+            <a:pPr algn="ctr"/>
+            <a:r>
+              <a:rPr lang="en-US" altLang="ko-KR" sz="1200"/>
+              <a:t>Name/Namespace</a:t>
+            </a:r>
+            <a:endParaRPr lang="ko-KR" altLang="en-US" sz="1200"/>
+          </a:p>
+        </p:txBody>
+      </p:sp>
+      <p:cxnSp>
+        <p:nvCxnSpPr>
+          <p:cNvPr id="5" name="직선 연결선 4">
+            <a:extLst>
+              <a:ext uri="{FF2B5EF4-FFF2-40B4-BE49-F238E27FC236}">
+                <a16:creationId xmlns:a16="http://schemas.microsoft.com/office/drawing/2014/main" id="{79057BA3-7878-4874-9872-862604216170}"/>
+              </a:ext>
+            </a:extLst>
+          </p:cNvPr>
+          <p:cNvCxnSpPr>
+            <a:cxnSpLocks/>
+          </p:cNvCxnSpPr>
+          <p:nvPr/>
+        </p:nvCxnSpPr>
+        <p:spPr>
+          <a:xfrm>
+            <a:off x="327835" y="2571750"/>
+            <a:ext cx="8132597" cy="0"/>
+          </a:xfrm>
+          <a:prstGeom prst="line">
+            <a:avLst/>
+          </a:prstGeom>
+          <a:ln w="28575">
+            <a:solidFill>
+              <a:schemeClr val="tx1"/>
+            </a:solidFill>
+            <a:prstDash val="dash"/>
+          </a:ln>
+        </p:spPr>
+        <p:style>
+          <a:lnRef idx="1">
+            <a:schemeClr val="accent1"/>
+          </a:lnRef>
+          <a:fillRef idx="0">
+            <a:schemeClr val="accent1"/>
+          </a:fillRef>
+          <a:effectRef idx="0">
+            <a:schemeClr val="accent1"/>
+          </a:effectRef>
+          <a:fontRef idx="minor">
+            <a:schemeClr val="tx1"/>
+          </a:fontRef>
+        </p:style>
+      </p:cxnSp>
+      <p:sp>
+        <p:nvSpPr>
+          <p:cNvPr id="25" name="TextBox 24">
+            <a:extLst>
+              <a:ext uri="{FF2B5EF4-FFF2-40B4-BE49-F238E27FC236}">
+                <a16:creationId xmlns:a16="http://schemas.microsoft.com/office/drawing/2014/main" id="{86EBF743-A613-40CD-A4ED-EFBBDAE527CA}"/>
+              </a:ext>
+            </a:extLst>
+          </p:cNvPr>
+          <p:cNvSpPr txBox="1"/>
+          <p:nvPr/>
+        </p:nvSpPr>
+        <p:spPr>
+          <a:xfrm>
+            <a:off x="665180" y="2643758"/>
+            <a:ext cx="991618" cy="523220"/>
+          </a:xfrm>
+          <a:prstGeom prst="rect">
+            <a:avLst/>
+          </a:prstGeom>
+          <a:noFill/>
+        </p:spPr>
+        <p:txBody>
+          <a:bodyPr wrap="none" rtlCol="0" anchor="ctr">
+            <a:spAutoFit/>
+          </a:bodyPr>
+          <a:lstStyle/>
+          <a:p>
+            <a:pPr algn="ctr"/>
+            <a:r>
+              <a:rPr lang="en-US" altLang="ko-KR" sz="1400"/>
+              <a:t>K8s</a:t>
+            </a:r>
+          </a:p>
+          <a:p>
+            <a:pPr algn="ctr"/>
+            <a:r>
+              <a:rPr lang="en-US" altLang="ko-KR" sz="1400"/>
+              <a:t>Controller</a:t>
+            </a:r>
+          </a:p>
+        </p:txBody>
+      </p:sp>
+      <p:cxnSp>
+        <p:nvCxnSpPr>
+          <p:cNvPr id="43" name="직선 화살표 연결선 42">
+            <a:extLst>
+              <a:ext uri="{FF2B5EF4-FFF2-40B4-BE49-F238E27FC236}">
+                <a16:creationId xmlns:a16="http://schemas.microsoft.com/office/drawing/2014/main" id="{C91A1A8C-888B-4048-AD8F-18B731C301A1}"/>
+              </a:ext>
+            </a:extLst>
+          </p:cNvPr>
+          <p:cNvCxnSpPr>
+            <a:cxnSpLocks/>
+          </p:cNvCxnSpPr>
+          <p:nvPr/>
+        </p:nvCxnSpPr>
+        <p:spPr>
+          <a:xfrm flipH="1">
+            <a:off x="3081804" y="3101563"/>
+            <a:ext cx="1644032" cy="0"/>
+          </a:xfrm>
+          <a:prstGeom prst="straightConnector1">
+            <a:avLst/>
+          </a:prstGeom>
+          <a:ln w="28575">
+            <a:solidFill>
+              <a:schemeClr val="tx1"/>
+            </a:solidFill>
+            <a:headEnd type="arrow" w="med" len="med"/>
+            <a:tailEnd type="none" w="med" len="med"/>
+          </a:ln>
+        </p:spPr>
+        <p:style>
+          <a:lnRef idx="1">
+            <a:schemeClr val="accent1"/>
+          </a:lnRef>
+          <a:fillRef idx="0">
+            <a:schemeClr val="accent1"/>
+          </a:fillRef>
+          <a:effectRef idx="0">
+            <a:schemeClr val="accent1"/>
+          </a:effectRef>
+          <a:fontRef idx="minor">
+            <a:schemeClr val="tx1"/>
+          </a:fontRef>
+        </p:style>
+      </p:cxnSp>
+      <p:cxnSp>
+        <p:nvCxnSpPr>
+          <p:cNvPr id="45" name="직선 화살표 연결선 44">
+            <a:extLst>
+              <a:ext uri="{FF2B5EF4-FFF2-40B4-BE49-F238E27FC236}">
+                <a16:creationId xmlns:a16="http://schemas.microsoft.com/office/drawing/2014/main" id="{81ECE741-BEE6-4049-BF20-41207C1D4BAB}"/>
+              </a:ext>
+            </a:extLst>
+          </p:cNvPr>
+          <p:cNvCxnSpPr>
+            <a:cxnSpLocks/>
+          </p:cNvCxnSpPr>
+          <p:nvPr/>
+        </p:nvCxnSpPr>
+        <p:spPr>
+          <a:xfrm flipH="1">
+            <a:off x="3081804" y="3401186"/>
+            <a:ext cx="1644032" cy="0"/>
+          </a:xfrm>
+          <a:prstGeom prst="straightConnector1">
+            <a:avLst/>
+          </a:prstGeom>
+          <a:ln w="28575">
+            <a:solidFill>
+              <a:schemeClr val="tx1"/>
+            </a:solidFill>
+            <a:headEnd type="none" w="med" len="med"/>
+            <a:tailEnd type="arrow" w="med" len="med"/>
+          </a:ln>
+        </p:spPr>
+        <p:style>
+          <a:lnRef idx="1">
+            <a:schemeClr val="accent1"/>
+          </a:lnRef>
+          <a:fillRef idx="0">
+            <a:schemeClr val="accent1"/>
+          </a:fillRef>
+          <a:effectRef idx="0">
+            <a:schemeClr val="accent1"/>
+          </a:effectRef>
+          <a:fontRef idx="minor">
+            <a:schemeClr val="tx1"/>
+          </a:fontRef>
+        </p:style>
+      </p:cxnSp>
+      <p:cxnSp>
+        <p:nvCxnSpPr>
+          <p:cNvPr id="56" name="직선 화살표 연결선 55">
+            <a:extLst>
+              <a:ext uri="{FF2B5EF4-FFF2-40B4-BE49-F238E27FC236}">
+                <a16:creationId xmlns:a16="http://schemas.microsoft.com/office/drawing/2014/main" id="{A5693673-5567-415E-99D4-BEE3DA975698}"/>
+              </a:ext>
+            </a:extLst>
+          </p:cNvPr>
+          <p:cNvCxnSpPr>
+            <a:cxnSpLocks/>
+            <a:stCxn id="26" idx="0"/>
+            <a:endCxn id="29" idx="2"/>
+          </p:cNvCxnSpPr>
+          <p:nvPr/>
+        </p:nvCxnSpPr>
+        <p:spPr>
+          <a:xfrm flipV="1">
+            <a:off x="2404651" y="2139702"/>
+            <a:ext cx="792088" cy="722768"/>
+          </a:xfrm>
+          <a:prstGeom prst="straightConnector1">
+            <a:avLst/>
+          </a:prstGeom>
+          <a:ln w="28575">
+            <a:solidFill>
+              <a:schemeClr val="tx1"/>
+            </a:solidFill>
+            <a:headEnd type="none" w="med" len="med"/>
+            <a:tailEnd type="arrow" w="med" len="med"/>
+          </a:ln>
+        </p:spPr>
+        <p:style>
+          <a:lnRef idx="1">
+            <a:schemeClr val="accent1"/>
+          </a:lnRef>
+          <a:fillRef idx="0">
+            <a:schemeClr val="accent1"/>
+          </a:fillRef>
+          <a:effectRef idx="0">
+            <a:schemeClr val="accent1"/>
+          </a:effectRef>
+          <a:fontRef idx="minor">
+            <a:schemeClr val="tx1"/>
+          </a:fontRef>
+        </p:style>
+      </p:cxnSp>
+      <p:sp>
+        <p:nvSpPr>
+          <p:cNvPr id="59" name="TextBox 58">
+            <a:extLst>
+              <a:ext uri="{FF2B5EF4-FFF2-40B4-BE49-F238E27FC236}">
+                <a16:creationId xmlns:a16="http://schemas.microsoft.com/office/drawing/2014/main" id="{177D8963-3ED7-4F81-A792-7125D6E9239A}"/>
+              </a:ext>
+            </a:extLst>
+          </p:cNvPr>
+          <p:cNvSpPr txBox="1"/>
+          <p:nvPr/>
+        </p:nvSpPr>
+        <p:spPr>
+          <a:xfrm>
+            <a:off x="4427984" y="1254931"/>
+            <a:ext cx="501419" cy="276999"/>
+          </a:xfrm>
+          <a:prstGeom prst="rect">
+            <a:avLst/>
+          </a:prstGeom>
+          <a:noFill/>
+        </p:spPr>
+        <p:txBody>
+          <a:bodyPr wrap="none" rtlCol="0">
+            <a:spAutoFit/>
+          </a:bodyPr>
+          <a:lstStyle/>
+          <a:p>
+            <a:r>
+              <a:rPr lang="en-US" altLang="ko-KR" sz="1200"/>
+              <a:t>Sync</a:t>
+            </a:r>
+            <a:endParaRPr lang="ko-KR" altLang="en-US" sz="1200"/>
+          </a:p>
+        </p:txBody>
+      </p:sp>
+      <p:sp>
+        <p:nvSpPr>
+          <p:cNvPr id="60" name="TextBox 59">
+            <a:extLst>
+              <a:ext uri="{FF2B5EF4-FFF2-40B4-BE49-F238E27FC236}">
+                <a16:creationId xmlns:a16="http://schemas.microsoft.com/office/drawing/2014/main" id="{68C3E641-9056-4F35-AEE1-AE42546353EC}"/>
+              </a:ext>
+            </a:extLst>
+          </p:cNvPr>
+          <p:cNvSpPr txBox="1"/>
+          <p:nvPr/>
+        </p:nvSpPr>
+        <p:spPr>
+          <a:xfrm>
+            <a:off x="2172856" y="2255843"/>
+            <a:ext cx="742960" cy="276999"/>
+          </a:xfrm>
+          <a:prstGeom prst="rect">
+            <a:avLst/>
+          </a:prstGeom>
+          <a:noFill/>
+        </p:spPr>
+        <p:txBody>
+          <a:bodyPr wrap="none" rtlCol="0">
+            <a:spAutoFit/>
+          </a:bodyPr>
+          <a:lstStyle/>
+          <a:p>
+            <a:r>
+              <a:rPr lang="en-US" altLang="ko-KR" sz="1200"/>
+              <a:t>Register</a:t>
+            </a:r>
+            <a:endParaRPr lang="ko-KR" altLang="en-US" sz="1200"/>
+          </a:p>
+        </p:txBody>
+      </p:sp>
+      <p:sp>
+        <p:nvSpPr>
+          <p:cNvPr id="61" name="TextBox 60">
+            <a:extLst>
+              <a:ext uri="{FF2B5EF4-FFF2-40B4-BE49-F238E27FC236}">
+                <a16:creationId xmlns:a16="http://schemas.microsoft.com/office/drawing/2014/main" id="{CDD0CA14-C561-4491-97B4-355D550EE7AB}"/>
+              </a:ext>
+            </a:extLst>
+          </p:cNvPr>
+          <p:cNvSpPr txBox="1"/>
+          <p:nvPr/>
+        </p:nvSpPr>
+        <p:spPr>
+          <a:xfrm>
+            <a:off x="3970552" y="1790623"/>
+            <a:ext cx="529440" cy="276999"/>
+          </a:xfrm>
+          <a:prstGeom prst="rect">
+            <a:avLst/>
+          </a:prstGeom>
+          <a:noFill/>
+        </p:spPr>
+        <p:txBody>
+          <a:bodyPr wrap="none" rtlCol="0">
+            <a:spAutoFit/>
+          </a:bodyPr>
+          <a:lstStyle/>
+          <a:p>
+            <a:r>
+              <a:rPr lang="en-US" altLang="ko-KR" sz="1200"/>
+              <a:t>Read</a:t>
+            </a:r>
+            <a:endParaRPr lang="ko-KR" altLang="en-US" sz="1200"/>
+          </a:p>
+        </p:txBody>
+      </p:sp>
+      <p:sp>
+        <p:nvSpPr>
+          <p:cNvPr id="62" name="TextBox 61">
+            <a:extLst>
+              <a:ext uri="{FF2B5EF4-FFF2-40B4-BE49-F238E27FC236}">
+                <a16:creationId xmlns:a16="http://schemas.microsoft.com/office/drawing/2014/main" id="{CCF50FF6-2288-4B7E-B12A-45F0BA97809C}"/>
+              </a:ext>
+            </a:extLst>
+          </p:cNvPr>
+          <p:cNvSpPr txBox="1"/>
+          <p:nvPr/>
+        </p:nvSpPr>
+        <p:spPr>
+          <a:xfrm>
+            <a:off x="6393022" y="2191946"/>
+            <a:ext cx="558486" cy="276999"/>
+          </a:xfrm>
+          <a:prstGeom prst="rect">
+            <a:avLst/>
+          </a:prstGeom>
+          <a:noFill/>
+        </p:spPr>
+        <p:txBody>
+          <a:bodyPr wrap="none" rtlCol="0">
+            <a:spAutoFit/>
+          </a:bodyPr>
+          <a:lstStyle/>
+          <a:p>
+            <a:r>
+              <a:rPr lang="en-US" altLang="ko-KR" sz="1200"/>
+              <a:t>Write</a:t>
+            </a:r>
+            <a:endParaRPr lang="ko-KR" altLang="en-US" sz="1200"/>
+          </a:p>
+        </p:txBody>
+      </p:sp>
+      <p:sp>
+        <p:nvSpPr>
+          <p:cNvPr id="63" name="TextBox 62">
+            <a:extLst>
+              <a:ext uri="{FF2B5EF4-FFF2-40B4-BE49-F238E27FC236}">
+                <a16:creationId xmlns:a16="http://schemas.microsoft.com/office/drawing/2014/main" id="{C1696F7D-C396-4767-819A-A0D88E0C01A3}"/>
+              </a:ext>
+            </a:extLst>
+          </p:cNvPr>
+          <p:cNvSpPr txBox="1"/>
+          <p:nvPr/>
+        </p:nvSpPr>
+        <p:spPr>
+          <a:xfrm>
+            <a:off x="3346338" y="2211710"/>
+            <a:ext cx="865622" cy="276999"/>
+          </a:xfrm>
+          <a:prstGeom prst="rect">
+            <a:avLst/>
+          </a:prstGeom>
+          <a:noFill/>
+        </p:spPr>
+        <p:txBody>
+          <a:bodyPr wrap="none" rtlCol="0">
+            <a:spAutoFit/>
+          </a:bodyPr>
+          <a:lstStyle/>
+          <a:p>
+            <a:r>
+              <a:rPr lang="en-US" altLang="ko-KR" sz="1200"/>
+              <a:t>Watch CR</a:t>
+            </a:r>
+            <a:endParaRPr lang="ko-KR" altLang="en-US" sz="1200"/>
+          </a:p>
+        </p:txBody>
+      </p:sp>
+    </p:spTree>
+    <p:extLst>
+      <p:ext uri="{BB962C8B-B14F-4D97-AF65-F5344CB8AC3E}">
+        <p14:creationId xmlns:p14="http://schemas.microsoft.com/office/powerpoint/2010/main" val="3828610783"/>
+      </p:ext>
+    </p:extLst>
+  </p:cSld>
+  <p:clrMapOvr>
+    <a:masterClrMapping/>
+  </p:clrMapOvr>
+</p:sld>
+</file>
+
+<file path=ppt/slides/slide4.xml><?xml version="1.0" encoding="utf-8"?>
+<p:sld xmlns:a="http://schemas.openxmlformats.org/drawingml/2006/main" xmlns:r="http://schemas.openxmlformats.org/officeDocument/2006/relationships" xmlns:p="http://schemas.openxmlformats.org/presentationml/2006/main">
+  <p:cSld>
+    <p:spTree>
+      <p:nvGrpSpPr>
+        <p:cNvPr id="1" name=""/>
+        <p:cNvGrpSpPr/>
+        <p:nvPr/>
+      </p:nvGrpSpPr>
+      <p:grpSpPr>
+        <a:xfrm>
+          <a:off x="0" y="0"/>
+          <a:ext cx="0" cy="0"/>
+          <a:chOff x="0" y="0"/>
+          <a:chExt cx="0" cy="0"/>
+        </a:xfrm>
+      </p:grpSpPr>
+      <p:sp>
+        <p:nvSpPr>
+          <p:cNvPr id="29" name="사각형: 둥근 모서리 28">
+            <a:extLst>
+              <a:ext uri="{FF2B5EF4-FFF2-40B4-BE49-F238E27FC236}">
+                <a16:creationId xmlns:a16="http://schemas.microsoft.com/office/drawing/2014/main" id="{EC9F67C7-1015-40C8-85B1-1349F483D2AB}"/>
+              </a:ext>
+            </a:extLst>
+          </p:cNvPr>
+          <p:cNvSpPr/>
+          <p:nvPr/>
+        </p:nvSpPr>
+        <p:spPr>
+          <a:xfrm>
             <a:off x="2937416" y="2764705"/>
             <a:ext cx="1569958" cy="1077432"/>
           </a:xfrm>
@@ -5634,7 +6737,7 @@
 </p:sld>
 </file>
 
-<file path=ppt/slides/slide4.xml><?xml version="1.0" encoding="utf-8"?>
+<file path=ppt/slides/slide5.xml><?xml version="1.0" encoding="utf-8"?>
 <p:sld xmlns:a="http://schemas.openxmlformats.org/drawingml/2006/main" xmlns:r="http://schemas.openxmlformats.org/officeDocument/2006/relationships" xmlns:p="http://schemas.openxmlformats.org/presentationml/2006/main">
   <p:cSld>
     <p:spTree>

--- a/images/programming/Kubernetes_Operator_SDK_Golang/Kubernetes_Operator_SDK_Golang.pptx
+++ b/images/programming/Kubernetes_Operator_SDK_Golang/Kubernetes_Operator_SDK_Golang.pptx
@@ -5,14 +5,15 @@
     <p:sldMasterId id="2147483648" r:id="rId1"/>
   </p:sldMasterIdLst>
   <p:notesMasterIdLst>
-    <p:notesMasterId r:id="rId7"/>
+    <p:notesMasterId r:id="rId8"/>
   </p:notesMasterIdLst>
   <p:sldIdLst>
-    <p:sldId id="422" r:id="rId2"/>
+    <p:sldId id="423" r:id="rId2"/>
     <p:sldId id="420" r:id="rId3"/>
-    <p:sldId id="421" r:id="rId4"/>
-    <p:sldId id="419" r:id="rId5"/>
-    <p:sldId id="418" r:id="rId6"/>
+    <p:sldId id="422" r:id="rId4"/>
+    <p:sldId id="421" r:id="rId5"/>
+    <p:sldId id="419" r:id="rId6"/>
+    <p:sldId id="418" r:id="rId7"/>
   </p:sldIdLst>
   <p:sldSz cx="9144000" cy="5143500" type="screen16x9"/>
   <p:notesSz cx="6858000" cy="9144000"/>
@@ -217,7 +218,7 @@
           <a:p>
             <a:fld id="{6CD5550B-26C4-49A9-A5BA-636EF7BE6CE9}" type="datetimeFigureOut">
               <a:rPr lang="ko-KR" altLang="en-US" smtClean="0"/>
-              <a:t>2019-11-12</a:t>
+              <a:t>2019-11-28</a:t>
             </a:fld>
             <a:endParaRPr lang="ko-KR" altLang="en-US"/>
           </a:p>
@@ -663,7 +664,7 @@
           <a:p>
             <a:fld id="{FB30EDBD-1C2D-4C1E-B459-B60219FAB484}" type="datetimeFigureOut">
               <a:rPr lang="ko-KR" altLang="en-US" smtClean="0"/>
-              <a:t>2019-11-12</a:t>
+              <a:t>2019-11-28</a:t>
             </a:fld>
             <a:endParaRPr lang="ko-KR" altLang="en-US"/>
           </a:p>
@@ -826,7 +827,7 @@
           <a:p>
             <a:fld id="{FB30EDBD-1C2D-4C1E-B459-B60219FAB484}" type="datetimeFigureOut">
               <a:rPr lang="ko-KR" altLang="en-US" smtClean="0"/>
-              <a:t>2019-11-12</a:t>
+              <a:t>2019-11-28</a:t>
             </a:fld>
             <a:endParaRPr lang="ko-KR" altLang="en-US"/>
           </a:p>
@@ -999,7 +1000,7 @@
           <a:p>
             <a:fld id="{FB30EDBD-1C2D-4C1E-B459-B60219FAB484}" type="datetimeFigureOut">
               <a:rPr lang="ko-KR" altLang="en-US" smtClean="0"/>
-              <a:t>2019-11-12</a:t>
+              <a:t>2019-11-28</a:t>
             </a:fld>
             <a:endParaRPr lang="ko-KR" altLang="en-US"/>
           </a:p>
@@ -1162,7 +1163,7 @@
           <a:p>
             <a:fld id="{FB30EDBD-1C2D-4C1E-B459-B60219FAB484}" type="datetimeFigureOut">
               <a:rPr lang="ko-KR" altLang="en-US" smtClean="0"/>
-              <a:t>2019-11-12</a:t>
+              <a:t>2019-11-28</a:t>
             </a:fld>
             <a:endParaRPr lang="ko-KR" altLang="en-US"/>
           </a:p>
@@ -1402,7 +1403,7 @@
           <a:p>
             <a:fld id="{FB30EDBD-1C2D-4C1E-B459-B60219FAB484}" type="datetimeFigureOut">
               <a:rPr lang="ko-KR" altLang="en-US" smtClean="0"/>
-              <a:t>2019-11-12</a:t>
+              <a:t>2019-11-28</a:t>
             </a:fld>
             <a:endParaRPr lang="ko-KR" altLang="en-US"/>
           </a:p>
@@ -1682,7 +1683,7 @@
           <a:p>
             <a:fld id="{FB30EDBD-1C2D-4C1E-B459-B60219FAB484}" type="datetimeFigureOut">
               <a:rPr lang="ko-KR" altLang="en-US" smtClean="0"/>
-              <a:t>2019-11-12</a:t>
+              <a:t>2019-11-28</a:t>
             </a:fld>
             <a:endParaRPr lang="ko-KR" altLang="en-US"/>
           </a:p>
@@ -2096,7 +2097,7 @@
           <a:p>
             <a:fld id="{FB30EDBD-1C2D-4C1E-B459-B60219FAB484}" type="datetimeFigureOut">
               <a:rPr lang="ko-KR" altLang="en-US" smtClean="0"/>
-              <a:t>2019-11-12</a:t>
+              <a:t>2019-11-28</a:t>
             </a:fld>
             <a:endParaRPr lang="ko-KR" altLang="en-US"/>
           </a:p>
@@ -2208,7 +2209,7 @@
           <a:p>
             <a:fld id="{FB30EDBD-1C2D-4C1E-B459-B60219FAB484}" type="datetimeFigureOut">
               <a:rPr lang="ko-KR" altLang="en-US" smtClean="0"/>
-              <a:t>2019-11-12</a:t>
+              <a:t>2019-11-28</a:t>
             </a:fld>
             <a:endParaRPr lang="ko-KR" altLang="en-US"/>
           </a:p>
@@ -2298,7 +2299,7 @@
           <a:p>
             <a:fld id="{FB30EDBD-1C2D-4C1E-B459-B60219FAB484}" type="datetimeFigureOut">
               <a:rPr lang="ko-KR" altLang="en-US" smtClean="0"/>
-              <a:t>2019-11-12</a:t>
+              <a:t>2019-11-28</a:t>
             </a:fld>
             <a:endParaRPr lang="ko-KR" altLang="en-US"/>
           </a:p>
@@ -2568,7 +2569,7 @@
           <a:p>
             <a:fld id="{FB30EDBD-1C2D-4C1E-B459-B60219FAB484}" type="datetimeFigureOut">
               <a:rPr lang="ko-KR" altLang="en-US" smtClean="0"/>
-              <a:t>2019-11-12</a:t>
+              <a:t>2019-11-28</a:t>
             </a:fld>
             <a:endParaRPr lang="ko-KR" altLang="en-US"/>
           </a:p>
@@ -2815,7 +2816,7 @@
           <a:p>
             <a:fld id="{FB30EDBD-1C2D-4C1E-B459-B60219FAB484}" type="datetimeFigureOut">
               <a:rPr lang="ko-KR" altLang="en-US" smtClean="0"/>
-              <a:t>2019-11-12</a:t>
+              <a:t>2019-11-28</a:t>
             </a:fld>
             <a:endParaRPr lang="ko-KR" altLang="en-US"/>
           </a:p>
@@ -3021,7 +3022,7 @@
           <a:p>
             <a:fld id="{FB30EDBD-1C2D-4C1E-B459-B60219FAB484}" type="datetimeFigureOut">
               <a:rPr lang="ko-KR" altLang="en-US" smtClean="0"/>
-              <a:t>2019-11-12</a:t>
+              <a:t>2019-11-28</a:t>
             </a:fld>
             <a:endParaRPr lang="ko-KR" altLang="en-US"/>
           </a:p>
@@ -3393,6 +3394,71 @@
       </p:grpSpPr>
       <p:sp>
         <p:nvSpPr>
+          <p:cNvPr id="3" name="사각형: 둥근 모서리 2">
+            <a:extLst>
+              <a:ext uri="{FF2B5EF4-FFF2-40B4-BE49-F238E27FC236}">
+                <a16:creationId xmlns:a16="http://schemas.microsoft.com/office/drawing/2014/main" id="{D39B70A5-39AE-4575-8D2B-ED2BEF40F078}"/>
+              </a:ext>
+            </a:extLst>
+          </p:cNvPr>
+          <p:cNvSpPr/>
+          <p:nvPr/>
+        </p:nvSpPr>
+        <p:spPr>
+          <a:xfrm>
+            <a:off x="1187624" y="2698613"/>
+            <a:ext cx="7092776" cy="2076587"/>
+          </a:xfrm>
+          <a:prstGeom prst="roundRect">
+            <a:avLst>
+              <a:gd name="adj" fmla="val 6714"/>
+            </a:avLst>
+          </a:prstGeom>
+          <a:noFill/>
+          <a:ln>
+            <a:solidFill>
+              <a:schemeClr val="tx1"/>
+            </a:solidFill>
+          </a:ln>
+        </p:spPr>
+        <p:style>
+          <a:lnRef idx="2">
+            <a:schemeClr val="accent1">
+              <a:shade val="50000"/>
+            </a:schemeClr>
+          </a:lnRef>
+          <a:fillRef idx="1">
+            <a:schemeClr val="accent1"/>
+          </a:fillRef>
+          <a:effectRef idx="0">
+            <a:schemeClr val="accent1"/>
+          </a:effectRef>
+          <a:fontRef idx="minor">
+            <a:schemeClr val="lt1"/>
+          </a:fontRef>
+        </p:style>
+        <p:txBody>
+          <a:bodyPr rtlCol="0" anchor="b"/>
+          <a:lstStyle/>
+          <a:p>
+            <a:r>
+              <a:rPr lang="en-US" altLang="ko-KR" sz="1400" b="1">
+                <a:solidFill>
+                  <a:schemeClr val="tx1"/>
+                </a:solidFill>
+              </a:rPr>
+              <a:t>Controller</a:t>
+            </a:r>
+            <a:endParaRPr lang="ko-KR" altLang="en-US" sz="1600" b="1">
+              <a:solidFill>
+                <a:schemeClr val="tx1"/>
+              </a:solidFill>
+            </a:endParaRPr>
+          </a:p>
+        </p:txBody>
+      </p:sp>
+      <p:sp>
+        <p:nvSpPr>
           <p:cNvPr id="29" name="사각형: 둥근 모서리 28">
             <a:extLst>
               <a:ext uri="{FF2B5EF4-FFF2-40B4-BE49-F238E27FC236}">
@@ -3504,7 +3570,7 @@
         </p:nvSpPr>
         <p:spPr>
           <a:xfrm>
-            <a:off x="4148150" y="987574"/>
+            <a:off x="4148150" y="1347614"/>
             <a:ext cx="1368152" cy="622315"/>
           </a:xfrm>
           <a:prstGeom prst="roundRect">
@@ -3880,8 +3946,8 @@
         </p:nvCxnSpPr>
         <p:spPr>
           <a:xfrm flipH="1">
-            <a:off x="2037688" y="1609889"/>
-            <a:ext cx="2794538" cy="1242667"/>
+            <a:off x="2037688" y="1969929"/>
+            <a:ext cx="2794538" cy="882627"/>
           </a:xfrm>
           <a:prstGeom prst="straightConnector1">
             <a:avLst/>
@@ -3927,8 +3993,8 @@
         </p:nvCxnSpPr>
         <p:spPr>
           <a:xfrm flipH="1">
-            <a:off x="3723154" y="1609889"/>
-            <a:ext cx="1109072" cy="1242667"/>
+            <a:off x="3723154" y="1969929"/>
+            <a:ext cx="1109072" cy="882627"/>
           </a:xfrm>
           <a:prstGeom prst="straightConnector1">
             <a:avLst/>
@@ -4021,8 +4087,8 @@
         </p:nvCxnSpPr>
         <p:spPr>
           <a:xfrm flipH="1" flipV="1">
-            <a:off x="4832226" y="1609889"/>
-            <a:ext cx="1115494" cy="1242667"/>
+            <a:off x="4832226" y="1969929"/>
+            <a:ext cx="1115494" cy="882627"/>
           </a:xfrm>
           <a:prstGeom prst="straightConnector1">
             <a:avLst/>
@@ -4172,7 +4238,7 @@
         </p:nvSpPr>
         <p:spPr>
           <a:xfrm>
-            <a:off x="4283968" y="2151222"/>
+            <a:off x="4355976" y="2263973"/>
             <a:ext cx="555280" cy="307777"/>
           </a:xfrm>
           <a:prstGeom prst="rect">
@@ -4244,7 +4310,7 @@
         </p:nvSpPr>
         <p:spPr>
           <a:xfrm>
-            <a:off x="4883480" y="2165980"/>
+            <a:off x="5317738" y="2191965"/>
             <a:ext cx="622414" cy="307777"/>
           </a:xfrm>
           <a:prstGeom prst="rect">
@@ -4317,7 +4383,7 @@
         </p:nvSpPr>
         <p:spPr>
           <a:xfrm>
-            <a:off x="2699792" y="1887383"/>
+            <a:off x="2699792" y="2067694"/>
             <a:ext cx="969341" cy="307777"/>
           </a:xfrm>
           <a:prstGeom prst="rect">
@@ -4376,97 +4442,10 @@
           </a:p>
         </p:txBody>
       </p:sp>
-      <p:cxnSp>
-        <p:nvCxnSpPr>
-          <p:cNvPr id="5" name="직선 연결선 4">
-            <a:extLst>
-              <a:ext uri="{FF2B5EF4-FFF2-40B4-BE49-F238E27FC236}">
-                <a16:creationId xmlns:a16="http://schemas.microsoft.com/office/drawing/2014/main" id="{79057BA3-7878-4874-9872-862604216170}"/>
-              </a:ext>
-            </a:extLst>
-          </p:cNvPr>
-          <p:cNvCxnSpPr>
-            <a:cxnSpLocks/>
-          </p:cNvCxnSpPr>
-          <p:nvPr/>
-        </p:nvCxnSpPr>
-        <p:spPr>
-          <a:xfrm>
-            <a:off x="327835" y="2571750"/>
-            <a:ext cx="8132597" cy="0"/>
-          </a:xfrm>
-          <a:prstGeom prst="line">
-            <a:avLst/>
-          </a:prstGeom>
-          <a:ln w="28575">
-            <a:solidFill>
-              <a:schemeClr val="tx1"/>
-            </a:solidFill>
-            <a:prstDash val="dash"/>
-          </a:ln>
-        </p:spPr>
-        <p:style>
-          <a:lnRef idx="1">
-            <a:schemeClr val="accent1"/>
-          </a:lnRef>
-          <a:fillRef idx="0">
-            <a:schemeClr val="accent1"/>
-          </a:fillRef>
-          <a:effectRef idx="0">
-            <a:schemeClr val="accent1"/>
-          </a:effectRef>
-          <a:fontRef idx="minor">
-            <a:schemeClr val="tx1"/>
-          </a:fontRef>
-        </p:style>
-      </p:cxnSp>
-      <p:sp>
-        <p:nvSpPr>
-          <p:cNvPr id="25" name="TextBox 24">
-            <a:extLst>
-              <a:ext uri="{FF2B5EF4-FFF2-40B4-BE49-F238E27FC236}">
-                <a16:creationId xmlns:a16="http://schemas.microsoft.com/office/drawing/2014/main" id="{86EBF743-A613-40CD-A4ED-EFBBDAE527CA}"/>
-              </a:ext>
-            </a:extLst>
-          </p:cNvPr>
-          <p:cNvSpPr txBox="1"/>
-          <p:nvPr/>
-        </p:nvSpPr>
-        <p:spPr>
-          <a:xfrm>
-            <a:off x="290710" y="2643758"/>
-            <a:ext cx="991618" cy="523220"/>
-          </a:xfrm>
-          <a:prstGeom prst="rect">
-            <a:avLst/>
-          </a:prstGeom>
-          <a:noFill/>
-        </p:spPr>
-        <p:txBody>
-          <a:bodyPr wrap="none" rtlCol="0" anchor="ctr">
-            <a:spAutoFit/>
-          </a:bodyPr>
-          <a:lstStyle/>
-          <a:p>
-            <a:pPr algn="ctr"/>
-            <a:r>
-              <a:rPr lang="en-US" altLang="ko-KR" sz="1400"/>
-              <a:t>K8s</a:t>
-            </a:r>
-          </a:p>
-          <a:p>
-            <a:pPr algn="ctr"/>
-            <a:r>
-              <a:rPr lang="en-US" altLang="ko-KR" sz="1400"/>
-              <a:t>Controller</a:t>
-            </a:r>
-          </a:p>
-        </p:txBody>
-      </p:sp>
     </p:spTree>
     <p:extLst>
       <p:ext uri="{BB962C8B-B14F-4D97-AF65-F5344CB8AC3E}">
-        <p14:creationId xmlns:p14="http://schemas.microsoft.com/office/powerpoint/2010/main" val="1521896078"/>
+        <p14:creationId xmlns:p14="http://schemas.microsoft.com/office/powerpoint/2010/main" val="972069684"/>
       </p:ext>
     </p:extLst>
   </p:cSld>
@@ -4537,8 +4516,8 @@
         </p:nvSpPr>
         <p:spPr>
           <a:xfrm>
-            <a:off x="2411760" y="1062270"/>
-            <a:ext cx="1569958" cy="1077432"/>
+            <a:off x="2937416" y="2764704"/>
+            <a:ext cx="1569958" cy="1239047"/>
           </a:xfrm>
           <a:prstGeom prst="roundRect">
             <a:avLst>
@@ -4563,6 +4542,21 @@
         <p:txBody>
           <a:bodyPr rtlCol="0" anchor="b"/>
           <a:lstStyle/>
+          <a:p>
+            <a:pPr algn="ctr"/>
+            <a:endParaRPr lang="en-US" altLang="ko-KR" sz="1400" b="1"/>
+          </a:p>
+          <a:p>
+            <a:pPr algn="ctr"/>
+            <a:endParaRPr lang="en-US" altLang="ko-KR" sz="1400" b="1"/>
+          </a:p>
+          <a:p>
+            <a:pPr algn="ctr"/>
+            <a:r>
+              <a:rPr lang="en-US" altLang="ko-KR" sz="1400" b="1"/>
+              <a:t>Runtime</a:t>
+            </a:r>
+          </a:p>
           <a:p>
             <a:pPr algn="ctr"/>
             <a:r>
@@ -4601,7 +4595,7 @@
           <a:p>
             <a:r>
               <a:rPr lang="en-US" altLang="ko-KR"/>
-              <a:t>Controller, Reconciler</a:t>
+              <a:t>K8s Controller Component</a:t>
             </a:r>
             <a:endParaRPr lang="ko-KR" altLang="en-US"/>
           </a:p>
@@ -4621,7 +4615,7 @@
         </p:nvSpPr>
         <p:spPr>
           <a:xfrm>
-            <a:off x="5364088" y="1289828"/>
+            <a:off x="4148150" y="987574"/>
             <a:ext cx="1368152" cy="622315"/>
           </a:xfrm>
           <a:prstGeom prst="roundRect">
@@ -4676,8 +4670,8 @@
         </p:nvSpPr>
         <p:spPr>
           <a:xfrm>
-            <a:off x="4628758" y="2862470"/>
-            <a:ext cx="3039586" cy="1077432"/>
+            <a:off x="5163314" y="2764704"/>
+            <a:ext cx="3039586" cy="1239047"/>
           </a:xfrm>
           <a:prstGeom prst="roundRect">
             <a:avLst>
@@ -4706,8 +4700,11 @@
             <a:pPr algn="ctr"/>
             <a:r>
               <a:rPr lang="en-US" altLang="ko-KR" sz="1400" b="1"/>
-              <a:t>Reconciler Pkg</a:t>
-            </a:r>
+              <a:t>SDK Controller Pkg</a:t>
+            </a:r>
+          </a:p>
+          <a:p>
+            <a:pPr algn="ctr"/>
             <a:endParaRPr lang="ko-KR" altLang="en-US" sz="1400" b="1"/>
           </a:p>
         </p:txBody>
@@ -4726,7 +4723,7 @@
         </p:nvSpPr>
         <p:spPr>
           <a:xfrm>
-            <a:off x="6204637" y="2950321"/>
+            <a:off x="5263644" y="2852556"/>
             <a:ext cx="1368152" cy="622316"/>
           </a:xfrm>
           <a:prstGeom prst="roundRect">
@@ -4783,7 +4780,7 @@
         </p:nvSpPr>
         <p:spPr>
           <a:xfrm>
-            <a:off x="4725836" y="2950321"/>
+            <a:off x="6739622" y="2852556"/>
             <a:ext cx="1368152" cy="622316"/>
           </a:xfrm>
           <a:prstGeom prst="roundRect">
@@ -4833,8 +4830,8 @@
         </p:nvSpPr>
         <p:spPr>
           <a:xfrm>
-            <a:off x="1619672" y="2862470"/>
-            <a:ext cx="1569958" cy="1077432"/>
+            <a:off x="1259632" y="2764704"/>
+            <a:ext cx="1569958" cy="1239047"/>
           </a:xfrm>
           <a:prstGeom prst="roundRect">
             <a:avLst>
@@ -4863,6 +4860,13 @@
             <a:pPr algn="ctr"/>
             <a:r>
               <a:rPr lang="en-US" altLang="ko-KR" sz="1400" b="1"/>
+              <a:t>Runtime</a:t>
+            </a:r>
+          </a:p>
+          <a:p>
+            <a:pPr algn="ctr"/>
+            <a:r>
+              <a:rPr lang="en-US" altLang="ko-KR" sz="1400" b="1"/>
               <a:t>Controller Pkg</a:t>
             </a:r>
             <a:endParaRPr lang="ko-KR" altLang="en-US" sz="1400" b="1"/>
@@ -4883,7 +4887,7 @@
         </p:nvSpPr>
         <p:spPr>
           <a:xfrm>
-            <a:off x="1713652" y="2950321"/>
+            <a:off x="1353612" y="2852556"/>
             <a:ext cx="1368152" cy="622316"/>
           </a:xfrm>
           <a:prstGeom prst="roundRect">
@@ -4933,7 +4937,7 @@
         </p:nvSpPr>
         <p:spPr>
           <a:xfrm>
-            <a:off x="2513422" y="1150121"/>
+            <a:off x="3039078" y="2852556"/>
             <a:ext cx="1368152" cy="622316"/>
           </a:xfrm>
           <a:prstGeom prst="roundRect">
@@ -4979,6 +4983,7 @@
             </a:extLst>
           </p:cNvPr>
           <p:cNvCxnSpPr>
+            <a:cxnSpLocks/>
             <a:stCxn id="4" idx="2"/>
             <a:endCxn id="27" idx="0"/>
           </p:cNvCxnSpPr>
@@ -4986,8 +4991,8 @@
         </p:nvCxnSpPr>
         <p:spPr>
           <a:xfrm flipH="1">
-            <a:off x="2397728" y="1912143"/>
-            <a:ext cx="3650436" cy="1038178"/>
+            <a:off x="2037688" y="1609889"/>
+            <a:ext cx="2794538" cy="1242667"/>
           </a:xfrm>
           <a:prstGeom prst="straightConnector1">
             <a:avLst/>
@@ -5026,15 +5031,15 @@
           </p:cNvPr>
           <p:cNvCxnSpPr>
             <a:cxnSpLocks/>
-            <a:stCxn id="4" idx="1"/>
-            <a:endCxn id="28" idx="3"/>
+            <a:stCxn id="4" idx="2"/>
+            <a:endCxn id="28" idx="0"/>
           </p:cNvCxnSpPr>
           <p:nvPr/>
         </p:nvCxnSpPr>
         <p:spPr>
-          <a:xfrm flipH="1" flipV="1">
-            <a:off x="3881574" y="1461279"/>
-            <a:ext cx="1482514" cy="139707"/>
+          <a:xfrm flipH="1">
+            <a:off x="3723154" y="1609889"/>
+            <a:ext cx="1109072" cy="1242667"/>
           </a:xfrm>
           <a:prstGeom prst="straightConnector1">
             <a:avLst/>
@@ -5073,15 +5078,15 @@
           </p:cNvPr>
           <p:cNvCxnSpPr>
             <a:cxnSpLocks/>
-            <a:stCxn id="28" idx="2"/>
-            <a:endCxn id="21" idx="0"/>
+            <a:stCxn id="28" idx="3"/>
+            <a:endCxn id="21" idx="1"/>
           </p:cNvCxnSpPr>
           <p:nvPr/>
         </p:nvCxnSpPr>
         <p:spPr>
           <a:xfrm>
-            <a:off x="3197498" y="1772437"/>
-            <a:ext cx="3691215" cy="1177884"/>
+            <a:off x="4407230" y="3163714"/>
+            <a:ext cx="856414" cy="0"/>
           </a:xfrm>
           <a:prstGeom prst="straightConnector1">
             <a:avLst/>
@@ -5127,8 +5132,8 @@
         </p:nvCxnSpPr>
         <p:spPr>
           <a:xfrm flipH="1" flipV="1">
-            <a:off x="6048164" y="1912143"/>
-            <a:ext cx="840549" cy="1038178"/>
+            <a:off x="4832226" y="1609889"/>
+            <a:ext cx="1115494" cy="1242667"/>
           </a:xfrm>
           <a:prstGeom prst="straightConnector1">
             <a:avLst/>
@@ -5158,200 +5163,26 @@
       </p:cxnSp>
       <p:sp>
         <p:nvSpPr>
-          <p:cNvPr id="54" name="TextBox 53">
-            <a:extLst>
-              <a:ext uri="{FF2B5EF4-FFF2-40B4-BE49-F238E27FC236}">
-                <a16:creationId xmlns:a16="http://schemas.microsoft.com/office/drawing/2014/main" id="{B83FB188-BED9-4F86-8DB3-C1A258FD1710}"/>
-              </a:ext>
-            </a:extLst>
-          </p:cNvPr>
-          <p:cNvSpPr txBox="1"/>
-          <p:nvPr/>
-        </p:nvSpPr>
-        <p:spPr>
-          <a:xfrm>
-            <a:off x="3185232" y="2631058"/>
-            <a:ext cx="1464888" cy="461665"/>
-          </a:xfrm>
-          <a:prstGeom prst="rect">
-            <a:avLst/>
-          </a:prstGeom>
-          <a:noFill/>
-        </p:spPr>
-        <p:txBody>
-          <a:bodyPr wrap="none" rtlCol="0">
-            <a:spAutoFit/>
-          </a:bodyPr>
-          <a:lstStyle/>
-          <a:p>
-            <a:pPr algn="ctr"/>
-            <a:r>
-              <a:rPr lang="en-US" altLang="ko-KR" sz="1200"/>
-              <a:t>Send CR </a:t>
-            </a:r>
-          </a:p>
-          <a:p>
-            <a:pPr algn="ctr"/>
-            <a:r>
-              <a:rPr lang="en-US" altLang="ko-KR" sz="1200"/>
-              <a:t>Name/Namespace</a:t>
-            </a:r>
-            <a:endParaRPr lang="ko-KR" altLang="en-US" sz="1200"/>
-          </a:p>
-        </p:txBody>
-      </p:sp>
-      <p:sp>
-        <p:nvSpPr>
-          <p:cNvPr id="57" name="TextBox 56">
-            <a:extLst>
-              <a:ext uri="{FF2B5EF4-FFF2-40B4-BE49-F238E27FC236}">
-                <a16:creationId xmlns:a16="http://schemas.microsoft.com/office/drawing/2014/main" id="{2087AD6B-8771-41A9-9952-B3AA7628C1EC}"/>
-              </a:ext>
-            </a:extLst>
-          </p:cNvPr>
-          <p:cNvSpPr txBox="1"/>
-          <p:nvPr/>
-        </p:nvSpPr>
-        <p:spPr>
-          <a:xfrm>
-            <a:off x="3170580" y="3416796"/>
-            <a:ext cx="1464888" cy="461665"/>
-          </a:xfrm>
-          <a:prstGeom prst="rect">
-            <a:avLst/>
-          </a:prstGeom>
-          <a:noFill/>
-        </p:spPr>
-        <p:txBody>
-          <a:bodyPr wrap="none" rtlCol="0">
-            <a:spAutoFit/>
-          </a:bodyPr>
-          <a:lstStyle/>
-          <a:p>
-            <a:pPr algn="ctr"/>
-            <a:r>
-              <a:rPr lang="en-US" altLang="ko-KR" sz="1200"/>
-              <a:t>Requeue CR </a:t>
-            </a:r>
-          </a:p>
-          <a:p>
-            <a:pPr algn="ctr"/>
-            <a:r>
-              <a:rPr lang="en-US" altLang="ko-KR" sz="1200"/>
-              <a:t>Name/Namespace</a:t>
-            </a:r>
-            <a:endParaRPr lang="ko-KR" altLang="en-US" sz="1200"/>
-          </a:p>
-        </p:txBody>
-      </p:sp>
-      <p:cxnSp>
-        <p:nvCxnSpPr>
-          <p:cNvPr id="5" name="직선 연결선 4">
-            <a:extLst>
-              <a:ext uri="{FF2B5EF4-FFF2-40B4-BE49-F238E27FC236}">
-                <a16:creationId xmlns:a16="http://schemas.microsoft.com/office/drawing/2014/main" id="{79057BA3-7878-4874-9872-862604216170}"/>
-              </a:ext>
-            </a:extLst>
-          </p:cNvPr>
-          <p:cNvCxnSpPr>
-            <a:cxnSpLocks/>
-          </p:cNvCxnSpPr>
-          <p:nvPr/>
-        </p:nvCxnSpPr>
-        <p:spPr>
-          <a:xfrm>
-            <a:off x="327835" y="2571750"/>
-            <a:ext cx="8132597" cy="0"/>
-          </a:xfrm>
-          <a:prstGeom prst="line">
-            <a:avLst/>
-          </a:prstGeom>
-          <a:ln w="28575">
-            <a:solidFill>
-              <a:schemeClr val="tx1"/>
-            </a:solidFill>
-            <a:prstDash val="dash"/>
-          </a:ln>
-        </p:spPr>
-        <p:style>
-          <a:lnRef idx="1">
-            <a:schemeClr val="accent1"/>
-          </a:lnRef>
-          <a:fillRef idx="0">
-            <a:schemeClr val="accent1"/>
-          </a:fillRef>
-          <a:effectRef idx="0">
-            <a:schemeClr val="accent1"/>
-          </a:effectRef>
-          <a:fontRef idx="minor">
-            <a:schemeClr val="tx1"/>
-          </a:fontRef>
-        </p:style>
-      </p:cxnSp>
-      <p:sp>
-        <p:nvSpPr>
-          <p:cNvPr id="25" name="TextBox 24">
-            <a:extLst>
-              <a:ext uri="{FF2B5EF4-FFF2-40B4-BE49-F238E27FC236}">
-                <a16:creationId xmlns:a16="http://schemas.microsoft.com/office/drawing/2014/main" id="{86EBF743-A613-40CD-A4ED-EFBBDAE527CA}"/>
-              </a:ext>
-            </a:extLst>
-          </p:cNvPr>
-          <p:cNvSpPr txBox="1"/>
-          <p:nvPr/>
-        </p:nvSpPr>
-        <p:spPr>
-          <a:xfrm>
-            <a:off x="665180" y="2643758"/>
-            <a:ext cx="991618" cy="523220"/>
-          </a:xfrm>
-          <a:prstGeom prst="rect">
-            <a:avLst/>
-          </a:prstGeom>
-          <a:noFill/>
-        </p:spPr>
-        <p:txBody>
-          <a:bodyPr wrap="none" rtlCol="0" anchor="ctr">
-            <a:spAutoFit/>
-          </a:bodyPr>
-          <a:lstStyle/>
-          <a:p>
-            <a:pPr algn="ctr"/>
-            <a:r>
-              <a:rPr lang="en-US" altLang="ko-KR" sz="1400"/>
-              <a:t>K8s</a:t>
-            </a:r>
-          </a:p>
-          <a:p>
-            <a:pPr algn="ctr"/>
-            <a:r>
-              <a:rPr lang="en-US" altLang="ko-KR" sz="1400"/>
-              <a:t>Controller</a:t>
-            </a:r>
-          </a:p>
-        </p:txBody>
-      </p:sp>
-      <p:cxnSp>
-        <p:nvCxnSpPr>
-          <p:cNvPr id="43" name="직선 화살표 연결선 42">
-            <a:extLst>
-              <a:ext uri="{FF2B5EF4-FFF2-40B4-BE49-F238E27FC236}">
-                <a16:creationId xmlns:a16="http://schemas.microsoft.com/office/drawing/2014/main" id="{C91A1A8C-888B-4048-AD8F-18B731C301A1}"/>
-              </a:ext>
-            </a:extLst>
-          </p:cNvPr>
-          <p:cNvCxnSpPr>
-            <a:cxnSpLocks/>
-          </p:cNvCxnSpPr>
-          <p:nvPr/>
-        </p:nvCxnSpPr>
-        <p:spPr>
-          <a:xfrm flipH="1">
-            <a:off x="3081804" y="3101563"/>
-            <a:ext cx="1644032" cy="0"/>
-          </a:xfrm>
-          <a:prstGeom prst="straightConnector1">
-            <a:avLst/>
+          <p:cNvPr id="47" name="원호 46">
+            <a:extLst>
+              <a:ext uri="{FF2B5EF4-FFF2-40B4-BE49-F238E27FC236}">
+                <a16:creationId xmlns:a16="http://schemas.microsoft.com/office/drawing/2014/main" id="{0034C7D1-EF2C-4CBD-A08C-E36A1D8C808C}"/>
+              </a:ext>
+            </a:extLst>
+          </p:cNvPr>
+          <p:cNvSpPr/>
+          <p:nvPr/>
+        </p:nvSpPr>
+        <p:spPr>
+          <a:xfrm flipV="1">
+            <a:off x="2586276" y="2863914"/>
+            <a:ext cx="4289980" cy="1239054"/>
+          </a:xfrm>
+          <a:prstGeom prst="arc">
+            <a:avLst>
+              <a:gd name="adj1" fmla="val 10787348"/>
+              <a:gd name="adj2" fmla="val 27559"/>
+            </a:avLst>
           </a:prstGeom>
           <a:ln w="28575">
             <a:solidFill>
@@ -5375,28 +5206,37 @@
             <a:schemeClr val="tx1"/>
           </a:fontRef>
         </p:style>
-      </p:cxnSp>
-      <p:cxnSp>
-        <p:nvCxnSpPr>
-          <p:cNvPr id="45" name="직선 화살표 연결선 44">
-            <a:extLst>
-              <a:ext uri="{FF2B5EF4-FFF2-40B4-BE49-F238E27FC236}">
-                <a16:creationId xmlns:a16="http://schemas.microsoft.com/office/drawing/2014/main" id="{81ECE741-BEE6-4049-BF20-41207C1D4BAB}"/>
-              </a:ext>
-            </a:extLst>
-          </p:cNvPr>
-          <p:cNvCxnSpPr>
-            <a:cxnSpLocks/>
-          </p:cNvCxnSpPr>
-          <p:nvPr/>
-        </p:nvCxnSpPr>
-        <p:spPr>
-          <a:xfrm flipH="1">
-            <a:off x="3081804" y="3401186"/>
-            <a:ext cx="1644032" cy="0"/>
-          </a:xfrm>
-          <a:prstGeom prst="straightConnector1">
-            <a:avLst/>
+        <p:txBody>
+          <a:bodyPr rtlCol="0" anchor="ctr"/>
+          <a:lstStyle/>
+          <a:p>
+            <a:pPr algn="ctr"/>
+            <a:endParaRPr lang="ko-KR" altLang="en-US"/>
+          </a:p>
+        </p:txBody>
+      </p:sp>
+      <p:sp>
+        <p:nvSpPr>
+          <p:cNvPr id="48" name="원호 47">
+            <a:extLst>
+              <a:ext uri="{FF2B5EF4-FFF2-40B4-BE49-F238E27FC236}">
+                <a16:creationId xmlns:a16="http://schemas.microsoft.com/office/drawing/2014/main" id="{F159D891-E03C-4A4E-A5FD-628D136561B6}"/>
+              </a:ext>
+            </a:extLst>
+          </p:cNvPr>
+          <p:cNvSpPr/>
+          <p:nvPr/>
+        </p:nvSpPr>
+        <p:spPr>
+          <a:xfrm flipV="1">
+            <a:off x="1475656" y="2456419"/>
+            <a:ext cx="6480720" cy="1987527"/>
+          </a:xfrm>
+          <a:prstGeom prst="arc">
+            <a:avLst>
+              <a:gd name="adj1" fmla="val 10797061"/>
+              <a:gd name="adj2" fmla="val 6830"/>
+            </a:avLst>
           </a:prstGeom>
           <a:ln w="28575">
             <a:solidFill>
@@ -5420,37 +5260,260 @@
             <a:schemeClr val="tx1"/>
           </a:fontRef>
         </p:style>
-      </p:cxnSp>
+        <p:txBody>
+          <a:bodyPr rtlCol="0" anchor="ctr"/>
+          <a:lstStyle/>
+          <a:p>
+            <a:pPr algn="ctr"/>
+            <a:endParaRPr lang="ko-KR" altLang="en-US"/>
+          </a:p>
+        </p:txBody>
+      </p:sp>
+      <p:sp>
+        <p:nvSpPr>
+          <p:cNvPr id="51" name="TextBox 50">
+            <a:extLst>
+              <a:ext uri="{FF2B5EF4-FFF2-40B4-BE49-F238E27FC236}">
+                <a16:creationId xmlns:a16="http://schemas.microsoft.com/office/drawing/2014/main" id="{3DB123B9-D0C8-4BE2-98C1-96E2D53E63B7}"/>
+              </a:ext>
+            </a:extLst>
+          </p:cNvPr>
+          <p:cNvSpPr txBox="1"/>
+          <p:nvPr/>
+        </p:nvSpPr>
+        <p:spPr>
+          <a:xfrm>
+            <a:off x="4283968" y="2151222"/>
+            <a:ext cx="555280" cy="307777"/>
+          </a:xfrm>
+          <a:prstGeom prst="rect">
+            <a:avLst/>
+          </a:prstGeom>
+          <a:noFill/>
+        </p:spPr>
+        <p:txBody>
+          <a:bodyPr wrap="none" rtlCol="0">
+            <a:spAutoFit/>
+          </a:bodyPr>
+          <a:lstStyle/>
+          <a:p>
+            <a:r>
+              <a:rPr lang="en-US" altLang="ko-KR" sz="1400"/>
+              <a:t>Sync</a:t>
+            </a:r>
+            <a:endParaRPr lang="ko-KR" altLang="en-US" sz="1400"/>
+          </a:p>
+        </p:txBody>
+      </p:sp>
+      <p:sp>
+        <p:nvSpPr>
+          <p:cNvPr id="52" name="TextBox 51">
+            <a:extLst>
+              <a:ext uri="{FF2B5EF4-FFF2-40B4-BE49-F238E27FC236}">
+                <a16:creationId xmlns:a16="http://schemas.microsoft.com/office/drawing/2014/main" id="{E4C2FABD-15BD-44C1-8FA1-6D70BE8D1034}"/>
+              </a:ext>
+            </a:extLst>
+          </p:cNvPr>
+          <p:cNvSpPr txBox="1"/>
+          <p:nvPr/>
+        </p:nvSpPr>
+        <p:spPr>
+          <a:xfrm>
+            <a:off x="4555091" y="2868561"/>
+            <a:ext cx="584775" cy="307777"/>
+          </a:xfrm>
+          <a:prstGeom prst="rect">
+            <a:avLst/>
+          </a:prstGeom>
+          <a:noFill/>
+        </p:spPr>
+        <p:txBody>
+          <a:bodyPr wrap="none" rtlCol="0">
+            <a:spAutoFit/>
+          </a:bodyPr>
+          <a:lstStyle/>
+          <a:p>
+            <a:r>
+              <a:rPr lang="en-US" altLang="ko-KR" sz="1400"/>
+              <a:t>Read</a:t>
+            </a:r>
+            <a:endParaRPr lang="ko-KR" altLang="en-US" sz="1400"/>
+          </a:p>
+        </p:txBody>
+      </p:sp>
+      <p:sp>
+        <p:nvSpPr>
+          <p:cNvPr id="53" name="TextBox 52">
+            <a:extLst>
+              <a:ext uri="{FF2B5EF4-FFF2-40B4-BE49-F238E27FC236}">
+                <a16:creationId xmlns:a16="http://schemas.microsoft.com/office/drawing/2014/main" id="{ACE18D3D-EF44-47E7-BBDE-D95699AB0CAD}"/>
+              </a:ext>
+            </a:extLst>
+          </p:cNvPr>
+          <p:cNvSpPr txBox="1"/>
+          <p:nvPr/>
+        </p:nvSpPr>
+        <p:spPr>
+          <a:xfrm>
+            <a:off x="4883480" y="2165980"/>
+            <a:ext cx="622414" cy="307777"/>
+          </a:xfrm>
+          <a:prstGeom prst="rect">
+            <a:avLst/>
+          </a:prstGeom>
+          <a:noFill/>
+        </p:spPr>
+        <p:txBody>
+          <a:bodyPr wrap="none" rtlCol="0">
+            <a:spAutoFit/>
+          </a:bodyPr>
+          <a:lstStyle/>
+          <a:p>
+            <a:r>
+              <a:rPr lang="en-US" altLang="ko-KR" sz="1400"/>
+              <a:t>Write</a:t>
+            </a:r>
+            <a:endParaRPr lang="ko-KR" altLang="en-US" sz="1400"/>
+          </a:p>
+        </p:txBody>
+      </p:sp>
+      <p:sp>
+        <p:nvSpPr>
+          <p:cNvPr id="54" name="TextBox 53">
+            <a:extLst>
+              <a:ext uri="{FF2B5EF4-FFF2-40B4-BE49-F238E27FC236}">
+                <a16:creationId xmlns:a16="http://schemas.microsoft.com/office/drawing/2014/main" id="{B83FB188-BED9-4F86-8DB3-C1A258FD1710}"/>
+              </a:ext>
+            </a:extLst>
+          </p:cNvPr>
+          <p:cNvSpPr txBox="1"/>
+          <p:nvPr/>
+        </p:nvSpPr>
+        <p:spPr>
+          <a:xfrm>
+            <a:off x="3613462" y="4443958"/>
+            <a:ext cx="2437527" cy="307777"/>
+          </a:xfrm>
+          <a:prstGeom prst="rect">
+            <a:avLst/>
+          </a:prstGeom>
+          <a:noFill/>
+        </p:spPr>
+        <p:txBody>
+          <a:bodyPr wrap="none" rtlCol="0">
+            <a:spAutoFit/>
+          </a:bodyPr>
+          <a:lstStyle/>
+          <a:p>
+            <a:pPr algn="ctr"/>
+            <a:r>
+              <a:rPr lang="en-US" altLang="ko-KR" sz="1400"/>
+              <a:t>Send CR Name/Namespace</a:t>
+            </a:r>
+            <a:endParaRPr lang="ko-KR" altLang="en-US" sz="1400"/>
+          </a:p>
+        </p:txBody>
+      </p:sp>
+      <p:sp>
+        <p:nvSpPr>
+          <p:cNvPr id="55" name="TextBox 54">
+            <a:extLst>
+              <a:ext uri="{FF2B5EF4-FFF2-40B4-BE49-F238E27FC236}">
+                <a16:creationId xmlns:a16="http://schemas.microsoft.com/office/drawing/2014/main" id="{D07D57EB-3F9B-44E6-A50A-3932AEB297C2}"/>
+              </a:ext>
+            </a:extLst>
+          </p:cNvPr>
+          <p:cNvSpPr txBox="1"/>
+          <p:nvPr/>
+        </p:nvSpPr>
+        <p:spPr>
+          <a:xfrm>
+            <a:off x="2699792" y="1887383"/>
+            <a:ext cx="969341" cy="307777"/>
+          </a:xfrm>
+          <a:prstGeom prst="rect">
+            <a:avLst/>
+          </a:prstGeom>
+          <a:noFill/>
+        </p:spPr>
+        <p:txBody>
+          <a:bodyPr wrap="square" rtlCol="0" anchor="ctr">
+            <a:spAutoFit/>
+          </a:bodyPr>
+          <a:lstStyle/>
+          <a:p>
+            <a:pPr algn="ctr"/>
+            <a:r>
+              <a:rPr lang="en-US" altLang="ko-KR" sz="1400"/>
+              <a:t>Watch CR</a:t>
+            </a:r>
+          </a:p>
+        </p:txBody>
+      </p:sp>
+      <p:sp>
+        <p:nvSpPr>
+          <p:cNvPr id="57" name="TextBox 56">
+            <a:extLst>
+              <a:ext uri="{FF2B5EF4-FFF2-40B4-BE49-F238E27FC236}">
+                <a16:creationId xmlns:a16="http://schemas.microsoft.com/office/drawing/2014/main" id="{2087AD6B-8771-41A9-9952-B3AA7628C1EC}"/>
+              </a:ext>
+            </a:extLst>
+          </p:cNvPr>
+          <p:cNvSpPr txBox="1"/>
+          <p:nvPr/>
+        </p:nvSpPr>
+        <p:spPr>
+          <a:xfrm>
+            <a:off x="3446269" y="4064173"/>
+            <a:ext cx="2771914" cy="307777"/>
+          </a:xfrm>
+          <a:prstGeom prst="rect">
+            <a:avLst/>
+          </a:prstGeom>
+          <a:noFill/>
+        </p:spPr>
+        <p:txBody>
+          <a:bodyPr wrap="none" rtlCol="0">
+            <a:spAutoFit/>
+          </a:bodyPr>
+          <a:lstStyle/>
+          <a:p>
+            <a:pPr algn="ctr"/>
+            <a:r>
+              <a:rPr lang="en-US" altLang="ko-KR" sz="1400"/>
+              <a:t>Requeue CR Name/Namespace</a:t>
+            </a:r>
+            <a:endParaRPr lang="ko-KR" altLang="en-US" sz="1400"/>
+          </a:p>
+        </p:txBody>
+      </p:sp>
       <p:cxnSp>
         <p:nvCxnSpPr>
-          <p:cNvPr id="56" name="직선 화살표 연결선 55">
-            <a:extLst>
-              <a:ext uri="{FF2B5EF4-FFF2-40B4-BE49-F238E27FC236}">
-                <a16:creationId xmlns:a16="http://schemas.microsoft.com/office/drawing/2014/main" id="{A5693673-5567-415E-99D4-BEE3DA975698}"/>
+          <p:cNvPr id="5" name="직선 연결선 4">
+            <a:extLst>
+              <a:ext uri="{FF2B5EF4-FFF2-40B4-BE49-F238E27FC236}">
+                <a16:creationId xmlns:a16="http://schemas.microsoft.com/office/drawing/2014/main" id="{79057BA3-7878-4874-9872-862604216170}"/>
               </a:ext>
             </a:extLst>
           </p:cNvPr>
           <p:cNvCxnSpPr>
             <a:cxnSpLocks/>
-            <a:stCxn id="26" idx="0"/>
-            <a:endCxn id="29" idx="2"/>
           </p:cNvCxnSpPr>
           <p:nvPr/>
         </p:nvCxnSpPr>
         <p:spPr>
-          <a:xfrm flipV="1">
-            <a:off x="2404651" y="2139702"/>
-            <a:ext cx="792088" cy="722768"/>
-          </a:xfrm>
-          <a:prstGeom prst="straightConnector1">
+          <a:xfrm>
+            <a:off x="327835" y="2571750"/>
+            <a:ext cx="8132597" cy="0"/>
+          </a:xfrm>
+          <a:prstGeom prst="line">
             <a:avLst/>
           </a:prstGeom>
           <a:ln w="28575">
             <a:solidFill>
               <a:schemeClr val="tx1"/>
             </a:solidFill>
-            <a:headEnd type="none" w="med" len="med"/>
-            <a:tailEnd type="arrow" w="med" len="med"/>
+            <a:prstDash val="dash"/>
           </a:ln>
         </p:spPr>
         <p:style>
@@ -5470,10 +5533,10 @@
       </p:cxnSp>
       <p:sp>
         <p:nvSpPr>
-          <p:cNvPr id="59" name="TextBox 58">
-            <a:extLst>
-              <a:ext uri="{FF2B5EF4-FFF2-40B4-BE49-F238E27FC236}">
-                <a16:creationId xmlns:a16="http://schemas.microsoft.com/office/drawing/2014/main" id="{177D8963-3ED7-4F81-A792-7125D6E9239A}"/>
+          <p:cNvPr id="25" name="TextBox 24">
+            <a:extLst>
+              <a:ext uri="{FF2B5EF4-FFF2-40B4-BE49-F238E27FC236}">
+                <a16:creationId xmlns:a16="http://schemas.microsoft.com/office/drawing/2014/main" id="{86EBF743-A613-40CD-A4ED-EFBBDAE527CA}"/>
               </a:ext>
             </a:extLst>
           </p:cNvPr>
@@ -5482,8 +5545,8 @@
         </p:nvSpPr>
         <p:spPr>
           <a:xfrm>
-            <a:off x="4427984" y="1254931"/>
-            <a:ext cx="501419" cy="276999"/>
+            <a:off x="290710" y="2643758"/>
+            <a:ext cx="991618" cy="523220"/>
           </a:xfrm>
           <a:prstGeom prst="rect">
             <a:avLst/>
@@ -5491,167 +5554,30 @@
           <a:noFill/>
         </p:spPr>
         <p:txBody>
-          <a:bodyPr wrap="none" rtlCol="0">
+          <a:bodyPr wrap="none" rtlCol="0" anchor="ctr">
             <a:spAutoFit/>
           </a:bodyPr>
           <a:lstStyle/>
           <a:p>
-            <a:r>
-              <a:rPr lang="en-US" altLang="ko-KR" sz="1200"/>
-              <a:t>Sync</a:t>
-            </a:r>
-            <a:endParaRPr lang="ko-KR" altLang="en-US" sz="1200"/>
-          </a:p>
-        </p:txBody>
-      </p:sp>
-      <p:sp>
-        <p:nvSpPr>
-          <p:cNvPr id="60" name="TextBox 59">
-            <a:extLst>
-              <a:ext uri="{FF2B5EF4-FFF2-40B4-BE49-F238E27FC236}">
-                <a16:creationId xmlns:a16="http://schemas.microsoft.com/office/drawing/2014/main" id="{68C3E641-9056-4F35-AEE1-AE42546353EC}"/>
-              </a:ext>
-            </a:extLst>
-          </p:cNvPr>
-          <p:cNvSpPr txBox="1"/>
-          <p:nvPr/>
-        </p:nvSpPr>
-        <p:spPr>
-          <a:xfrm>
-            <a:off x="2172856" y="2255843"/>
-            <a:ext cx="742960" cy="276999"/>
-          </a:xfrm>
-          <a:prstGeom prst="rect">
-            <a:avLst/>
-          </a:prstGeom>
-          <a:noFill/>
-        </p:spPr>
-        <p:txBody>
-          <a:bodyPr wrap="none" rtlCol="0">
-            <a:spAutoFit/>
-          </a:bodyPr>
-          <a:lstStyle/>
-          <a:p>
-            <a:r>
-              <a:rPr lang="en-US" altLang="ko-KR" sz="1200"/>
-              <a:t>Register</a:t>
-            </a:r>
-            <a:endParaRPr lang="ko-KR" altLang="en-US" sz="1200"/>
-          </a:p>
-        </p:txBody>
-      </p:sp>
-      <p:sp>
-        <p:nvSpPr>
-          <p:cNvPr id="61" name="TextBox 60">
-            <a:extLst>
-              <a:ext uri="{FF2B5EF4-FFF2-40B4-BE49-F238E27FC236}">
-                <a16:creationId xmlns:a16="http://schemas.microsoft.com/office/drawing/2014/main" id="{CDD0CA14-C561-4491-97B4-355D550EE7AB}"/>
-              </a:ext>
-            </a:extLst>
-          </p:cNvPr>
-          <p:cNvSpPr txBox="1"/>
-          <p:nvPr/>
-        </p:nvSpPr>
-        <p:spPr>
-          <a:xfrm>
-            <a:off x="3970552" y="1790623"/>
-            <a:ext cx="529440" cy="276999"/>
-          </a:xfrm>
-          <a:prstGeom prst="rect">
-            <a:avLst/>
-          </a:prstGeom>
-          <a:noFill/>
-        </p:spPr>
-        <p:txBody>
-          <a:bodyPr wrap="none" rtlCol="0">
-            <a:spAutoFit/>
-          </a:bodyPr>
-          <a:lstStyle/>
-          <a:p>
-            <a:r>
-              <a:rPr lang="en-US" altLang="ko-KR" sz="1200"/>
-              <a:t>Read</a:t>
-            </a:r>
-            <a:endParaRPr lang="ko-KR" altLang="en-US" sz="1200"/>
-          </a:p>
-        </p:txBody>
-      </p:sp>
-      <p:sp>
-        <p:nvSpPr>
-          <p:cNvPr id="62" name="TextBox 61">
-            <a:extLst>
-              <a:ext uri="{FF2B5EF4-FFF2-40B4-BE49-F238E27FC236}">
-                <a16:creationId xmlns:a16="http://schemas.microsoft.com/office/drawing/2014/main" id="{CCF50FF6-2288-4B7E-B12A-45F0BA97809C}"/>
-              </a:ext>
-            </a:extLst>
-          </p:cNvPr>
-          <p:cNvSpPr txBox="1"/>
-          <p:nvPr/>
-        </p:nvSpPr>
-        <p:spPr>
-          <a:xfrm>
-            <a:off x="6393022" y="2191946"/>
-            <a:ext cx="558486" cy="276999"/>
-          </a:xfrm>
-          <a:prstGeom prst="rect">
-            <a:avLst/>
-          </a:prstGeom>
-          <a:noFill/>
-        </p:spPr>
-        <p:txBody>
-          <a:bodyPr wrap="none" rtlCol="0">
-            <a:spAutoFit/>
-          </a:bodyPr>
-          <a:lstStyle/>
-          <a:p>
-            <a:r>
-              <a:rPr lang="en-US" altLang="ko-KR" sz="1200"/>
-              <a:t>Write</a:t>
-            </a:r>
-            <a:endParaRPr lang="ko-KR" altLang="en-US" sz="1200"/>
-          </a:p>
-        </p:txBody>
-      </p:sp>
-      <p:sp>
-        <p:nvSpPr>
-          <p:cNvPr id="63" name="TextBox 62">
-            <a:extLst>
-              <a:ext uri="{FF2B5EF4-FFF2-40B4-BE49-F238E27FC236}">
-                <a16:creationId xmlns:a16="http://schemas.microsoft.com/office/drawing/2014/main" id="{C1696F7D-C396-4767-819A-A0D88E0C01A3}"/>
-              </a:ext>
-            </a:extLst>
-          </p:cNvPr>
-          <p:cNvSpPr txBox="1"/>
-          <p:nvPr/>
-        </p:nvSpPr>
-        <p:spPr>
-          <a:xfrm>
-            <a:off x="3346338" y="2211710"/>
-            <a:ext cx="865622" cy="276999"/>
-          </a:xfrm>
-          <a:prstGeom prst="rect">
-            <a:avLst/>
-          </a:prstGeom>
-          <a:noFill/>
-        </p:spPr>
-        <p:txBody>
-          <a:bodyPr wrap="none" rtlCol="0">
-            <a:spAutoFit/>
-          </a:bodyPr>
-          <a:lstStyle/>
-          <a:p>
-            <a:r>
-              <a:rPr lang="en-US" altLang="ko-KR" sz="1200"/>
-              <a:t>Watch CR</a:t>
-            </a:r>
-            <a:endParaRPr lang="ko-KR" altLang="en-US" sz="1200"/>
+            <a:pPr algn="ctr"/>
+            <a:r>
+              <a:rPr lang="en-US" altLang="ko-KR" sz="1400"/>
+              <a:t>K8s</a:t>
+            </a:r>
+          </a:p>
+          <a:p>
+            <a:pPr algn="ctr"/>
+            <a:r>
+              <a:rPr lang="en-US" altLang="ko-KR" sz="1400"/>
+              <a:t>Controller</a:t>
+            </a:r>
           </a:p>
         </p:txBody>
       </p:sp>
     </p:spTree>
     <p:extLst>
       <p:ext uri="{BB962C8B-B14F-4D97-AF65-F5344CB8AC3E}">
-        <p14:creationId xmlns:p14="http://schemas.microsoft.com/office/powerpoint/2010/main" val="3828610783"/>
+        <p14:creationId xmlns:p14="http://schemas.microsoft.com/office/powerpoint/2010/main" val="1521896078"/>
       </p:ext>
     </p:extLst>
   </p:cSld>
@@ -5692,6 +5618,1161 @@
         </p:nvSpPr>
         <p:spPr>
           <a:xfrm>
+            <a:off x="2411760" y="1062270"/>
+            <a:ext cx="1569958" cy="1077432"/>
+          </a:xfrm>
+          <a:prstGeom prst="roundRect">
+            <a:avLst>
+              <a:gd name="adj" fmla="val 7564"/>
+            </a:avLst>
+          </a:prstGeom>
+        </p:spPr>
+        <p:style>
+          <a:lnRef idx="2">
+            <a:schemeClr val="dk1"/>
+          </a:lnRef>
+          <a:fillRef idx="1">
+            <a:schemeClr val="lt1"/>
+          </a:fillRef>
+          <a:effectRef idx="0">
+            <a:schemeClr val="dk1"/>
+          </a:effectRef>
+          <a:fontRef idx="minor">
+            <a:schemeClr val="dk1"/>
+          </a:fontRef>
+        </p:style>
+        <p:txBody>
+          <a:bodyPr rtlCol="0" anchor="b"/>
+          <a:lstStyle/>
+          <a:p>
+            <a:pPr algn="ctr"/>
+            <a:r>
+              <a:rPr lang="en-US" altLang="ko-KR" sz="1400" b="1"/>
+              <a:t>Manager Pkg</a:t>
+            </a:r>
+            <a:endParaRPr lang="ko-KR" altLang="en-US" sz="1400" b="1"/>
+          </a:p>
+        </p:txBody>
+      </p:sp>
+      <p:sp>
+        <p:nvSpPr>
+          <p:cNvPr id="2" name="제목 1">
+            <a:extLst>
+              <a:ext uri="{FF2B5EF4-FFF2-40B4-BE49-F238E27FC236}">
+                <a16:creationId xmlns:a16="http://schemas.microsoft.com/office/drawing/2014/main" id="{863C5E05-8BC5-4B38-914D-CA849AA890EB}"/>
+              </a:ext>
+            </a:extLst>
+          </p:cNvPr>
+          <p:cNvSpPr>
+            <a:spLocks noGrp="1"/>
+          </p:cNvSpPr>
+          <p:nvPr>
+            <p:ph type="title"/>
+          </p:nvPr>
+        </p:nvSpPr>
+        <p:spPr>
+          <a:xfrm>
+            <a:off x="457200" y="-20538"/>
+            <a:ext cx="8229600" cy="857250"/>
+          </a:xfrm>
+        </p:spPr>
+        <p:txBody>
+          <a:bodyPr/>
+          <a:lstStyle/>
+          <a:p>
+            <a:r>
+              <a:rPr lang="en-US" altLang="ko-KR"/>
+              <a:t>Controller, Reconciler</a:t>
+            </a:r>
+            <a:endParaRPr lang="ko-KR" altLang="en-US"/>
+          </a:p>
+        </p:txBody>
+      </p:sp>
+      <p:sp>
+        <p:nvSpPr>
+          <p:cNvPr id="4" name="사각형: 둥근 모서리 3">
+            <a:extLst>
+              <a:ext uri="{FF2B5EF4-FFF2-40B4-BE49-F238E27FC236}">
+                <a16:creationId xmlns:a16="http://schemas.microsoft.com/office/drawing/2014/main" id="{386F61B5-5413-4E5F-8581-D2F17DAE5541}"/>
+              </a:ext>
+            </a:extLst>
+          </p:cNvPr>
+          <p:cNvSpPr/>
+          <p:nvPr/>
+        </p:nvSpPr>
+        <p:spPr>
+          <a:xfrm>
+            <a:off x="5364088" y="1289828"/>
+            <a:ext cx="1368152" cy="622315"/>
+          </a:xfrm>
+          <a:prstGeom prst="roundRect">
+            <a:avLst/>
+          </a:prstGeom>
+        </p:spPr>
+        <p:style>
+          <a:lnRef idx="2">
+            <a:schemeClr val="dk1"/>
+          </a:lnRef>
+          <a:fillRef idx="1">
+            <a:schemeClr val="lt1"/>
+          </a:fillRef>
+          <a:effectRef idx="0">
+            <a:schemeClr val="dk1"/>
+          </a:effectRef>
+          <a:fontRef idx="minor">
+            <a:schemeClr val="dk1"/>
+          </a:fontRef>
+        </p:style>
+        <p:txBody>
+          <a:bodyPr rtlCol="0" anchor="ctr"/>
+          <a:lstStyle/>
+          <a:p>
+            <a:pPr algn="ctr"/>
+            <a:r>
+              <a:rPr lang="en-US" altLang="ko-KR" sz="1400"/>
+              <a:t>K8s</a:t>
+            </a:r>
+          </a:p>
+          <a:p>
+            <a:pPr algn="ctr"/>
+            <a:r>
+              <a:rPr lang="en-US" altLang="ko-KR" sz="1400"/>
+              <a:t>API Server</a:t>
+            </a:r>
+            <a:endParaRPr lang="ko-KR" altLang="en-US" sz="1400"/>
+          </a:p>
+        </p:txBody>
+      </p:sp>
+      <p:sp>
+        <p:nvSpPr>
+          <p:cNvPr id="16" name="사각형: 둥근 모서리 15">
+            <a:extLst>
+              <a:ext uri="{FF2B5EF4-FFF2-40B4-BE49-F238E27FC236}">
+                <a16:creationId xmlns:a16="http://schemas.microsoft.com/office/drawing/2014/main" id="{A1B813EE-80F6-42C1-916E-4AB46A459F34}"/>
+              </a:ext>
+            </a:extLst>
+          </p:cNvPr>
+          <p:cNvSpPr/>
+          <p:nvPr/>
+        </p:nvSpPr>
+        <p:spPr>
+          <a:xfrm>
+            <a:off x="4628758" y="2862470"/>
+            <a:ext cx="3039586" cy="1077432"/>
+          </a:xfrm>
+          <a:prstGeom prst="roundRect">
+            <a:avLst>
+              <a:gd name="adj" fmla="val 7564"/>
+            </a:avLst>
+          </a:prstGeom>
+        </p:spPr>
+        <p:style>
+          <a:lnRef idx="2">
+            <a:schemeClr val="dk1"/>
+          </a:lnRef>
+          <a:fillRef idx="1">
+            <a:schemeClr val="lt1"/>
+          </a:fillRef>
+          <a:effectRef idx="0">
+            <a:schemeClr val="dk1"/>
+          </a:effectRef>
+          <a:fontRef idx="minor">
+            <a:schemeClr val="dk1"/>
+          </a:fontRef>
+        </p:style>
+        <p:txBody>
+          <a:bodyPr rtlCol="0" anchor="b"/>
+          <a:lstStyle/>
+          <a:p>
+            <a:pPr algn="ctr"/>
+            <a:r>
+              <a:rPr lang="en-US" altLang="ko-KR" sz="1400" b="1"/>
+              <a:t>Reconciler Pkg</a:t>
+            </a:r>
+            <a:endParaRPr lang="ko-KR" altLang="en-US" sz="1400" b="1"/>
+          </a:p>
+        </p:txBody>
+      </p:sp>
+      <p:sp>
+        <p:nvSpPr>
+          <p:cNvPr id="21" name="사각형: 둥근 모서리 20">
+            <a:extLst>
+              <a:ext uri="{FF2B5EF4-FFF2-40B4-BE49-F238E27FC236}">
+                <a16:creationId xmlns:a16="http://schemas.microsoft.com/office/drawing/2014/main" id="{5BA72481-834B-4E61-A1D8-A193E7E606EE}"/>
+              </a:ext>
+            </a:extLst>
+          </p:cNvPr>
+          <p:cNvSpPr/>
+          <p:nvPr/>
+        </p:nvSpPr>
+        <p:spPr>
+          <a:xfrm>
+            <a:off x="6204637" y="2950321"/>
+            <a:ext cx="1368152" cy="622316"/>
+          </a:xfrm>
+          <a:prstGeom prst="roundRect">
+            <a:avLst>
+              <a:gd name="adj" fmla="val 12994"/>
+            </a:avLst>
+          </a:prstGeom>
+        </p:spPr>
+        <p:style>
+          <a:lnRef idx="2">
+            <a:schemeClr val="dk1"/>
+          </a:lnRef>
+          <a:fillRef idx="1">
+            <a:schemeClr val="lt1"/>
+          </a:fillRef>
+          <a:effectRef idx="0">
+            <a:schemeClr val="dk1"/>
+          </a:effectRef>
+          <a:fontRef idx="minor">
+            <a:schemeClr val="dk1"/>
+          </a:fontRef>
+        </p:style>
+        <p:txBody>
+          <a:bodyPr rtlCol="0" anchor="ctr"/>
+          <a:lstStyle/>
+          <a:p>
+            <a:pPr algn="ctr"/>
+            <a:r>
+              <a:rPr lang="en-US" altLang="ko-KR" sz="1400"/>
+              <a:t>Manager’s</a:t>
+            </a:r>
+          </a:p>
+          <a:p>
+            <a:pPr algn="ctr"/>
+            <a:r>
+              <a:rPr lang="en-US" altLang="ko-KR" sz="1400"/>
+              <a:t>K8s Client</a:t>
+            </a:r>
+            <a:endParaRPr lang="ko-KR" altLang="en-US" sz="1400"/>
+          </a:p>
+        </p:txBody>
+      </p:sp>
+      <p:sp>
+        <p:nvSpPr>
+          <p:cNvPr id="23" name="사각형: 둥근 모서리 22">
+            <a:extLst>
+              <a:ext uri="{FF2B5EF4-FFF2-40B4-BE49-F238E27FC236}">
+                <a16:creationId xmlns:a16="http://schemas.microsoft.com/office/drawing/2014/main" id="{534A9358-2212-45CE-96D2-6078B35950DC}"/>
+              </a:ext>
+            </a:extLst>
+          </p:cNvPr>
+          <p:cNvSpPr/>
+          <p:nvPr/>
+        </p:nvSpPr>
+        <p:spPr>
+          <a:xfrm>
+            <a:off x="4725836" y="2950321"/>
+            <a:ext cx="1368152" cy="622316"/>
+          </a:xfrm>
+          <a:prstGeom prst="roundRect">
+            <a:avLst>
+              <a:gd name="adj" fmla="val 12994"/>
+            </a:avLst>
+          </a:prstGeom>
+        </p:spPr>
+        <p:style>
+          <a:lnRef idx="2">
+            <a:schemeClr val="dk1"/>
+          </a:lnRef>
+          <a:fillRef idx="1">
+            <a:schemeClr val="lt1"/>
+          </a:fillRef>
+          <a:effectRef idx="0">
+            <a:schemeClr val="dk1"/>
+          </a:effectRef>
+          <a:fontRef idx="minor">
+            <a:schemeClr val="dk1"/>
+          </a:fontRef>
+        </p:style>
+        <p:txBody>
+          <a:bodyPr rtlCol="0" anchor="ctr"/>
+          <a:lstStyle/>
+          <a:p>
+            <a:pPr algn="ctr"/>
+            <a:r>
+              <a:rPr lang="en-US" altLang="ko-KR" sz="1400"/>
+              <a:t>Reconcile Loop</a:t>
+            </a:r>
+            <a:endParaRPr lang="ko-KR" altLang="en-US" sz="1400"/>
+          </a:p>
+        </p:txBody>
+      </p:sp>
+      <p:sp>
+        <p:nvSpPr>
+          <p:cNvPr id="26" name="사각형: 둥근 모서리 25">
+            <a:extLst>
+              <a:ext uri="{FF2B5EF4-FFF2-40B4-BE49-F238E27FC236}">
+                <a16:creationId xmlns:a16="http://schemas.microsoft.com/office/drawing/2014/main" id="{8AB6C791-67FA-4BF1-8626-6C1E3A51C502}"/>
+              </a:ext>
+            </a:extLst>
+          </p:cNvPr>
+          <p:cNvSpPr/>
+          <p:nvPr/>
+        </p:nvSpPr>
+        <p:spPr>
+          <a:xfrm>
+            <a:off x="1619672" y="2862470"/>
+            <a:ext cx="1569958" cy="1077432"/>
+          </a:xfrm>
+          <a:prstGeom prst="roundRect">
+            <a:avLst>
+              <a:gd name="adj" fmla="val 7564"/>
+            </a:avLst>
+          </a:prstGeom>
+        </p:spPr>
+        <p:style>
+          <a:lnRef idx="2">
+            <a:schemeClr val="dk1"/>
+          </a:lnRef>
+          <a:fillRef idx="1">
+            <a:schemeClr val="lt1"/>
+          </a:fillRef>
+          <a:effectRef idx="0">
+            <a:schemeClr val="dk1"/>
+          </a:effectRef>
+          <a:fontRef idx="minor">
+            <a:schemeClr val="dk1"/>
+          </a:fontRef>
+        </p:style>
+        <p:txBody>
+          <a:bodyPr rtlCol="0" anchor="b"/>
+          <a:lstStyle/>
+          <a:p>
+            <a:pPr algn="ctr"/>
+            <a:r>
+              <a:rPr lang="en-US" altLang="ko-KR" sz="1400" b="1"/>
+              <a:t>Controller Pkg</a:t>
+            </a:r>
+            <a:endParaRPr lang="ko-KR" altLang="en-US" sz="1400" b="1"/>
+          </a:p>
+        </p:txBody>
+      </p:sp>
+      <p:sp>
+        <p:nvSpPr>
+          <p:cNvPr id="27" name="사각형: 둥근 모서리 26">
+            <a:extLst>
+              <a:ext uri="{FF2B5EF4-FFF2-40B4-BE49-F238E27FC236}">
+                <a16:creationId xmlns:a16="http://schemas.microsoft.com/office/drawing/2014/main" id="{F0FD2BDB-2B47-49DD-A5EF-C36AB8E6D022}"/>
+              </a:ext>
+            </a:extLst>
+          </p:cNvPr>
+          <p:cNvSpPr/>
+          <p:nvPr/>
+        </p:nvSpPr>
+        <p:spPr>
+          <a:xfrm>
+            <a:off x="1713652" y="2950321"/>
+            <a:ext cx="1368152" cy="622316"/>
+          </a:xfrm>
+          <a:prstGeom prst="roundRect">
+            <a:avLst>
+              <a:gd name="adj" fmla="val 12994"/>
+            </a:avLst>
+          </a:prstGeom>
+        </p:spPr>
+        <p:style>
+          <a:lnRef idx="2">
+            <a:schemeClr val="dk1"/>
+          </a:lnRef>
+          <a:fillRef idx="1">
+            <a:schemeClr val="lt1"/>
+          </a:fillRef>
+          <a:effectRef idx="0">
+            <a:schemeClr val="dk1"/>
+          </a:effectRef>
+          <a:fontRef idx="minor">
+            <a:schemeClr val="dk1"/>
+          </a:fontRef>
+        </p:style>
+        <p:txBody>
+          <a:bodyPr rtlCol="0" anchor="ctr"/>
+          <a:lstStyle/>
+          <a:p>
+            <a:pPr algn="ctr"/>
+            <a:r>
+              <a:rPr lang="en-US" altLang="ko-KR" sz="1400"/>
+              <a:t>Worker Queue</a:t>
+            </a:r>
+            <a:endParaRPr lang="ko-KR" altLang="en-US" sz="1400"/>
+          </a:p>
+        </p:txBody>
+      </p:sp>
+      <p:sp>
+        <p:nvSpPr>
+          <p:cNvPr id="28" name="사각형: 둥근 모서리 27">
+            <a:extLst>
+              <a:ext uri="{FF2B5EF4-FFF2-40B4-BE49-F238E27FC236}">
+                <a16:creationId xmlns:a16="http://schemas.microsoft.com/office/drawing/2014/main" id="{E4D8DB64-BCBF-4901-A55E-778542BB6549}"/>
+              </a:ext>
+            </a:extLst>
+          </p:cNvPr>
+          <p:cNvSpPr/>
+          <p:nvPr/>
+        </p:nvSpPr>
+        <p:spPr>
+          <a:xfrm>
+            <a:off x="2513422" y="1150121"/>
+            <a:ext cx="1368152" cy="622316"/>
+          </a:xfrm>
+          <a:prstGeom prst="roundRect">
+            <a:avLst>
+              <a:gd name="adj" fmla="val 12994"/>
+            </a:avLst>
+          </a:prstGeom>
+        </p:spPr>
+        <p:style>
+          <a:lnRef idx="2">
+            <a:schemeClr val="dk1"/>
+          </a:lnRef>
+          <a:fillRef idx="1">
+            <a:schemeClr val="lt1"/>
+          </a:fillRef>
+          <a:effectRef idx="0">
+            <a:schemeClr val="dk1"/>
+          </a:effectRef>
+          <a:fontRef idx="minor">
+            <a:schemeClr val="dk1"/>
+          </a:fontRef>
+        </p:style>
+        <p:txBody>
+          <a:bodyPr rtlCol="0" anchor="ctr"/>
+          <a:lstStyle/>
+          <a:p>
+            <a:pPr algn="ctr"/>
+            <a:r>
+              <a:rPr lang="en-US" altLang="ko-KR" sz="1400"/>
+              <a:t>Cache</a:t>
+            </a:r>
+            <a:endParaRPr lang="ko-KR" altLang="en-US" sz="1400"/>
+          </a:p>
+        </p:txBody>
+      </p:sp>
+      <p:cxnSp>
+        <p:nvCxnSpPr>
+          <p:cNvPr id="33" name="직선 화살표 연결선 32">
+            <a:extLst>
+              <a:ext uri="{FF2B5EF4-FFF2-40B4-BE49-F238E27FC236}">
+                <a16:creationId xmlns:a16="http://schemas.microsoft.com/office/drawing/2014/main" id="{0CE42314-F022-41CD-833B-DFE2063EE64B}"/>
+              </a:ext>
+            </a:extLst>
+          </p:cNvPr>
+          <p:cNvCxnSpPr>
+            <a:stCxn id="4" idx="2"/>
+            <a:endCxn id="27" idx="0"/>
+          </p:cNvCxnSpPr>
+          <p:nvPr/>
+        </p:nvCxnSpPr>
+        <p:spPr>
+          <a:xfrm flipH="1">
+            <a:off x="2397728" y="1912143"/>
+            <a:ext cx="3650436" cy="1038178"/>
+          </a:xfrm>
+          <a:prstGeom prst="straightConnector1">
+            <a:avLst/>
+          </a:prstGeom>
+          <a:ln w="28575">
+            <a:solidFill>
+              <a:schemeClr val="tx1"/>
+            </a:solidFill>
+            <a:headEnd type="arrow" w="med" len="med"/>
+            <a:tailEnd type="none" w="med" len="med"/>
+          </a:ln>
+        </p:spPr>
+        <p:style>
+          <a:lnRef idx="1">
+            <a:schemeClr val="accent1"/>
+          </a:lnRef>
+          <a:fillRef idx="0">
+            <a:schemeClr val="accent1"/>
+          </a:fillRef>
+          <a:effectRef idx="0">
+            <a:schemeClr val="accent1"/>
+          </a:effectRef>
+          <a:fontRef idx="minor">
+            <a:schemeClr val="tx1"/>
+          </a:fontRef>
+        </p:style>
+      </p:cxnSp>
+      <p:cxnSp>
+        <p:nvCxnSpPr>
+          <p:cNvPr id="34" name="직선 화살표 연결선 33">
+            <a:extLst>
+              <a:ext uri="{FF2B5EF4-FFF2-40B4-BE49-F238E27FC236}">
+                <a16:creationId xmlns:a16="http://schemas.microsoft.com/office/drawing/2014/main" id="{2FE0317D-98E0-494C-8F9F-139D32C85980}"/>
+              </a:ext>
+            </a:extLst>
+          </p:cNvPr>
+          <p:cNvCxnSpPr>
+            <a:cxnSpLocks/>
+            <a:stCxn id="4" idx="1"/>
+            <a:endCxn id="28" idx="3"/>
+          </p:cNvCxnSpPr>
+          <p:nvPr/>
+        </p:nvCxnSpPr>
+        <p:spPr>
+          <a:xfrm flipH="1" flipV="1">
+            <a:off x="3881574" y="1461279"/>
+            <a:ext cx="1482514" cy="139707"/>
+          </a:xfrm>
+          <a:prstGeom prst="straightConnector1">
+            <a:avLst/>
+          </a:prstGeom>
+          <a:ln w="28575">
+            <a:solidFill>
+              <a:schemeClr val="tx1"/>
+            </a:solidFill>
+            <a:headEnd type="none" w="med" len="med"/>
+            <a:tailEnd type="arrow" w="med" len="med"/>
+          </a:ln>
+        </p:spPr>
+        <p:style>
+          <a:lnRef idx="1">
+            <a:schemeClr val="accent1"/>
+          </a:lnRef>
+          <a:fillRef idx="0">
+            <a:schemeClr val="accent1"/>
+          </a:fillRef>
+          <a:effectRef idx="0">
+            <a:schemeClr val="accent1"/>
+          </a:effectRef>
+          <a:fontRef idx="minor">
+            <a:schemeClr val="tx1"/>
+          </a:fontRef>
+        </p:style>
+      </p:cxnSp>
+      <p:cxnSp>
+        <p:nvCxnSpPr>
+          <p:cNvPr id="39" name="직선 화살표 연결선 38">
+            <a:extLst>
+              <a:ext uri="{FF2B5EF4-FFF2-40B4-BE49-F238E27FC236}">
+                <a16:creationId xmlns:a16="http://schemas.microsoft.com/office/drawing/2014/main" id="{191C310B-7535-4349-8BA0-01D65A988EE2}"/>
+              </a:ext>
+            </a:extLst>
+          </p:cNvPr>
+          <p:cNvCxnSpPr>
+            <a:cxnSpLocks/>
+            <a:stCxn id="28" idx="2"/>
+            <a:endCxn id="21" idx="0"/>
+          </p:cNvCxnSpPr>
+          <p:nvPr/>
+        </p:nvCxnSpPr>
+        <p:spPr>
+          <a:xfrm>
+            <a:off x="3197498" y="1772437"/>
+            <a:ext cx="3691215" cy="1177884"/>
+          </a:xfrm>
+          <a:prstGeom prst="straightConnector1">
+            <a:avLst/>
+          </a:prstGeom>
+          <a:ln w="28575">
+            <a:solidFill>
+              <a:schemeClr val="tx1"/>
+            </a:solidFill>
+            <a:headEnd type="none" w="med" len="med"/>
+            <a:tailEnd type="arrow" w="med" len="med"/>
+          </a:ln>
+        </p:spPr>
+        <p:style>
+          <a:lnRef idx="1">
+            <a:schemeClr val="accent1"/>
+          </a:lnRef>
+          <a:fillRef idx="0">
+            <a:schemeClr val="accent1"/>
+          </a:fillRef>
+          <a:effectRef idx="0">
+            <a:schemeClr val="accent1"/>
+          </a:effectRef>
+          <a:fontRef idx="minor">
+            <a:schemeClr val="tx1"/>
+          </a:fontRef>
+        </p:style>
+      </p:cxnSp>
+      <p:cxnSp>
+        <p:nvCxnSpPr>
+          <p:cNvPr id="42" name="직선 화살표 연결선 41">
+            <a:extLst>
+              <a:ext uri="{FF2B5EF4-FFF2-40B4-BE49-F238E27FC236}">
+                <a16:creationId xmlns:a16="http://schemas.microsoft.com/office/drawing/2014/main" id="{6F4BDF7D-B7CC-4AB2-9614-34D3B7939B45}"/>
+              </a:ext>
+            </a:extLst>
+          </p:cNvPr>
+          <p:cNvCxnSpPr>
+            <a:cxnSpLocks/>
+            <a:stCxn id="21" idx="0"/>
+            <a:endCxn id="4" idx="2"/>
+          </p:cNvCxnSpPr>
+          <p:nvPr/>
+        </p:nvCxnSpPr>
+        <p:spPr>
+          <a:xfrm flipH="1" flipV="1">
+            <a:off x="6048164" y="1912143"/>
+            <a:ext cx="840549" cy="1038178"/>
+          </a:xfrm>
+          <a:prstGeom prst="straightConnector1">
+            <a:avLst/>
+          </a:prstGeom>
+          <a:ln w="28575">
+            <a:solidFill>
+              <a:schemeClr val="tx1"/>
+            </a:solidFill>
+            <a:headEnd type="none" w="med" len="med"/>
+            <a:tailEnd type="arrow" w="med" len="med"/>
+          </a:ln>
+        </p:spPr>
+        <p:style>
+          <a:lnRef idx="1">
+            <a:schemeClr val="accent1"/>
+          </a:lnRef>
+          <a:fillRef idx="0">
+            <a:schemeClr val="accent1"/>
+          </a:fillRef>
+          <a:effectRef idx="0">
+            <a:schemeClr val="accent1"/>
+          </a:effectRef>
+          <a:fontRef idx="minor">
+            <a:schemeClr val="tx1"/>
+          </a:fontRef>
+        </p:style>
+      </p:cxnSp>
+      <p:sp>
+        <p:nvSpPr>
+          <p:cNvPr id="54" name="TextBox 53">
+            <a:extLst>
+              <a:ext uri="{FF2B5EF4-FFF2-40B4-BE49-F238E27FC236}">
+                <a16:creationId xmlns:a16="http://schemas.microsoft.com/office/drawing/2014/main" id="{B83FB188-BED9-4F86-8DB3-C1A258FD1710}"/>
+              </a:ext>
+            </a:extLst>
+          </p:cNvPr>
+          <p:cNvSpPr txBox="1"/>
+          <p:nvPr/>
+        </p:nvSpPr>
+        <p:spPr>
+          <a:xfrm>
+            <a:off x="3185232" y="2631058"/>
+            <a:ext cx="1464888" cy="461665"/>
+          </a:xfrm>
+          <a:prstGeom prst="rect">
+            <a:avLst/>
+          </a:prstGeom>
+          <a:noFill/>
+        </p:spPr>
+        <p:txBody>
+          <a:bodyPr wrap="none" rtlCol="0">
+            <a:spAutoFit/>
+          </a:bodyPr>
+          <a:lstStyle/>
+          <a:p>
+            <a:pPr algn="ctr"/>
+            <a:r>
+              <a:rPr lang="en-US" altLang="ko-KR" sz="1200"/>
+              <a:t>Send CR </a:t>
+            </a:r>
+          </a:p>
+          <a:p>
+            <a:pPr algn="ctr"/>
+            <a:r>
+              <a:rPr lang="en-US" altLang="ko-KR" sz="1200"/>
+              <a:t>Name/Namespace</a:t>
+            </a:r>
+            <a:endParaRPr lang="ko-KR" altLang="en-US" sz="1200"/>
+          </a:p>
+        </p:txBody>
+      </p:sp>
+      <p:sp>
+        <p:nvSpPr>
+          <p:cNvPr id="57" name="TextBox 56">
+            <a:extLst>
+              <a:ext uri="{FF2B5EF4-FFF2-40B4-BE49-F238E27FC236}">
+                <a16:creationId xmlns:a16="http://schemas.microsoft.com/office/drawing/2014/main" id="{2087AD6B-8771-41A9-9952-B3AA7628C1EC}"/>
+              </a:ext>
+            </a:extLst>
+          </p:cNvPr>
+          <p:cNvSpPr txBox="1"/>
+          <p:nvPr/>
+        </p:nvSpPr>
+        <p:spPr>
+          <a:xfrm>
+            <a:off x="3170580" y="3416796"/>
+            <a:ext cx="1464888" cy="461665"/>
+          </a:xfrm>
+          <a:prstGeom prst="rect">
+            <a:avLst/>
+          </a:prstGeom>
+          <a:noFill/>
+        </p:spPr>
+        <p:txBody>
+          <a:bodyPr wrap="none" rtlCol="0">
+            <a:spAutoFit/>
+          </a:bodyPr>
+          <a:lstStyle/>
+          <a:p>
+            <a:pPr algn="ctr"/>
+            <a:r>
+              <a:rPr lang="en-US" altLang="ko-KR" sz="1200"/>
+              <a:t>Requeue CR </a:t>
+            </a:r>
+          </a:p>
+          <a:p>
+            <a:pPr algn="ctr"/>
+            <a:r>
+              <a:rPr lang="en-US" altLang="ko-KR" sz="1200"/>
+              <a:t>Name/Namespace</a:t>
+            </a:r>
+            <a:endParaRPr lang="ko-KR" altLang="en-US" sz="1200"/>
+          </a:p>
+        </p:txBody>
+      </p:sp>
+      <p:cxnSp>
+        <p:nvCxnSpPr>
+          <p:cNvPr id="5" name="직선 연결선 4">
+            <a:extLst>
+              <a:ext uri="{FF2B5EF4-FFF2-40B4-BE49-F238E27FC236}">
+                <a16:creationId xmlns:a16="http://schemas.microsoft.com/office/drawing/2014/main" id="{79057BA3-7878-4874-9872-862604216170}"/>
+              </a:ext>
+            </a:extLst>
+          </p:cNvPr>
+          <p:cNvCxnSpPr>
+            <a:cxnSpLocks/>
+          </p:cNvCxnSpPr>
+          <p:nvPr/>
+        </p:nvCxnSpPr>
+        <p:spPr>
+          <a:xfrm>
+            <a:off x="327835" y="2571750"/>
+            <a:ext cx="8132597" cy="0"/>
+          </a:xfrm>
+          <a:prstGeom prst="line">
+            <a:avLst/>
+          </a:prstGeom>
+          <a:ln w="28575">
+            <a:solidFill>
+              <a:schemeClr val="tx1"/>
+            </a:solidFill>
+            <a:prstDash val="dash"/>
+          </a:ln>
+        </p:spPr>
+        <p:style>
+          <a:lnRef idx="1">
+            <a:schemeClr val="accent1"/>
+          </a:lnRef>
+          <a:fillRef idx="0">
+            <a:schemeClr val="accent1"/>
+          </a:fillRef>
+          <a:effectRef idx="0">
+            <a:schemeClr val="accent1"/>
+          </a:effectRef>
+          <a:fontRef idx="minor">
+            <a:schemeClr val="tx1"/>
+          </a:fontRef>
+        </p:style>
+      </p:cxnSp>
+      <p:sp>
+        <p:nvSpPr>
+          <p:cNvPr id="25" name="TextBox 24">
+            <a:extLst>
+              <a:ext uri="{FF2B5EF4-FFF2-40B4-BE49-F238E27FC236}">
+                <a16:creationId xmlns:a16="http://schemas.microsoft.com/office/drawing/2014/main" id="{86EBF743-A613-40CD-A4ED-EFBBDAE527CA}"/>
+              </a:ext>
+            </a:extLst>
+          </p:cNvPr>
+          <p:cNvSpPr txBox="1"/>
+          <p:nvPr/>
+        </p:nvSpPr>
+        <p:spPr>
+          <a:xfrm>
+            <a:off x="665180" y="2643758"/>
+            <a:ext cx="991618" cy="523220"/>
+          </a:xfrm>
+          <a:prstGeom prst="rect">
+            <a:avLst/>
+          </a:prstGeom>
+          <a:noFill/>
+        </p:spPr>
+        <p:txBody>
+          <a:bodyPr wrap="none" rtlCol="0" anchor="ctr">
+            <a:spAutoFit/>
+          </a:bodyPr>
+          <a:lstStyle/>
+          <a:p>
+            <a:pPr algn="ctr"/>
+            <a:r>
+              <a:rPr lang="en-US" altLang="ko-KR" sz="1400"/>
+              <a:t>K8s</a:t>
+            </a:r>
+          </a:p>
+          <a:p>
+            <a:pPr algn="ctr"/>
+            <a:r>
+              <a:rPr lang="en-US" altLang="ko-KR" sz="1400"/>
+              <a:t>Controller</a:t>
+            </a:r>
+          </a:p>
+        </p:txBody>
+      </p:sp>
+      <p:cxnSp>
+        <p:nvCxnSpPr>
+          <p:cNvPr id="43" name="직선 화살표 연결선 42">
+            <a:extLst>
+              <a:ext uri="{FF2B5EF4-FFF2-40B4-BE49-F238E27FC236}">
+                <a16:creationId xmlns:a16="http://schemas.microsoft.com/office/drawing/2014/main" id="{C91A1A8C-888B-4048-AD8F-18B731C301A1}"/>
+              </a:ext>
+            </a:extLst>
+          </p:cNvPr>
+          <p:cNvCxnSpPr>
+            <a:cxnSpLocks/>
+          </p:cNvCxnSpPr>
+          <p:nvPr/>
+        </p:nvCxnSpPr>
+        <p:spPr>
+          <a:xfrm flipH="1">
+            <a:off x="3081804" y="3101563"/>
+            <a:ext cx="1644032" cy="0"/>
+          </a:xfrm>
+          <a:prstGeom prst="straightConnector1">
+            <a:avLst/>
+          </a:prstGeom>
+          <a:ln w="28575">
+            <a:solidFill>
+              <a:schemeClr val="tx1"/>
+            </a:solidFill>
+            <a:headEnd type="arrow" w="med" len="med"/>
+            <a:tailEnd type="none" w="med" len="med"/>
+          </a:ln>
+        </p:spPr>
+        <p:style>
+          <a:lnRef idx="1">
+            <a:schemeClr val="accent1"/>
+          </a:lnRef>
+          <a:fillRef idx="0">
+            <a:schemeClr val="accent1"/>
+          </a:fillRef>
+          <a:effectRef idx="0">
+            <a:schemeClr val="accent1"/>
+          </a:effectRef>
+          <a:fontRef idx="minor">
+            <a:schemeClr val="tx1"/>
+          </a:fontRef>
+        </p:style>
+      </p:cxnSp>
+      <p:cxnSp>
+        <p:nvCxnSpPr>
+          <p:cNvPr id="45" name="직선 화살표 연결선 44">
+            <a:extLst>
+              <a:ext uri="{FF2B5EF4-FFF2-40B4-BE49-F238E27FC236}">
+                <a16:creationId xmlns:a16="http://schemas.microsoft.com/office/drawing/2014/main" id="{81ECE741-BEE6-4049-BF20-41207C1D4BAB}"/>
+              </a:ext>
+            </a:extLst>
+          </p:cNvPr>
+          <p:cNvCxnSpPr>
+            <a:cxnSpLocks/>
+          </p:cNvCxnSpPr>
+          <p:nvPr/>
+        </p:nvCxnSpPr>
+        <p:spPr>
+          <a:xfrm flipH="1">
+            <a:off x="3081804" y="3401186"/>
+            <a:ext cx="1644032" cy="0"/>
+          </a:xfrm>
+          <a:prstGeom prst="straightConnector1">
+            <a:avLst/>
+          </a:prstGeom>
+          <a:ln w="28575">
+            <a:solidFill>
+              <a:schemeClr val="tx1"/>
+            </a:solidFill>
+            <a:headEnd type="none" w="med" len="med"/>
+            <a:tailEnd type="arrow" w="med" len="med"/>
+          </a:ln>
+        </p:spPr>
+        <p:style>
+          <a:lnRef idx="1">
+            <a:schemeClr val="accent1"/>
+          </a:lnRef>
+          <a:fillRef idx="0">
+            <a:schemeClr val="accent1"/>
+          </a:fillRef>
+          <a:effectRef idx="0">
+            <a:schemeClr val="accent1"/>
+          </a:effectRef>
+          <a:fontRef idx="minor">
+            <a:schemeClr val="tx1"/>
+          </a:fontRef>
+        </p:style>
+      </p:cxnSp>
+      <p:cxnSp>
+        <p:nvCxnSpPr>
+          <p:cNvPr id="56" name="직선 화살표 연결선 55">
+            <a:extLst>
+              <a:ext uri="{FF2B5EF4-FFF2-40B4-BE49-F238E27FC236}">
+                <a16:creationId xmlns:a16="http://schemas.microsoft.com/office/drawing/2014/main" id="{A5693673-5567-415E-99D4-BEE3DA975698}"/>
+              </a:ext>
+            </a:extLst>
+          </p:cNvPr>
+          <p:cNvCxnSpPr>
+            <a:cxnSpLocks/>
+            <a:stCxn id="26" idx="0"/>
+            <a:endCxn id="29" idx="2"/>
+          </p:cNvCxnSpPr>
+          <p:nvPr/>
+        </p:nvCxnSpPr>
+        <p:spPr>
+          <a:xfrm flipV="1">
+            <a:off x="2404651" y="2139702"/>
+            <a:ext cx="792088" cy="722768"/>
+          </a:xfrm>
+          <a:prstGeom prst="straightConnector1">
+            <a:avLst/>
+          </a:prstGeom>
+          <a:ln w="28575">
+            <a:solidFill>
+              <a:schemeClr val="tx1"/>
+            </a:solidFill>
+            <a:headEnd type="none" w="med" len="med"/>
+            <a:tailEnd type="arrow" w="med" len="med"/>
+          </a:ln>
+        </p:spPr>
+        <p:style>
+          <a:lnRef idx="1">
+            <a:schemeClr val="accent1"/>
+          </a:lnRef>
+          <a:fillRef idx="0">
+            <a:schemeClr val="accent1"/>
+          </a:fillRef>
+          <a:effectRef idx="0">
+            <a:schemeClr val="accent1"/>
+          </a:effectRef>
+          <a:fontRef idx="minor">
+            <a:schemeClr val="tx1"/>
+          </a:fontRef>
+        </p:style>
+      </p:cxnSp>
+      <p:sp>
+        <p:nvSpPr>
+          <p:cNvPr id="59" name="TextBox 58">
+            <a:extLst>
+              <a:ext uri="{FF2B5EF4-FFF2-40B4-BE49-F238E27FC236}">
+                <a16:creationId xmlns:a16="http://schemas.microsoft.com/office/drawing/2014/main" id="{177D8963-3ED7-4F81-A792-7125D6E9239A}"/>
+              </a:ext>
+            </a:extLst>
+          </p:cNvPr>
+          <p:cNvSpPr txBox="1"/>
+          <p:nvPr/>
+        </p:nvSpPr>
+        <p:spPr>
+          <a:xfrm>
+            <a:off x="4427984" y="1254931"/>
+            <a:ext cx="501419" cy="276999"/>
+          </a:xfrm>
+          <a:prstGeom prst="rect">
+            <a:avLst/>
+          </a:prstGeom>
+          <a:noFill/>
+        </p:spPr>
+        <p:txBody>
+          <a:bodyPr wrap="none" rtlCol="0">
+            <a:spAutoFit/>
+          </a:bodyPr>
+          <a:lstStyle/>
+          <a:p>
+            <a:r>
+              <a:rPr lang="en-US" altLang="ko-KR" sz="1200"/>
+              <a:t>Sync</a:t>
+            </a:r>
+            <a:endParaRPr lang="ko-KR" altLang="en-US" sz="1200"/>
+          </a:p>
+        </p:txBody>
+      </p:sp>
+      <p:sp>
+        <p:nvSpPr>
+          <p:cNvPr id="60" name="TextBox 59">
+            <a:extLst>
+              <a:ext uri="{FF2B5EF4-FFF2-40B4-BE49-F238E27FC236}">
+                <a16:creationId xmlns:a16="http://schemas.microsoft.com/office/drawing/2014/main" id="{68C3E641-9056-4F35-AEE1-AE42546353EC}"/>
+              </a:ext>
+            </a:extLst>
+          </p:cNvPr>
+          <p:cNvSpPr txBox="1"/>
+          <p:nvPr/>
+        </p:nvSpPr>
+        <p:spPr>
+          <a:xfrm>
+            <a:off x="2172856" y="2255843"/>
+            <a:ext cx="742960" cy="276999"/>
+          </a:xfrm>
+          <a:prstGeom prst="rect">
+            <a:avLst/>
+          </a:prstGeom>
+          <a:noFill/>
+        </p:spPr>
+        <p:txBody>
+          <a:bodyPr wrap="none" rtlCol="0">
+            <a:spAutoFit/>
+          </a:bodyPr>
+          <a:lstStyle/>
+          <a:p>
+            <a:r>
+              <a:rPr lang="en-US" altLang="ko-KR" sz="1200"/>
+              <a:t>Register</a:t>
+            </a:r>
+            <a:endParaRPr lang="ko-KR" altLang="en-US" sz="1200"/>
+          </a:p>
+        </p:txBody>
+      </p:sp>
+      <p:sp>
+        <p:nvSpPr>
+          <p:cNvPr id="61" name="TextBox 60">
+            <a:extLst>
+              <a:ext uri="{FF2B5EF4-FFF2-40B4-BE49-F238E27FC236}">
+                <a16:creationId xmlns:a16="http://schemas.microsoft.com/office/drawing/2014/main" id="{CDD0CA14-C561-4491-97B4-355D550EE7AB}"/>
+              </a:ext>
+            </a:extLst>
+          </p:cNvPr>
+          <p:cNvSpPr txBox="1"/>
+          <p:nvPr/>
+        </p:nvSpPr>
+        <p:spPr>
+          <a:xfrm>
+            <a:off x="3970552" y="1790623"/>
+            <a:ext cx="529440" cy="276999"/>
+          </a:xfrm>
+          <a:prstGeom prst="rect">
+            <a:avLst/>
+          </a:prstGeom>
+          <a:noFill/>
+        </p:spPr>
+        <p:txBody>
+          <a:bodyPr wrap="none" rtlCol="0">
+            <a:spAutoFit/>
+          </a:bodyPr>
+          <a:lstStyle/>
+          <a:p>
+            <a:r>
+              <a:rPr lang="en-US" altLang="ko-KR" sz="1200"/>
+              <a:t>Read</a:t>
+            </a:r>
+            <a:endParaRPr lang="ko-KR" altLang="en-US" sz="1200"/>
+          </a:p>
+        </p:txBody>
+      </p:sp>
+      <p:sp>
+        <p:nvSpPr>
+          <p:cNvPr id="62" name="TextBox 61">
+            <a:extLst>
+              <a:ext uri="{FF2B5EF4-FFF2-40B4-BE49-F238E27FC236}">
+                <a16:creationId xmlns:a16="http://schemas.microsoft.com/office/drawing/2014/main" id="{CCF50FF6-2288-4B7E-B12A-45F0BA97809C}"/>
+              </a:ext>
+            </a:extLst>
+          </p:cNvPr>
+          <p:cNvSpPr txBox="1"/>
+          <p:nvPr/>
+        </p:nvSpPr>
+        <p:spPr>
+          <a:xfrm>
+            <a:off x="6393022" y="2191946"/>
+            <a:ext cx="558486" cy="276999"/>
+          </a:xfrm>
+          <a:prstGeom prst="rect">
+            <a:avLst/>
+          </a:prstGeom>
+          <a:noFill/>
+        </p:spPr>
+        <p:txBody>
+          <a:bodyPr wrap="none" rtlCol="0">
+            <a:spAutoFit/>
+          </a:bodyPr>
+          <a:lstStyle/>
+          <a:p>
+            <a:r>
+              <a:rPr lang="en-US" altLang="ko-KR" sz="1200"/>
+              <a:t>Write</a:t>
+            </a:r>
+            <a:endParaRPr lang="ko-KR" altLang="en-US" sz="1200"/>
+          </a:p>
+        </p:txBody>
+      </p:sp>
+      <p:sp>
+        <p:nvSpPr>
+          <p:cNvPr id="63" name="TextBox 62">
+            <a:extLst>
+              <a:ext uri="{FF2B5EF4-FFF2-40B4-BE49-F238E27FC236}">
+                <a16:creationId xmlns:a16="http://schemas.microsoft.com/office/drawing/2014/main" id="{C1696F7D-C396-4767-819A-A0D88E0C01A3}"/>
+              </a:ext>
+            </a:extLst>
+          </p:cNvPr>
+          <p:cNvSpPr txBox="1"/>
+          <p:nvPr/>
+        </p:nvSpPr>
+        <p:spPr>
+          <a:xfrm>
+            <a:off x="3346338" y="2211710"/>
+            <a:ext cx="865622" cy="276999"/>
+          </a:xfrm>
+          <a:prstGeom prst="rect">
+            <a:avLst/>
+          </a:prstGeom>
+          <a:noFill/>
+        </p:spPr>
+        <p:txBody>
+          <a:bodyPr wrap="none" rtlCol="0">
+            <a:spAutoFit/>
+          </a:bodyPr>
+          <a:lstStyle/>
+          <a:p>
+            <a:r>
+              <a:rPr lang="en-US" altLang="ko-KR" sz="1200"/>
+              <a:t>Watch CR</a:t>
+            </a:r>
+            <a:endParaRPr lang="ko-KR" altLang="en-US" sz="1200"/>
+          </a:p>
+        </p:txBody>
+      </p:sp>
+    </p:spTree>
+    <p:extLst>
+      <p:ext uri="{BB962C8B-B14F-4D97-AF65-F5344CB8AC3E}">
+        <p14:creationId xmlns:p14="http://schemas.microsoft.com/office/powerpoint/2010/main" val="3828610783"/>
+      </p:ext>
+    </p:extLst>
+  </p:cSld>
+  <p:clrMapOvr>
+    <a:masterClrMapping/>
+  </p:clrMapOvr>
+</p:sld>
+</file>
+
+<file path=ppt/slides/slide5.xml><?xml version="1.0" encoding="utf-8"?>
+<p:sld xmlns:a="http://schemas.openxmlformats.org/drawingml/2006/main" xmlns:r="http://schemas.openxmlformats.org/officeDocument/2006/relationships" xmlns:p="http://schemas.openxmlformats.org/presentationml/2006/main">
+  <p:cSld>
+    <p:spTree>
+      <p:nvGrpSpPr>
+        <p:cNvPr id="1" name=""/>
+        <p:cNvGrpSpPr/>
+        <p:nvPr/>
+      </p:nvGrpSpPr>
+      <p:grpSpPr>
+        <a:xfrm>
+          <a:off x="0" y="0"/>
+          <a:ext cx="0" cy="0"/>
+          <a:chOff x="0" y="0"/>
+          <a:chExt cx="0" cy="0"/>
+        </a:xfrm>
+      </p:grpSpPr>
+      <p:sp>
+        <p:nvSpPr>
+          <p:cNvPr id="29" name="사각형: 둥근 모서리 28">
+            <a:extLst>
+              <a:ext uri="{FF2B5EF4-FFF2-40B4-BE49-F238E27FC236}">
+                <a16:creationId xmlns:a16="http://schemas.microsoft.com/office/drawing/2014/main" id="{EC9F67C7-1015-40C8-85B1-1349F483D2AB}"/>
+              </a:ext>
+            </a:extLst>
+          </p:cNvPr>
+          <p:cNvSpPr/>
+          <p:nvPr/>
+        </p:nvSpPr>
+        <p:spPr>
+          <a:xfrm>
             <a:off x="2937416" y="2764705"/>
             <a:ext cx="1569958" cy="1077432"/>
           </a:xfrm>
@@ -6737,7 +7818,7 @@
 </p:sld>
 </file>
 
-<file path=ppt/slides/slide5.xml><?xml version="1.0" encoding="utf-8"?>
+<file path=ppt/slides/slide6.xml><?xml version="1.0" encoding="utf-8"?>
 <p:sld xmlns:a="http://schemas.openxmlformats.org/drawingml/2006/main" xmlns:r="http://schemas.openxmlformats.org/officeDocument/2006/relationships" xmlns:p="http://schemas.openxmlformats.org/presentationml/2006/main">
   <p:cSld>
     <p:spTree>

--- a/images/programming/Kubernetes_Operator_SDK_Golang/Kubernetes_Operator_SDK_Golang.pptx
+++ b/images/programming/Kubernetes_Operator_SDK_Golang/Kubernetes_Operator_SDK_Golang.pptx
@@ -218,7 +218,7 @@
           <a:p>
             <a:fld id="{6CD5550B-26C4-49A9-A5BA-636EF7BE6CE9}" type="datetimeFigureOut">
               <a:rPr lang="ko-KR" altLang="en-US" smtClean="0"/>
-              <a:t>2019-11-28</a:t>
+              <a:t>2020-08-14</a:t>
             </a:fld>
             <a:endParaRPr lang="ko-KR" altLang="en-US"/>
           </a:p>
@@ -664,7 +664,7 @@
           <a:p>
             <a:fld id="{FB30EDBD-1C2D-4C1E-B459-B60219FAB484}" type="datetimeFigureOut">
               <a:rPr lang="ko-KR" altLang="en-US" smtClean="0"/>
-              <a:t>2019-11-28</a:t>
+              <a:t>2020-08-14</a:t>
             </a:fld>
             <a:endParaRPr lang="ko-KR" altLang="en-US"/>
           </a:p>
@@ -827,7 +827,7 @@
           <a:p>
             <a:fld id="{FB30EDBD-1C2D-4C1E-B459-B60219FAB484}" type="datetimeFigureOut">
               <a:rPr lang="ko-KR" altLang="en-US" smtClean="0"/>
-              <a:t>2019-11-28</a:t>
+              <a:t>2020-08-14</a:t>
             </a:fld>
             <a:endParaRPr lang="ko-KR" altLang="en-US"/>
           </a:p>
@@ -1000,7 +1000,7 @@
           <a:p>
             <a:fld id="{FB30EDBD-1C2D-4C1E-B459-B60219FAB484}" type="datetimeFigureOut">
               <a:rPr lang="ko-KR" altLang="en-US" smtClean="0"/>
-              <a:t>2019-11-28</a:t>
+              <a:t>2020-08-14</a:t>
             </a:fld>
             <a:endParaRPr lang="ko-KR" altLang="en-US"/>
           </a:p>
@@ -1163,7 +1163,7 @@
           <a:p>
             <a:fld id="{FB30EDBD-1C2D-4C1E-B459-B60219FAB484}" type="datetimeFigureOut">
               <a:rPr lang="ko-KR" altLang="en-US" smtClean="0"/>
-              <a:t>2019-11-28</a:t>
+              <a:t>2020-08-14</a:t>
             </a:fld>
             <a:endParaRPr lang="ko-KR" altLang="en-US"/>
           </a:p>
@@ -1403,7 +1403,7 @@
           <a:p>
             <a:fld id="{FB30EDBD-1C2D-4C1E-B459-B60219FAB484}" type="datetimeFigureOut">
               <a:rPr lang="ko-KR" altLang="en-US" smtClean="0"/>
-              <a:t>2019-11-28</a:t>
+              <a:t>2020-08-14</a:t>
             </a:fld>
             <a:endParaRPr lang="ko-KR" altLang="en-US"/>
           </a:p>
@@ -1683,7 +1683,7 @@
           <a:p>
             <a:fld id="{FB30EDBD-1C2D-4C1E-B459-B60219FAB484}" type="datetimeFigureOut">
               <a:rPr lang="ko-KR" altLang="en-US" smtClean="0"/>
-              <a:t>2019-11-28</a:t>
+              <a:t>2020-08-14</a:t>
             </a:fld>
             <a:endParaRPr lang="ko-KR" altLang="en-US"/>
           </a:p>
@@ -2097,7 +2097,7 @@
           <a:p>
             <a:fld id="{FB30EDBD-1C2D-4C1E-B459-B60219FAB484}" type="datetimeFigureOut">
               <a:rPr lang="ko-KR" altLang="en-US" smtClean="0"/>
-              <a:t>2019-11-28</a:t>
+              <a:t>2020-08-14</a:t>
             </a:fld>
             <a:endParaRPr lang="ko-KR" altLang="en-US"/>
           </a:p>
@@ -2209,7 +2209,7 @@
           <a:p>
             <a:fld id="{FB30EDBD-1C2D-4C1E-B459-B60219FAB484}" type="datetimeFigureOut">
               <a:rPr lang="ko-KR" altLang="en-US" smtClean="0"/>
-              <a:t>2019-11-28</a:t>
+              <a:t>2020-08-14</a:t>
             </a:fld>
             <a:endParaRPr lang="ko-KR" altLang="en-US"/>
           </a:p>
@@ -2299,7 +2299,7 @@
           <a:p>
             <a:fld id="{FB30EDBD-1C2D-4C1E-B459-B60219FAB484}" type="datetimeFigureOut">
               <a:rPr lang="ko-KR" altLang="en-US" smtClean="0"/>
-              <a:t>2019-11-28</a:t>
+              <a:t>2020-08-14</a:t>
             </a:fld>
             <a:endParaRPr lang="ko-KR" altLang="en-US"/>
           </a:p>
@@ -2569,7 +2569,7 @@
           <a:p>
             <a:fld id="{FB30EDBD-1C2D-4C1E-B459-B60219FAB484}" type="datetimeFigureOut">
               <a:rPr lang="ko-KR" altLang="en-US" smtClean="0"/>
-              <a:t>2019-11-28</a:t>
+              <a:t>2020-08-14</a:t>
             </a:fld>
             <a:endParaRPr lang="ko-KR" altLang="en-US"/>
           </a:p>
@@ -2816,7 +2816,7 @@
           <a:p>
             <a:fld id="{FB30EDBD-1C2D-4C1E-B459-B60219FAB484}" type="datetimeFigureOut">
               <a:rPr lang="ko-KR" altLang="en-US" smtClean="0"/>
-              <a:t>2019-11-28</a:t>
+              <a:t>2020-08-14</a:t>
             </a:fld>
             <a:endParaRPr lang="ko-KR" altLang="en-US"/>
           </a:p>
@@ -3022,7 +3022,7 @@
           <a:p>
             <a:fld id="{FB30EDBD-1C2D-4C1E-B459-B60219FAB484}" type="datetimeFigureOut">
               <a:rPr lang="ko-KR" altLang="en-US" smtClean="0"/>
-              <a:t>2019-11-28</a:t>
+              <a:t>2020-08-14</a:t>
             </a:fld>
             <a:endParaRPr lang="ko-KR" altLang="en-US"/>
           </a:p>
@@ -3872,7 +3872,7 @@
             <a:pPr algn="ctr"/>
             <a:r>
               <a:rPr lang="en-US" altLang="ko-KR" sz="1400"/>
-              <a:t>Worker Queue</a:t>
+              <a:t>Work Queue</a:t>
             </a:r>
             <a:endParaRPr lang="ko-KR" altLang="en-US" sz="1400"/>
           </a:p>
